--- a/docu/PR_240515_PyPowerSim_Tutorial.pptx
+++ b/docu/PR_240515_PyPowerSim_Tutorial.pptx
@@ -5,31 +5,51 @@
     <p:sldMasterId id="2147483660" r:id="rId4"/>
   </p:sldMasterIdLst>
   <p:notesMasterIdLst>
-    <p:notesMasterId r:id="rId24"/>
+    <p:notesMasterId r:id="rId44"/>
   </p:notesMasterIdLst>
   <p:handoutMasterIdLst>
-    <p:handoutMasterId r:id="rId25"/>
+    <p:handoutMasterId r:id="rId45"/>
   </p:handoutMasterIdLst>
   <p:sldIdLst>
     <p:sldId id="258" r:id="rId5"/>
     <p:sldId id="259" r:id="rId6"/>
     <p:sldId id="260" r:id="rId7"/>
-    <p:sldId id="261" r:id="rId8"/>
-    <p:sldId id="266" r:id="rId9"/>
-    <p:sldId id="267" r:id="rId10"/>
-    <p:sldId id="268" r:id="rId11"/>
-    <p:sldId id="269" r:id="rId12"/>
-    <p:sldId id="262" r:id="rId13"/>
-    <p:sldId id="263" r:id="rId14"/>
-    <p:sldId id="270" r:id="rId15"/>
-    <p:sldId id="271" r:id="rId16"/>
-    <p:sldId id="273" r:id="rId17"/>
-    <p:sldId id="272" r:id="rId18"/>
-    <p:sldId id="264" r:id="rId19"/>
-    <p:sldId id="274" r:id="rId20"/>
-    <p:sldId id="275" r:id="rId21"/>
-    <p:sldId id="276" r:id="rId22"/>
-    <p:sldId id="265" r:id="rId23"/>
+    <p:sldId id="278" r:id="rId8"/>
+    <p:sldId id="284" r:id="rId9"/>
+    <p:sldId id="285" r:id="rId10"/>
+    <p:sldId id="261" r:id="rId11"/>
+    <p:sldId id="266" r:id="rId12"/>
+    <p:sldId id="286" r:id="rId13"/>
+    <p:sldId id="287" r:id="rId14"/>
+    <p:sldId id="288" r:id="rId15"/>
+    <p:sldId id="267" r:id="rId16"/>
+    <p:sldId id="289" r:id="rId17"/>
+    <p:sldId id="290" r:id="rId18"/>
+    <p:sldId id="291" r:id="rId19"/>
+    <p:sldId id="268" r:id="rId20"/>
+    <p:sldId id="292" r:id="rId21"/>
+    <p:sldId id="293" r:id="rId22"/>
+    <p:sldId id="294" r:id="rId23"/>
+    <p:sldId id="269" r:id="rId24"/>
+    <p:sldId id="295" r:id="rId25"/>
+    <p:sldId id="296" r:id="rId26"/>
+    <p:sldId id="262" r:id="rId27"/>
+    <p:sldId id="279" r:id="rId28"/>
+    <p:sldId id="283" r:id="rId29"/>
+    <p:sldId id="280" r:id="rId30"/>
+    <p:sldId id="281" r:id="rId31"/>
+    <p:sldId id="282" r:id="rId32"/>
+    <p:sldId id="263" r:id="rId33"/>
+    <p:sldId id="270" r:id="rId34"/>
+    <p:sldId id="271" r:id="rId35"/>
+    <p:sldId id="273" r:id="rId36"/>
+    <p:sldId id="272" r:id="rId37"/>
+    <p:sldId id="264" r:id="rId38"/>
+    <p:sldId id="274" r:id="rId39"/>
+    <p:sldId id="275" r:id="rId40"/>
+    <p:sldId id="276" r:id="rId41"/>
+    <p:sldId id="265" r:id="rId42"/>
+    <p:sldId id="277" r:id="rId43"/>
   </p:sldIdLst>
   <p:sldSz cx="12188825" cy="6858000"/>
   <p:notesSz cx="6858000" cy="9144000"/>
@@ -170,13 +190,672 @@
 <file path=ppt/revisionInfo.xml><?xml version="1.0" encoding="utf-8"?>
 <p1510:revInfo xmlns:a="http://schemas.openxmlformats.org/drawingml/2006/main" xmlns:r="http://schemas.openxmlformats.org/officeDocument/2006/relationships" xmlns:p1510="http://schemas.microsoft.com/office/powerpoint/2015/10/main">
   <p1510:revLst>
-    <p1510:client id="{62CA0B58-9845-4E33-BD97-71C30DA49E74}" v="91" dt="2024-02-09T22:10:24.180"/>
+    <p1510:client id="{20F4AE57-3F43-4AC7-B503-DBFEA33D79C0}" v="15" dt="2024-08-06T18:03:09.047"/>
   </p1510:revLst>
 </p1510:revInfo>
 </file>
 
 <file path=ppt/changesInfos/changesInfo1.xml><?xml version="1.0" encoding="utf-8"?>
 <pc:chgInfo xmlns:a="http://schemas.openxmlformats.org/drawingml/2006/main" xmlns:r="http://schemas.openxmlformats.org/officeDocument/2006/relationships" xmlns:ac="http://schemas.microsoft.com/office/drawing/2013/main/command" xmlns:pc="http://schemas.microsoft.com/office/powerpoint/2013/main/command">
+  <pc:docChgLst>
+    <pc:chgData name="Pascal Schirmer" userId="f215465b21b5e6e2" providerId="LiveId" clId="{20F4AE57-3F43-4AC7-B503-DBFEA33D79C0}"/>
+    <pc:docChg chg="custSel addSld modSld">
+      <pc:chgData name="Pascal Schirmer" userId="f215465b21b5e6e2" providerId="LiveId" clId="{20F4AE57-3F43-4AC7-B503-DBFEA33D79C0}" dt="2024-08-06T18:03:15.660" v="458" actId="20577"/>
+      <pc:docMkLst>
+        <pc:docMk/>
+      </pc:docMkLst>
+      <pc:sldChg chg="modSp mod">
+        <pc:chgData name="Pascal Schirmer" userId="f215465b21b5e6e2" providerId="LiveId" clId="{20F4AE57-3F43-4AC7-B503-DBFEA33D79C0}" dt="2024-08-06T17:51:42.078" v="15" actId="20577"/>
+        <pc:sldMkLst>
+          <pc:docMk/>
+          <pc:sldMk cId="1911576262" sldId="259"/>
+        </pc:sldMkLst>
+        <pc:spChg chg="mod">
+          <ac:chgData name="Pascal Schirmer" userId="f215465b21b5e6e2" providerId="LiveId" clId="{20F4AE57-3F43-4AC7-B503-DBFEA33D79C0}" dt="2024-08-06T17:51:42.078" v="15" actId="20577"/>
+          <ac:spMkLst>
+            <pc:docMk/>
+            <pc:sldMk cId="1911576262" sldId="259"/>
+            <ac:spMk id="3" creationId="{78D7A203-3995-FB7C-A804-B7F58FCD1614}"/>
+          </ac:spMkLst>
+        </pc:spChg>
+      </pc:sldChg>
+      <pc:sldChg chg="modSp mod">
+        <pc:chgData name="Pascal Schirmer" userId="f215465b21b5e6e2" providerId="LiveId" clId="{20F4AE57-3F43-4AC7-B503-DBFEA33D79C0}" dt="2024-08-06T17:51:51.498" v="22" actId="20577"/>
+        <pc:sldMkLst>
+          <pc:docMk/>
+          <pc:sldMk cId="1190344214" sldId="262"/>
+        </pc:sldMkLst>
+        <pc:spChg chg="mod">
+          <ac:chgData name="Pascal Schirmer" userId="f215465b21b5e6e2" providerId="LiveId" clId="{20F4AE57-3F43-4AC7-B503-DBFEA33D79C0}" dt="2024-08-06T17:51:51.498" v="22" actId="20577"/>
+          <ac:spMkLst>
+            <pc:docMk/>
+            <pc:sldMk cId="1190344214" sldId="262"/>
+            <ac:spMk id="8" creationId="{3CFC64F3-4654-1561-9E87-8803B529B0C2}"/>
+          </ac:spMkLst>
+        </pc:spChg>
+      </pc:sldChg>
+      <pc:sldChg chg="modSp add mod">
+        <pc:chgData name="Pascal Schirmer" userId="f215465b21b5e6e2" providerId="LiveId" clId="{20F4AE57-3F43-4AC7-B503-DBFEA33D79C0}" dt="2024-08-06T17:52:05.295" v="35" actId="20577"/>
+        <pc:sldMkLst>
+          <pc:docMk/>
+          <pc:sldMk cId="2085390260" sldId="277"/>
+        </pc:sldMkLst>
+        <pc:spChg chg="mod">
+          <ac:chgData name="Pascal Schirmer" userId="f215465b21b5e6e2" providerId="LiveId" clId="{20F4AE57-3F43-4AC7-B503-DBFEA33D79C0}" dt="2024-08-06T17:52:00.841" v="25" actId="20577"/>
+          <ac:spMkLst>
+            <pc:docMk/>
+            <pc:sldMk cId="2085390260" sldId="277"/>
+            <ac:spMk id="7" creationId="{E5F24F6D-6AC8-A41B-7BDF-074D2E54FA2D}"/>
+          </ac:spMkLst>
+        </pc:spChg>
+        <pc:spChg chg="mod">
+          <ac:chgData name="Pascal Schirmer" userId="f215465b21b5e6e2" providerId="LiveId" clId="{20F4AE57-3F43-4AC7-B503-DBFEA33D79C0}" dt="2024-08-06T17:52:05.295" v="35" actId="20577"/>
+          <ac:spMkLst>
+            <pc:docMk/>
+            <pc:sldMk cId="2085390260" sldId="277"/>
+            <ac:spMk id="8" creationId="{3CFC64F3-4654-1561-9E87-8803B529B0C2}"/>
+          </ac:spMkLst>
+        </pc:spChg>
+      </pc:sldChg>
+      <pc:sldChg chg="addSp delSp modSp new mod modClrScheme chgLayout">
+        <pc:chgData name="Pascal Schirmer" userId="f215465b21b5e6e2" providerId="LiveId" clId="{20F4AE57-3F43-4AC7-B503-DBFEA33D79C0}" dt="2024-08-06T17:58:11.196" v="152" actId="20577"/>
+        <pc:sldMkLst>
+          <pc:docMk/>
+          <pc:sldMk cId="3552019857" sldId="278"/>
+        </pc:sldMkLst>
+        <pc:spChg chg="del mod ord">
+          <ac:chgData name="Pascal Schirmer" userId="f215465b21b5e6e2" providerId="LiveId" clId="{20F4AE57-3F43-4AC7-B503-DBFEA33D79C0}" dt="2024-08-06T17:58:03.630" v="132" actId="700"/>
+          <ac:spMkLst>
+            <pc:docMk/>
+            <pc:sldMk cId="3552019857" sldId="278"/>
+            <ac:spMk id="2" creationId="{6D0E7D24-C214-9D2F-9E03-1376B2E882F5}"/>
+          </ac:spMkLst>
+        </pc:spChg>
+        <pc:spChg chg="del mod ord">
+          <ac:chgData name="Pascal Schirmer" userId="f215465b21b5e6e2" providerId="LiveId" clId="{20F4AE57-3F43-4AC7-B503-DBFEA33D79C0}" dt="2024-08-06T17:58:03.630" v="132" actId="700"/>
+          <ac:spMkLst>
+            <pc:docMk/>
+            <pc:sldMk cId="3552019857" sldId="278"/>
+            <ac:spMk id="3" creationId="{EAAEE8EE-CC08-7B79-CE0A-238687D672BC}"/>
+          </ac:spMkLst>
+        </pc:spChg>
+        <pc:spChg chg="mod ord">
+          <ac:chgData name="Pascal Schirmer" userId="f215465b21b5e6e2" providerId="LiveId" clId="{20F4AE57-3F43-4AC7-B503-DBFEA33D79C0}" dt="2024-08-06T17:58:03.630" v="132" actId="700"/>
+          <ac:spMkLst>
+            <pc:docMk/>
+            <pc:sldMk cId="3552019857" sldId="278"/>
+            <ac:spMk id="4" creationId="{A92D8E36-A504-8FD1-34E6-957FCEED9D12}"/>
+          </ac:spMkLst>
+        </pc:spChg>
+        <pc:spChg chg="mod ord">
+          <ac:chgData name="Pascal Schirmer" userId="f215465b21b5e6e2" providerId="LiveId" clId="{20F4AE57-3F43-4AC7-B503-DBFEA33D79C0}" dt="2024-08-06T17:58:03.630" v="132" actId="700"/>
+          <ac:spMkLst>
+            <pc:docMk/>
+            <pc:sldMk cId="3552019857" sldId="278"/>
+            <ac:spMk id="5" creationId="{ECF12003-0FE7-990E-A654-6E747B2ABBA9}"/>
+          </ac:spMkLst>
+        </pc:spChg>
+        <pc:spChg chg="mod ord">
+          <ac:chgData name="Pascal Schirmer" userId="f215465b21b5e6e2" providerId="LiveId" clId="{20F4AE57-3F43-4AC7-B503-DBFEA33D79C0}" dt="2024-08-06T17:58:03.630" v="132" actId="700"/>
+          <ac:spMkLst>
+            <pc:docMk/>
+            <pc:sldMk cId="3552019857" sldId="278"/>
+            <ac:spMk id="6" creationId="{2CD746E0-A0C6-68EF-2E0F-AAEF58EFFED7}"/>
+          </ac:spMkLst>
+        </pc:spChg>
+        <pc:spChg chg="add mod ord">
+          <ac:chgData name="Pascal Schirmer" userId="f215465b21b5e6e2" providerId="LiveId" clId="{20F4AE57-3F43-4AC7-B503-DBFEA33D79C0}" dt="2024-08-06T17:58:11.196" v="152" actId="20577"/>
+          <ac:spMkLst>
+            <pc:docMk/>
+            <pc:sldMk cId="3552019857" sldId="278"/>
+            <ac:spMk id="7" creationId="{37707CF7-B372-DD32-8FA7-7BA7EA531EE2}"/>
+          </ac:spMkLst>
+        </pc:spChg>
+        <pc:spChg chg="add mod ord">
+          <ac:chgData name="Pascal Schirmer" userId="f215465b21b5e6e2" providerId="LiveId" clId="{20F4AE57-3F43-4AC7-B503-DBFEA33D79C0}" dt="2024-08-06T17:58:03.630" v="132" actId="700"/>
+          <ac:spMkLst>
+            <pc:docMk/>
+            <pc:sldMk cId="3552019857" sldId="278"/>
+            <ac:spMk id="8" creationId="{BE608239-E489-1490-6F8B-E22DAC719CDC}"/>
+          </ac:spMkLst>
+        </pc:spChg>
+        <pc:spChg chg="add mod ord">
+          <ac:chgData name="Pascal Schirmer" userId="f215465b21b5e6e2" providerId="LiveId" clId="{20F4AE57-3F43-4AC7-B503-DBFEA33D79C0}" dt="2024-08-06T17:58:03.630" v="132" actId="700"/>
+          <ac:spMkLst>
+            <pc:docMk/>
+            <pc:sldMk cId="3552019857" sldId="278"/>
+            <ac:spMk id="9" creationId="{47D3A2D6-4EAA-41DF-BE8A-6F1CC6E224EA}"/>
+          </ac:spMkLst>
+        </pc:spChg>
+      </pc:sldChg>
+      <pc:sldChg chg="addSp delSp modSp new mod modClrScheme chgLayout">
+        <pc:chgData name="Pascal Schirmer" userId="f215465b21b5e6e2" providerId="LiveId" clId="{20F4AE57-3F43-4AC7-B503-DBFEA33D79C0}" dt="2024-08-06T17:56:58.623" v="70" actId="20577"/>
+        <pc:sldMkLst>
+          <pc:docMk/>
+          <pc:sldMk cId="3089511972" sldId="279"/>
+        </pc:sldMkLst>
+        <pc:spChg chg="del mod ord">
+          <ac:chgData name="Pascal Schirmer" userId="f215465b21b5e6e2" providerId="LiveId" clId="{20F4AE57-3F43-4AC7-B503-DBFEA33D79C0}" dt="2024-08-06T17:56:50.574" v="38" actId="700"/>
+          <ac:spMkLst>
+            <pc:docMk/>
+            <pc:sldMk cId="3089511972" sldId="279"/>
+            <ac:spMk id="2" creationId="{2D2707BD-36B6-B182-DC43-7447267A6474}"/>
+          </ac:spMkLst>
+        </pc:spChg>
+        <pc:spChg chg="del mod ord">
+          <ac:chgData name="Pascal Schirmer" userId="f215465b21b5e6e2" providerId="LiveId" clId="{20F4AE57-3F43-4AC7-B503-DBFEA33D79C0}" dt="2024-08-06T17:56:50.574" v="38" actId="700"/>
+          <ac:spMkLst>
+            <pc:docMk/>
+            <pc:sldMk cId="3089511972" sldId="279"/>
+            <ac:spMk id="3" creationId="{F9ED9CA1-6A62-4C19-0E9F-D5463C67FC74}"/>
+          </ac:spMkLst>
+        </pc:spChg>
+        <pc:spChg chg="mod ord">
+          <ac:chgData name="Pascal Schirmer" userId="f215465b21b5e6e2" providerId="LiveId" clId="{20F4AE57-3F43-4AC7-B503-DBFEA33D79C0}" dt="2024-08-06T17:56:50.574" v="38" actId="700"/>
+          <ac:spMkLst>
+            <pc:docMk/>
+            <pc:sldMk cId="3089511972" sldId="279"/>
+            <ac:spMk id="4" creationId="{ECD61361-7332-E69B-C0C4-BCDE1DD3B50B}"/>
+          </ac:spMkLst>
+        </pc:spChg>
+        <pc:spChg chg="mod ord">
+          <ac:chgData name="Pascal Schirmer" userId="f215465b21b5e6e2" providerId="LiveId" clId="{20F4AE57-3F43-4AC7-B503-DBFEA33D79C0}" dt="2024-08-06T17:56:50.574" v="38" actId="700"/>
+          <ac:spMkLst>
+            <pc:docMk/>
+            <pc:sldMk cId="3089511972" sldId="279"/>
+            <ac:spMk id="5" creationId="{0B6FD8DA-1A1F-A6FE-98A6-954002D3F14B}"/>
+          </ac:spMkLst>
+        </pc:spChg>
+        <pc:spChg chg="mod ord">
+          <ac:chgData name="Pascal Schirmer" userId="f215465b21b5e6e2" providerId="LiveId" clId="{20F4AE57-3F43-4AC7-B503-DBFEA33D79C0}" dt="2024-08-06T17:56:50.574" v="38" actId="700"/>
+          <ac:spMkLst>
+            <pc:docMk/>
+            <pc:sldMk cId="3089511972" sldId="279"/>
+            <ac:spMk id="6" creationId="{B7DCCC8A-F3C2-C4F5-F2F9-56A5693E4D7B}"/>
+          </ac:spMkLst>
+        </pc:spChg>
+        <pc:spChg chg="add mod ord">
+          <ac:chgData name="Pascal Schirmer" userId="f215465b21b5e6e2" providerId="LiveId" clId="{20F4AE57-3F43-4AC7-B503-DBFEA33D79C0}" dt="2024-08-06T17:56:58.623" v="70" actId="20577"/>
+          <ac:spMkLst>
+            <pc:docMk/>
+            <pc:sldMk cId="3089511972" sldId="279"/>
+            <ac:spMk id="7" creationId="{AAF04D75-5240-343D-0F6C-3A12793505F8}"/>
+          </ac:spMkLst>
+        </pc:spChg>
+        <pc:spChg chg="add mod ord">
+          <ac:chgData name="Pascal Schirmer" userId="f215465b21b5e6e2" providerId="LiveId" clId="{20F4AE57-3F43-4AC7-B503-DBFEA33D79C0}" dt="2024-08-06T17:56:50.574" v="38" actId="700"/>
+          <ac:spMkLst>
+            <pc:docMk/>
+            <pc:sldMk cId="3089511972" sldId="279"/>
+            <ac:spMk id="8" creationId="{616D9E36-D657-FFE5-94A7-9D50AACA7DFD}"/>
+          </ac:spMkLst>
+        </pc:spChg>
+      </pc:sldChg>
+      <pc:sldChg chg="modSp add mod">
+        <pc:chgData name="Pascal Schirmer" userId="f215465b21b5e6e2" providerId="LiveId" clId="{20F4AE57-3F43-4AC7-B503-DBFEA33D79C0}" dt="2024-08-06T17:57:23.162" v="81" actId="20577"/>
+        <pc:sldMkLst>
+          <pc:docMk/>
+          <pc:sldMk cId="3156970649" sldId="280"/>
+        </pc:sldMkLst>
+        <pc:spChg chg="mod">
+          <ac:chgData name="Pascal Schirmer" userId="f215465b21b5e6e2" providerId="LiveId" clId="{20F4AE57-3F43-4AC7-B503-DBFEA33D79C0}" dt="2024-08-06T17:57:23.162" v="81" actId="20577"/>
+          <ac:spMkLst>
+            <pc:docMk/>
+            <pc:sldMk cId="3156970649" sldId="280"/>
+            <ac:spMk id="7" creationId="{AAF04D75-5240-343D-0F6C-3A12793505F8}"/>
+          </ac:spMkLst>
+        </pc:spChg>
+      </pc:sldChg>
+      <pc:sldChg chg="modSp add mod">
+        <pc:chgData name="Pascal Schirmer" userId="f215465b21b5e6e2" providerId="LiveId" clId="{20F4AE57-3F43-4AC7-B503-DBFEA33D79C0}" dt="2024-08-06T17:57:31.078" v="95" actId="20577"/>
+        <pc:sldMkLst>
+          <pc:docMk/>
+          <pc:sldMk cId="2374816081" sldId="281"/>
+        </pc:sldMkLst>
+        <pc:spChg chg="mod">
+          <ac:chgData name="Pascal Schirmer" userId="f215465b21b5e6e2" providerId="LiveId" clId="{20F4AE57-3F43-4AC7-B503-DBFEA33D79C0}" dt="2024-08-06T17:57:31.078" v="95" actId="20577"/>
+          <ac:spMkLst>
+            <pc:docMk/>
+            <pc:sldMk cId="2374816081" sldId="281"/>
+            <ac:spMk id="7" creationId="{AAF04D75-5240-343D-0F6C-3A12793505F8}"/>
+          </ac:spMkLst>
+        </pc:spChg>
+      </pc:sldChg>
+      <pc:sldChg chg="modSp add mod">
+        <pc:chgData name="Pascal Schirmer" userId="f215465b21b5e6e2" providerId="LiveId" clId="{20F4AE57-3F43-4AC7-B503-DBFEA33D79C0}" dt="2024-08-06T17:57:40.972" v="105" actId="20577"/>
+        <pc:sldMkLst>
+          <pc:docMk/>
+          <pc:sldMk cId="777737136" sldId="282"/>
+        </pc:sldMkLst>
+        <pc:spChg chg="mod">
+          <ac:chgData name="Pascal Schirmer" userId="f215465b21b5e6e2" providerId="LiveId" clId="{20F4AE57-3F43-4AC7-B503-DBFEA33D79C0}" dt="2024-08-06T17:57:40.972" v="105" actId="20577"/>
+          <ac:spMkLst>
+            <pc:docMk/>
+            <pc:sldMk cId="777737136" sldId="282"/>
+            <ac:spMk id="7" creationId="{AAF04D75-5240-343D-0F6C-3A12793505F8}"/>
+          </ac:spMkLst>
+        </pc:spChg>
+      </pc:sldChg>
+      <pc:sldChg chg="modSp add mod">
+        <pc:chgData name="Pascal Schirmer" userId="f215465b21b5e6e2" providerId="LiveId" clId="{20F4AE57-3F43-4AC7-B503-DBFEA33D79C0}" dt="2024-08-06T17:57:54.648" v="131" actId="20577"/>
+        <pc:sldMkLst>
+          <pc:docMk/>
+          <pc:sldMk cId="3727853607" sldId="283"/>
+        </pc:sldMkLst>
+        <pc:spChg chg="mod">
+          <ac:chgData name="Pascal Schirmer" userId="f215465b21b5e6e2" providerId="LiveId" clId="{20F4AE57-3F43-4AC7-B503-DBFEA33D79C0}" dt="2024-08-06T17:57:54.648" v="131" actId="20577"/>
+          <ac:spMkLst>
+            <pc:docMk/>
+            <pc:sldMk cId="3727853607" sldId="283"/>
+            <ac:spMk id="7" creationId="{AAF04D75-5240-343D-0F6C-3A12793505F8}"/>
+          </ac:spMkLst>
+        </pc:spChg>
+      </pc:sldChg>
+      <pc:sldChg chg="modSp add mod">
+        <pc:chgData name="Pascal Schirmer" userId="f215465b21b5e6e2" providerId="LiveId" clId="{20F4AE57-3F43-4AC7-B503-DBFEA33D79C0}" dt="2024-08-06T17:58:22.670" v="165" actId="20577"/>
+        <pc:sldMkLst>
+          <pc:docMk/>
+          <pc:sldMk cId="138796717" sldId="284"/>
+        </pc:sldMkLst>
+        <pc:spChg chg="mod">
+          <ac:chgData name="Pascal Schirmer" userId="f215465b21b5e6e2" providerId="LiveId" clId="{20F4AE57-3F43-4AC7-B503-DBFEA33D79C0}" dt="2024-08-06T17:58:22.670" v="165" actId="20577"/>
+          <ac:spMkLst>
+            <pc:docMk/>
+            <pc:sldMk cId="138796717" sldId="284"/>
+            <ac:spMk id="7" creationId="{37707CF7-B372-DD32-8FA7-7BA7EA531EE2}"/>
+          </ac:spMkLst>
+        </pc:spChg>
+      </pc:sldChg>
+      <pc:sldChg chg="add">
+        <pc:chgData name="Pascal Schirmer" userId="f215465b21b5e6e2" providerId="LiveId" clId="{20F4AE57-3F43-4AC7-B503-DBFEA33D79C0}" dt="2024-08-06T17:58:31.631" v="166"/>
+        <pc:sldMkLst>
+          <pc:docMk/>
+          <pc:sldMk cId="3244389885" sldId="285"/>
+        </pc:sldMkLst>
+      </pc:sldChg>
+      <pc:sldChg chg="addSp delSp modSp new mod modClrScheme chgLayout">
+        <pc:chgData name="Pascal Schirmer" userId="f215465b21b5e6e2" providerId="LiveId" clId="{20F4AE57-3F43-4AC7-B503-DBFEA33D79C0}" dt="2024-08-06T17:59:09.186" v="188" actId="20577"/>
+        <pc:sldMkLst>
+          <pc:docMk/>
+          <pc:sldMk cId="610522360" sldId="286"/>
+        </pc:sldMkLst>
+        <pc:spChg chg="del mod ord">
+          <ac:chgData name="Pascal Schirmer" userId="f215465b21b5e6e2" providerId="LiveId" clId="{20F4AE57-3F43-4AC7-B503-DBFEA33D79C0}" dt="2024-08-06T17:58:54.188" v="168" actId="700"/>
+          <ac:spMkLst>
+            <pc:docMk/>
+            <pc:sldMk cId="610522360" sldId="286"/>
+            <ac:spMk id="2" creationId="{123DF0EE-34AE-2B3E-E146-82D8ED665EA3}"/>
+          </ac:spMkLst>
+        </pc:spChg>
+        <pc:spChg chg="del mod ord">
+          <ac:chgData name="Pascal Schirmer" userId="f215465b21b5e6e2" providerId="LiveId" clId="{20F4AE57-3F43-4AC7-B503-DBFEA33D79C0}" dt="2024-08-06T17:58:54.188" v="168" actId="700"/>
+          <ac:spMkLst>
+            <pc:docMk/>
+            <pc:sldMk cId="610522360" sldId="286"/>
+            <ac:spMk id="3" creationId="{FCFFE751-A71D-7AD7-68E2-B8575AE382E2}"/>
+          </ac:spMkLst>
+        </pc:spChg>
+        <pc:spChg chg="mod ord">
+          <ac:chgData name="Pascal Schirmer" userId="f215465b21b5e6e2" providerId="LiveId" clId="{20F4AE57-3F43-4AC7-B503-DBFEA33D79C0}" dt="2024-08-06T17:58:54.188" v="168" actId="700"/>
+          <ac:spMkLst>
+            <pc:docMk/>
+            <pc:sldMk cId="610522360" sldId="286"/>
+            <ac:spMk id="4" creationId="{04995A65-9F16-A0C6-DDEE-C4C6BBC2AA0B}"/>
+          </ac:spMkLst>
+        </pc:spChg>
+        <pc:spChg chg="mod ord">
+          <ac:chgData name="Pascal Schirmer" userId="f215465b21b5e6e2" providerId="LiveId" clId="{20F4AE57-3F43-4AC7-B503-DBFEA33D79C0}" dt="2024-08-06T17:58:54.188" v="168" actId="700"/>
+          <ac:spMkLst>
+            <pc:docMk/>
+            <pc:sldMk cId="610522360" sldId="286"/>
+            <ac:spMk id="5" creationId="{5B55B378-202B-ACF1-C6DC-B233CC599BE8}"/>
+          </ac:spMkLst>
+        </pc:spChg>
+        <pc:spChg chg="mod ord">
+          <ac:chgData name="Pascal Schirmer" userId="f215465b21b5e6e2" providerId="LiveId" clId="{20F4AE57-3F43-4AC7-B503-DBFEA33D79C0}" dt="2024-08-06T17:58:54.188" v="168" actId="700"/>
+          <ac:spMkLst>
+            <pc:docMk/>
+            <pc:sldMk cId="610522360" sldId="286"/>
+            <ac:spMk id="6" creationId="{ACF547E7-31BA-5053-355D-77B68F2C1B0E}"/>
+          </ac:spMkLst>
+        </pc:spChg>
+        <pc:spChg chg="add mod ord">
+          <ac:chgData name="Pascal Schirmer" userId="f215465b21b5e6e2" providerId="LiveId" clId="{20F4AE57-3F43-4AC7-B503-DBFEA33D79C0}" dt="2024-08-06T17:59:09.186" v="188" actId="20577"/>
+          <ac:spMkLst>
+            <pc:docMk/>
+            <pc:sldMk cId="610522360" sldId="286"/>
+            <ac:spMk id="7" creationId="{FF69AE3F-5059-1EBC-E411-767C0C94F228}"/>
+          </ac:spMkLst>
+        </pc:spChg>
+        <pc:spChg chg="add mod ord">
+          <ac:chgData name="Pascal Schirmer" userId="f215465b21b5e6e2" providerId="LiveId" clId="{20F4AE57-3F43-4AC7-B503-DBFEA33D79C0}" dt="2024-08-06T17:58:54.188" v="168" actId="700"/>
+          <ac:spMkLst>
+            <pc:docMk/>
+            <pc:sldMk cId="610522360" sldId="286"/>
+            <ac:spMk id="8" creationId="{61F70A46-340D-337D-91C3-7D64F0CD885E}"/>
+          </ac:spMkLst>
+        </pc:spChg>
+        <pc:spChg chg="add mod ord">
+          <ac:chgData name="Pascal Schirmer" userId="f215465b21b5e6e2" providerId="LiveId" clId="{20F4AE57-3F43-4AC7-B503-DBFEA33D79C0}" dt="2024-08-06T17:58:54.188" v="168" actId="700"/>
+          <ac:spMkLst>
+            <pc:docMk/>
+            <pc:sldMk cId="610522360" sldId="286"/>
+            <ac:spMk id="9" creationId="{4D68B540-1581-0117-6808-CDFBFCB93E66}"/>
+          </ac:spMkLst>
+        </pc:spChg>
+        <pc:spChg chg="add mod ord">
+          <ac:chgData name="Pascal Schirmer" userId="f215465b21b5e6e2" providerId="LiveId" clId="{20F4AE57-3F43-4AC7-B503-DBFEA33D79C0}" dt="2024-08-06T17:58:54.188" v="168" actId="700"/>
+          <ac:spMkLst>
+            <pc:docMk/>
+            <pc:sldMk cId="610522360" sldId="286"/>
+            <ac:spMk id="10" creationId="{BDBFF0BE-815A-AEB5-C3AF-D66CC988A7EB}"/>
+          </ac:spMkLst>
+        </pc:spChg>
+        <pc:spChg chg="add mod ord">
+          <ac:chgData name="Pascal Schirmer" userId="f215465b21b5e6e2" providerId="LiveId" clId="{20F4AE57-3F43-4AC7-B503-DBFEA33D79C0}" dt="2024-08-06T17:58:54.188" v="168" actId="700"/>
+          <ac:spMkLst>
+            <pc:docMk/>
+            <pc:sldMk cId="610522360" sldId="286"/>
+            <ac:spMk id="11" creationId="{E6C6A63D-3D5D-CA55-A533-81C57432AFE2}"/>
+          </ac:spMkLst>
+        </pc:spChg>
+      </pc:sldChg>
+      <pc:sldChg chg="modSp add mod">
+        <pc:chgData name="Pascal Schirmer" userId="f215465b21b5e6e2" providerId="LiveId" clId="{20F4AE57-3F43-4AC7-B503-DBFEA33D79C0}" dt="2024-08-06T17:59:19.048" v="199" actId="20577"/>
+        <pc:sldMkLst>
+          <pc:docMk/>
+          <pc:sldMk cId="2270270040" sldId="287"/>
+        </pc:sldMkLst>
+        <pc:spChg chg="mod">
+          <ac:chgData name="Pascal Schirmer" userId="f215465b21b5e6e2" providerId="LiveId" clId="{20F4AE57-3F43-4AC7-B503-DBFEA33D79C0}" dt="2024-08-06T17:59:19.048" v="199" actId="20577"/>
+          <ac:spMkLst>
+            <pc:docMk/>
+            <pc:sldMk cId="2270270040" sldId="287"/>
+            <ac:spMk id="7" creationId="{FF69AE3F-5059-1EBC-E411-767C0C94F228}"/>
+          </ac:spMkLst>
+        </pc:spChg>
+      </pc:sldChg>
+      <pc:sldChg chg="modSp add mod">
+        <pc:chgData name="Pascal Schirmer" userId="f215465b21b5e6e2" providerId="LiveId" clId="{20F4AE57-3F43-4AC7-B503-DBFEA33D79C0}" dt="2024-08-06T17:59:35.655" v="222" actId="20577"/>
+        <pc:sldMkLst>
+          <pc:docMk/>
+          <pc:sldMk cId="3307342912" sldId="288"/>
+        </pc:sldMkLst>
+        <pc:spChg chg="mod">
+          <ac:chgData name="Pascal Schirmer" userId="f215465b21b5e6e2" providerId="LiveId" clId="{20F4AE57-3F43-4AC7-B503-DBFEA33D79C0}" dt="2024-08-06T17:59:35.655" v="222" actId="20577"/>
+          <ac:spMkLst>
+            <pc:docMk/>
+            <pc:sldMk cId="3307342912" sldId="288"/>
+            <ac:spMk id="7" creationId="{FF69AE3F-5059-1EBC-E411-767C0C94F228}"/>
+          </ac:spMkLst>
+        </pc:spChg>
+      </pc:sldChg>
+      <pc:sldChg chg="addSp delSp modSp new mod modClrScheme chgLayout">
+        <pc:chgData name="Pascal Schirmer" userId="f215465b21b5e6e2" providerId="LiveId" clId="{20F4AE57-3F43-4AC7-B503-DBFEA33D79C0}" dt="2024-08-06T18:00:04.525" v="257" actId="20577"/>
+        <pc:sldMkLst>
+          <pc:docMk/>
+          <pc:sldMk cId="2692238591" sldId="289"/>
+        </pc:sldMkLst>
+        <pc:spChg chg="del mod ord">
+          <ac:chgData name="Pascal Schirmer" userId="f215465b21b5e6e2" providerId="LiveId" clId="{20F4AE57-3F43-4AC7-B503-DBFEA33D79C0}" dt="2024-08-06T17:59:55.059" v="224" actId="700"/>
+          <ac:spMkLst>
+            <pc:docMk/>
+            <pc:sldMk cId="2692238591" sldId="289"/>
+            <ac:spMk id="2" creationId="{407862BA-B88D-324A-9803-AC611A5F2038}"/>
+          </ac:spMkLst>
+        </pc:spChg>
+        <pc:spChg chg="del mod ord">
+          <ac:chgData name="Pascal Schirmer" userId="f215465b21b5e6e2" providerId="LiveId" clId="{20F4AE57-3F43-4AC7-B503-DBFEA33D79C0}" dt="2024-08-06T17:59:55.059" v="224" actId="700"/>
+          <ac:spMkLst>
+            <pc:docMk/>
+            <pc:sldMk cId="2692238591" sldId="289"/>
+            <ac:spMk id="3" creationId="{749209F1-68FB-8DE3-E559-CD871AA1BB33}"/>
+          </ac:spMkLst>
+        </pc:spChg>
+        <pc:spChg chg="mod ord">
+          <ac:chgData name="Pascal Schirmer" userId="f215465b21b5e6e2" providerId="LiveId" clId="{20F4AE57-3F43-4AC7-B503-DBFEA33D79C0}" dt="2024-08-06T17:59:55.059" v="224" actId="700"/>
+          <ac:spMkLst>
+            <pc:docMk/>
+            <pc:sldMk cId="2692238591" sldId="289"/>
+            <ac:spMk id="4" creationId="{D8A8775A-C613-EBCE-7029-F9189015D931}"/>
+          </ac:spMkLst>
+        </pc:spChg>
+        <pc:spChg chg="mod ord">
+          <ac:chgData name="Pascal Schirmer" userId="f215465b21b5e6e2" providerId="LiveId" clId="{20F4AE57-3F43-4AC7-B503-DBFEA33D79C0}" dt="2024-08-06T17:59:55.059" v="224" actId="700"/>
+          <ac:spMkLst>
+            <pc:docMk/>
+            <pc:sldMk cId="2692238591" sldId="289"/>
+            <ac:spMk id="5" creationId="{5D9A520D-4E06-4422-0A20-38C46689FC33}"/>
+          </ac:spMkLst>
+        </pc:spChg>
+        <pc:spChg chg="mod ord">
+          <ac:chgData name="Pascal Schirmer" userId="f215465b21b5e6e2" providerId="LiveId" clId="{20F4AE57-3F43-4AC7-B503-DBFEA33D79C0}" dt="2024-08-06T17:59:55.059" v="224" actId="700"/>
+          <ac:spMkLst>
+            <pc:docMk/>
+            <pc:sldMk cId="2692238591" sldId="289"/>
+            <ac:spMk id="6" creationId="{16B0AC12-D169-A541-7C2B-8CD9785E2E4F}"/>
+          </ac:spMkLst>
+        </pc:spChg>
+        <pc:spChg chg="add mod ord">
+          <ac:chgData name="Pascal Schirmer" userId="f215465b21b5e6e2" providerId="LiveId" clId="{20F4AE57-3F43-4AC7-B503-DBFEA33D79C0}" dt="2024-08-06T18:00:04.525" v="257" actId="20577"/>
+          <ac:spMkLst>
+            <pc:docMk/>
+            <pc:sldMk cId="2692238591" sldId="289"/>
+            <ac:spMk id="7" creationId="{14BD6D15-8001-F88F-B443-BCF76EDB3921}"/>
+          </ac:spMkLst>
+        </pc:spChg>
+        <pc:spChg chg="add mod ord">
+          <ac:chgData name="Pascal Schirmer" userId="f215465b21b5e6e2" providerId="LiveId" clId="{20F4AE57-3F43-4AC7-B503-DBFEA33D79C0}" dt="2024-08-06T17:59:55.059" v="224" actId="700"/>
+          <ac:spMkLst>
+            <pc:docMk/>
+            <pc:sldMk cId="2692238591" sldId="289"/>
+            <ac:spMk id="8" creationId="{3B2407C0-9608-C2B8-EA0C-9450A753C68C}"/>
+          </ac:spMkLst>
+        </pc:spChg>
+        <pc:spChg chg="add mod ord">
+          <ac:chgData name="Pascal Schirmer" userId="f215465b21b5e6e2" providerId="LiveId" clId="{20F4AE57-3F43-4AC7-B503-DBFEA33D79C0}" dt="2024-08-06T17:59:55.059" v="224" actId="700"/>
+          <ac:spMkLst>
+            <pc:docMk/>
+            <pc:sldMk cId="2692238591" sldId="289"/>
+            <ac:spMk id="9" creationId="{5ED9DC5A-DE1A-2239-A34C-6746ED076DC8}"/>
+          </ac:spMkLst>
+        </pc:spChg>
+        <pc:spChg chg="add mod ord">
+          <ac:chgData name="Pascal Schirmer" userId="f215465b21b5e6e2" providerId="LiveId" clId="{20F4AE57-3F43-4AC7-B503-DBFEA33D79C0}" dt="2024-08-06T17:59:55.059" v="224" actId="700"/>
+          <ac:spMkLst>
+            <pc:docMk/>
+            <pc:sldMk cId="2692238591" sldId="289"/>
+            <ac:spMk id="10" creationId="{A7106598-A7AA-6A95-E277-DF5968031ECE}"/>
+          </ac:spMkLst>
+        </pc:spChg>
+        <pc:spChg chg="add mod ord">
+          <ac:chgData name="Pascal Schirmer" userId="f215465b21b5e6e2" providerId="LiveId" clId="{20F4AE57-3F43-4AC7-B503-DBFEA33D79C0}" dt="2024-08-06T17:59:55.059" v="224" actId="700"/>
+          <ac:spMkLst>
+            <pc:docMk/>
+            <pc:sldMk cId="2692238591" sldId="289"/>
+            <ac:spMk id="11" creationId="{00352539-B7B0-3573-F861-547F8F3C7C96}"/>
+          </ac:spMkLst>
+        </pc:spChg>
+      </pc:sldChg>
+      <pc:sldChg chg="modSp add mod">
+        <pc:chgData name="Pascal Schirmer" userId="f215465b21b5e6e2" providerId="LiveId" clId="{20F4AE57-3F43-4AC7-B503-DBFEA33D79C0}" dt="2024-08-06T18:00:12.614" v="275" actId="20577"/>
+        <pc:sldMkLst>
+          <pc:docMk/>
+          <pc:sldMk cId="2524017223" sldId="290"/>
+        </pc:sldMkLst>
+        <pc:spChg chg="mod">
+          <ac:chgData name="Pascal Schirmer" userId="f215465b21b5e6e2" providerId="LiveId" clId="{20F4AE57-3F43-4AC7-B503-DBFEA33D79C0}" dt="2024-08-06T18:00:12.614" v="275" actId="20577"/>
+          <ac:spMkLst>
+            <pc:docMk/>
+            <pc:sldMk cId="2524017223" sldId="290"/>
+            <ac:spMk id="7" creationId="{14BD6D15-8001-F88F-B443-BCF76EDB3921}"/>
+          </ac:spMkLst>
+        </pc:spChg>
+      </pc:sldChg>
+      <pc:sldChg chg="modSp add mod">
+        <pc:chgData name="Pascal Schirmer" userId="f215465b21b5e6e2" providerId="LiveId" clId="{20F4AE57-3F43-4AC7-B503-DBFEA33D79C0}" dt="2024-08-06T18:00:23.850" v="304" actId="20577"/>
+        <pc:sldMkLst>
+          <pc:docMk/>
+          <pc:sldMk cId="3315036825" sldId="291"/>
+        </pc:sldMkLst>
+        <pc:spChg chg="mod">
+          <ac:chgData name="Pascal Schirmer" userId="f215465b21b5e6e2" providerId="LiveId" clId="{20F4AE57-3F43-4AC7-B503-DBFEA33D79C0}" dt="2024-08-06T18:00:23.850" v="304" actId="20577"/>
+          <ac:spMkLst>
+            <pc:docMk/>
+            <pc:sldMk cId="3315036825" sldId="291"/>
+            <ac:spMk id="7" creationId="{14BD6D15-8001-F88F-B443-BCF76EDB3921}"/>
+          </ac:spMkLst>
+        </pc:spChg>
+      </pc:sldChg>
+      <pc:sldChg chg="addSp delSp modSp new mod modClrScheme chgLayout">
+        <pc:chgData name="Pascal Schirmer" userId="f215465b21b5e6e2" providerId="LiveId" clId="{20F4AE57-3F43-4AC7-B503-DBFEA33D79C0}" dt="2024-08-06T18:01:05.490" v="335" actId="20577"/>
+        <pc:sldMkLst>
+          <pc:docMk/>
+          <pc:sldMk cId="2797410409" sldId="292"/>
+        </pc:sldMkLst>
+        <pc:spChg chg="del mod ord">
+          <ac:chgData name="Pascal Schirmer" userId="f215465b21b5e6e2" providerId="LiveId" clId="{20F4AE57-3F43-4AC7-B503-DBFEA33D79C0}" dt="2024-08-06T18:00:42.936" v="306" actId="700"/>
+          <ac:spMkLst>
+            <pc:docMk/>
+            <pc:sldMk cId="2797410409" sldId="292"/>
+            <ac:spMk id="2" creationId="{EB2A196B-E10E-9F54-9DC5-FE59D351BC7C}"/>
+          </ac:spMkLst>
+        </pc:spChg>
+        <pc:spChg chg="del mod ord">
+          <ac:chgData name="Pascal Schirmer" userId="f215465b21b5e6e2" providerId="LiveId" clId="{20F4AE57-3F43-4AC7-B503-DBFEA33D79C0}" dt="2024-08-06T18:00:42.936" v="306" actId="700"/>
+          <ac:spMkLst>
+            <pc:docMk/>
+            <pc:sldMk cId="2797410409" sldId="292"/>
+            <ac:spMk id="3" creationId="{5FD629FB-3286-5C3F-B266-34FCBBDD0FF3}"/>
+          </ac:spMkLst>
+        </pc:spChg>
+        <pc:spChg chg="mod ord">
+          <ac:chgData name="Pascal Schirmer" userId="f215465b21b5e6e2" providerId="LiveId" clId="{20F4AE57-3F43-4AC7-B503-DBFEA33D79C0}" dt="2024-08-06T18:00:42.936" v="306" actId="700"/>
+          <ac:spMkLst>
+            <pc:docMk/>
+            <pc:sldMk cId="2797410409" sldId="292"/>
+            <ac:spMk id="4" creationId="{760A7B9A-AB13-9020-6487-8117ED797BFE}"/>
+          </ac:spMkLst>
+        </pc:spChg>
+        <pc:spChg chg="mod ord">
+          <ac:chgData name="Pascal Schirmer" userId="f215465b21b5e6e2" providerId="LiveId" clId="{20F4AE57-3F43-4AC7-B503-DBFEA33D79C0}" dt="2024-08-06T18:00:42.936" v="306" actId="700"/>
+          <ac:spMkLst>
+            <pc:docMk/>
+            <pc:sldMk cId="2797410409" sldId="292"/>
+            <ac:spMk id="5" creationId="{8242E96A-0F1C-FB73-30E2-CDBF387E5D40}"/>
+          </ac:spMkLst>
+        </pc:spChg>
+        <pc:spChg chg="mod ord">
+          <ac:chgData name="Pascal Schirmer" userId="f215465b21b5e6e2" providerId="LiveId" clId="{20F4AE57-3F43-4AC7-B503-DBFEA33D79C0}" dt="2024-08-06T18:00:42.936" v="306" actId="700"/>
+          <ac:spMkLst>
+            <pc:docMk/>
+            <pc:sldMk cId="2797410409" sldId="292"/>
+            <ac:spMk id="6" creationId="{C2F7E56A-F02E-8537-6AC5-F2FF1AD0054A}"/>
+          </ac:spMkLst>
+        </pc:spChg>
+        <pc:spChg chg="add mod ord">
+          <ac:chgData name="Pascal Schirmer" userId="f215465b21b5e6e2" providerId="LiveId" clId="{20F4AE57-3F43-4AC7-B503-DBFEA33D79C0}" dt="2024-08-06T18:01:05.490" v="335" actId="20577"/>
+          <ac:spMkLst>
+            <pc:docMk/>
+            <pc:sldMk cId="2797410409" sldId="292"/>
+            <ac:spMk id="7" creationId="{C8BDFC98-41C3-7823-EBC8-A2D7473EFF59}"/>
+          </ac:spMkLst>
+        </pc:spChg>
+        <pc:spChg chg="add mod ord">
+          <ac:chgData name="Pascal Schirmer" userId="f215465b21b5e6e2" providerId="LiveId" clId="{20F4AE57-3F43-4AC7-B503-DBFEA33D79C0}" dt="2024-08-06T18:00:42.936" v="306" actId="700"/>
+          <ac:spMkLst>
+            <pc:docMk/>
+            <pc:sldMk cId="2797410409" sldId="292"/>
+            <ac:spMk id="8" creationId="{2506AA9A-9339-849F-0452-DBB8FC38C2F8}"/>
+          </ac:spMkLst>
+        </pc:spChg>
+        <pc:spChg chg="add mod ord">
+          <ac:chgData name="Pascal Schirmer" userId="f215465b21b5e6e2" providerId="LiveId" clId="{20F4AE57-3F43-4AC7-B503-DBFEA33D79C0}" dt="2024-08-06T18:00:42.936" v="306" actId="700"/>
+          <ac:spMkLst>
+            <pc:docMk/>
+            <pc:sldMk cId="2797410409" sldId="292"/>
+            <ac:spMk id="9" creationId="{FBEED320-323B-11D6-B0DE-4BA13AC268BB}"/>
+          </ac:spMkLst>
+        </pc:spChg>
+        <pc:spChg chg="add mod ord">
+          <ac:chgData name="Pascal Schirmer" userId="f215465b21b5e6e2" providerId="LiveId" clId="{20F4AE57-3F43-4AC7-B503-DBFEA33D79C0}" dt="2024-08-06T18:00:42.936" v="306" actId="700"/>
+          <ac:spMkLst>
+            <pc:docMk/>
+            <pc:sldMk cId="2797410409" sldId="292"/>
+            <ac:spMk id="10" creationId="{33F8E5D7-2115-5878-9327-68ECF1ECF1D0}"/>
+          </ac:spMkLst>
+        </pc:spChg>
+        <pc:spChg chg="add mod ord">
+          <ac:chgData name="Pascal Schirmer" userId="f215465b21b5e6e2" providerId="LiveId" clId="{20F4AE57-3F43-4AC7-B503-DBFEA33D79C0}" dt="2024-08-06T18:00:42.936" v="306" actId="700"/>
+          <ac:spMkLst>
+            <pc:docMk/>
+            <pc:sldMk cId="2797410409" sldId="292"/>
+            <ac:spMk id="11" creationId="{0E6AAFD1-8DD4-18E4-A141-BEB0907C2068}"/>
+          </ac:spMkLst>
+        </pc:spChg>
+      </pc:sldChg>
+      <pc:sldChg chg="modSp add mod">
+        <pc:chgData name="Pascal Schirmer" userId="f215465b21b5e6e2" providerId="LiveId" clId="{20F4AE57-3F43-4AC7-B503-DBFEA33D79C0}" dt="2024-08-06T18:01:11.952" v="353" actId="20577"/>
+        <pc:sldMkLst>
+          <pc:docMk/>
+          <pc:sldMk cId="4179181725" sldId="293"/>
+        </pc:sldMkLst>
+        <pc:spChg chg="mod">
+          <ac:chgData name="Pascal Schirmer" userId="f215465b21b5e6e2" providerId="LiveId" clId="{20F4AE57-3F43-4AC7-B503-DBFEA33D79C0}" dt="2024-08-06T18:01:11.952" v="353" actId="20577"/>
+          <ac:spMkLst>
+            <pc:docMk/>
+            <pc:sldMk cId="4179181725" sldId="293"/>
+            <ac:spMk id="7" creationId="{C8BDFC98-41C3-7823-EBC8-A2D7473EFF59}"/>
+          </ac:spMkLst>
+        </pc:spChg>
+      </pc:sldChg>
+      <pc:sldChg chg="modSp add mod">
+        <pc:chgData name="Pascal Schirmer" userId="f215465b21b5e6e2" providerId="LiveId" clId="{20F4AE57-3F43-4AC7-B503-DBFEA33D79C0}" dt="2024-08-06T18:02:22.498" v="373" actId="20577"/>
+        <pc:sldMkLst>
+          <pc:docMk/>
+          <pc:sldMk cId="3939719737" sldId="294"/>
+        </pc:sldMkLst>
+        <pc:spChg chg="mod">
+          <ac:chgData name="Pascal Schirmer" userId="f215465b21b5e6e2" providerId="LiveId" clId="{20F4AE57-3F43-4AC7-B503-DBFEA33D79C0}" dt="2024-08-06T18:02:22.498" v="373" actId="20577"/>
+          <ac:spMkLst>
+            <pc:docMk/>
+            <pc:sldMk cId="3939719737" sldId="294"/>
+            <ac:spMk id="7" creationId="{C8BDFC98-41C3-7823-EBC8-A2D7473EFF59}"/>
+          </ac:spMkLst>
+        </pc:spChg>
+      </pc:sldChg>
+      <pc:sldChg chg="modSp add mod">
+        <pc:chgData name="Pascal Schirmer" userId="f215465b21b5e6e2" providerId="LiveId" clId="{20F4AE57-3F43-4AC7-B503-DBFEA33D79C0}" dt="2024-08-06T18:03:05.370" v="433" actId="20577"/>
+        <pc:sldMkLst>
+          <pc:docMk/>
+          <pc:sldMk cId="2730381877" sldId="295"/>
+        </pc:sldMkLst>
+        <pc:spChg chg="mod">
+          <ac:chgData name="Pascal Schirmer" userId="f215465b21b5e6e2" providerId="LiveId" clId="{20F4AE57-3F43-4AC7-B503-DBFEA33D79C0}" dt="2024-08-06T18:03:05.370" v="433" actId="20577"/>
+          <ac:spMkLst>
+            <pc:docMk/>
+            <pc:sldMk cId="2730381877" sldId="295"/>
+            <ac:spMk id="7" creationId="{C8BDFC98-41C3-7823-EBC8-A2D7473EFF59}"/>
+          </ac:spMkLst>
+        </pc:spChg>
+      </pc:sldChg>
+      <pc:sldChg chg="modSp add mod">
+        <pc:chgData name="Pascal Schirmer" userId="f215465b21b5e6e2" providerId="LiveId" clId="{20F4AE57-3F43-4AC7-B503-DBFEA33D79C0}" dt="2024-08-06T18:03:15.660" v="458" actId="20577"/>
+        <pc:sldMkLst>
+          <pc:docMk/>
+          <pc:sldMk cId="2034810554" sldId="296"/>
+        </pc:sldMkLst>
+        <pc:spChg chg="mod">
+          <ac:chgData name="Pascal Schirmer" userId="f215465b21b5e6e2" providerId="LiveId" clId="{20F4AE57-3F43-4AC7-B503-DBFEA33D79C0}" dt="2024-08-06T18:03:15.660" v="458" actId="20577"/>
+          <ac:spMkLst>
+            <pc:docMk/>
+            <pc:sldMk cId="2034810554" sldId="296"/>
+            <ac:spMk id="7" creationId="{C8BDFC98-41C3-7823-EBC8-A2D7473EFF59}"/>
+          </ac:spMkLst>
+        </pc:spChg>
+      </pc:sldChg>
+    </pc:docChg>
+  </pc:docChgLst>
   <pc:docChgLst>
     <pc:chgData name="Pascal Schirmer" userId="f215465b21b5e6e2" providerId="LiveId" clId="{62CA0B58-9845-4E33-BD97-71C30DA49E74}"/>
     <pc:docChg chg="undo custSel addSld delSld modSld">
@@ -3262,7 +3941,7 @@
             <a:pPr rtl="0"/>
             <a:fld id="{995FFF4A-18C5-4288-911E-0F439C99FBD6}" type="datetime1">
               <a:rPr lang="en-GB" smtClean="0"/>
-              <a:t>15/05/2024</a:t>
+              <a:t>06/08/2024</a:t>
             </a:fld>
             <a:endParaRPr/>
           </a:p>
@@ -3569,7 +4248,7 @@
             <a:pPr rtl="0"/>
             <a:fld id="{838CF0D5-8AD6-4DA0-BBAD-94A626D97409}" type="datetime1">
               <a:rPr lang="en-GB" smtClean="0"/>
-              <a:t>15/05/2024</a:t>
+              <a:t>06/08/2024</a:t>
             </a:fld>
             <a:endParaRPr/>
           </a:p>
@@ -3866,7 +4545,7 @@
             <a:pPr rtl="0"/>
             <a:fld id="{5D2DDD2B-487C-4562-BB27-57280B936C15}" type="datetime1">
               <a:rPr lang="en-GB" smtClean="0"/>
-              <a:t>15/05/2024</a:t>
+              <a:t>06/08/2024</a:t>
             </a:fld>
             <a:endParaRPr/>
           </a:p>
@@ -4072,7 +4751,7 @@
             <a:pPr rtl="0"/>
             <a:fld id="{53926700-9732-41E0-AB02-2C5E3DB79FE0}" type="datetime1">
               <a:rPr lang="en-GB" smtClean="0"/>
-              <a:t>15/05/2024</a:t>
+              <a:t>06/08/2024</a:t>
             </a:fld>
             <a:endParaRPr/>
           </a:p>
@@ -4288,7 +4967,7 @@
             <a:pPr rtl="0"/>
             <a:fld id="{C39EF7BF-A544-49CC-9C01-74657D1E574F}" type="datetime1">
               <a:rPr lang="en-GB" smtClean="0"/>
-              <a:t>15/05/2024</a:t>
+              <a:t>06/08/2024</a:t>
             </a:fld>
             <a:endParaRPr/>
           </a:p>
@@ -4494,7 +5173,7 @@
             <a:pPr rtl="0"/>
             <a:fld id="{F8ECB1CE-D645-47DB-89A7-8AB0E6308395}" type="datetime1">
               <a:rPr lang="en-GB" smtClean="0"/>
-              <a:t>15/05/2024</a:t>
+              <a:t>06/08/2024</a:t>
             </a:fld>
             <a:endParaRPr/>
           </a:p>
@@ -4934,7 +5613,7 @@
             <a:pPr rtl="0"/>
             <a:fld id="{02F9FB9D-C6CC-418B-8DE5-9B72A1F2A797}" type="datetime1">
               <a:rPr lang="en-GB" smtClean="0"/>
-              <a:t>15/05/2024</a:t>
+              <a:t>06/08/2024</a:t>
             </a:fld>
             <a:endParaRPr/>
           </a:p>
@@ -5246,7 +5925,7 @@
             <a:pPr rtl="0"/>
             <a:fld id="{B524724E-8E16-469E-BD27-96FF67EB7B29}" type="datetime1">
               <a:rPr lang="en-GB" smtClean="0"/>
-              <a:t>15/05/2024</a:t>
+              <a:t>06/08/2024</a:t>
             </a:fld>
             <a:endParaRPr/>
           </a:p>
@@ -5558,7 +6237,7 @@
             <a:pPr rtl="0"/>
             <a:fld id="{B524724E-8E16-469E-BD27-96FF67EB7B29}" type="datetime1">
               <a:rPr lang="en-GB" smtClean="0"/>
-              <a:t>15/05/2024</a:t>
+              <a:t>06/08/2024</a:t>
             </a:fld>
             <a:endParaRPr/>
           </a:p>
@@ -6115,7 +6794,7 @@
             <a:pPr rtl="0"/>
             <a:fld id="{7DC4894B-1478-4500-B585-30022C3A068F}" type="datetime1">
               <a:rPr lang="en-GB" smtClean="0"/>
-              <a:t>15/05/2024</a:t>
+              <a:t>06/08/2024</a:t>
             </a:fld>
             <a:endParaRPr/>
           </a:p>
@@ -6579,7 +7258,7 @@
             <a:pPr rtl="0"/>
             <a:fld id="{7DC4894B-1478-4500-B585-30022C3A068F}" type="datetime1">
               <a:rPr lang="en-GB" smtClean="0"/>
-              <a:t>15/05/2024</a:t>
+              <a:t>06/08/2024</a:t>
             </a:fld>
             <a:endParaRPr/>
           </a:p>
@@ -6890,7 +7569,7 @@
             <a:pPr rtl="0"/>
             <a:fld id="{93030F1B-E97B-4216-B7C5-019D38F5301F}" type="datetime1">
               <a:rPr lang="en-GB" smtClean="0"/>
-              <a:t>15/05/2024</a:t>
+              <a:t>06/08/2024</a:t>
             </a:fld>
             <a:endParaRPr/>
           </a:p>
@@ -7004,7 +7683,7 @@
             <a:pPr rtl="0"/>
             <a:fld id="{46A5DFDD-A27C-486B-93E1-A66E54A5FBB6}" type="datetime1">
               <a:rPr lang="en-GB" smtClean="0"/>
-              <a:t>15/05/2024</a:t>
+              <a:t>06/08/2024</a:t>
             </a:fld>
             <a:endParaRPr/>
           </a:p>
@@ -7634,7 +8313,7 @@
             <a:pPr rtl="0"/>
             <a:fld id="{9DDFA0DE-7A5E-4932-9CFC-0242609A99D3}" type="datetime1">
               <a:rPr lang="en-GB" smtClean="0"/>
-              <a:t>15/05/2024</a:t>
+              <a:t>06/08/2024</a:t>
             </a:fld>
             <a:endParaRPr/>
           </a:p>
@@ -8224,7 +8903,7 @@
           <p:cNvPr id="7" name="Title 6">
             <a:extLst>
               <a:ext uri="{FF2B5EF4-FFF2-40B4-BE49-F238E27FC236}">
-                <a16:creationId xmlns:a16="http://schemas.microsoft.com/office/drawing/2014/main" id="{E5F24F6D-6AC8-A41B-7BDF-074D2E54FA2D}"/>
+                <a16:creationId xmlns:a16="http://schemas.microsoft.com/office/drawing/2014/main" id="{FF69AE3F-5059-1EBC-E411-767C0C94F228}"/>
               </a:ext>
             </a:extLst>
           </p:cNvPr>
@@ -8237,14 +8916,13 @@
         </p:nvSpPr>
         <p:spPr/>
         <p:txBody>
-          <a:bodyPr anchor="ctr"/>
+          <a:bodyPr/>
           <a:lstStyle/>
           <a:p>
             <a:r>
               <a:rPr lang="en-GB" dirty="0"/>
-              <a:t>D</a:t>
-            </a:r>
-            <a:endParaRPr lang="en-DE" dirty="0"/>
+              <a:t>Full-bridge (B4)</a:t>
+            </a:r>
           </a:p>
         </p:txBody>
       </p:sp>
@@ -8253,7 +8931,7 @@
           <p:cNvPr id="8" name="Text Placeholder 7">
             <a:extLst>
               <a:ext uri="{FF2B5EF4-FFF2-40B4-BE49-F238E27FC236}">
-                <a16:creationId xmlns:a16="http://schemas.microsoft.com/office/drawing/2014/main" id="{3CFC64F3-4654-1561-9E87-8803B529B0C2}"/>
+                <a16:creationId xmlns:a16="http://schemas.microsoft.com/office/drawing/2014/main" id="{61F70A46-340D-337D-91C3-7D64F0CD885E}"/>
               </a:ext>
             </a:extLst>
           </p:cNvPr>
@@ -8269,11 +8947,82 @@
           <a:bodyPr/>
           <a:lstStyle/>
           <a:p>
-            <a:r>
-              <a:rPr lang="en-GB" dirty="0"/>
-              <a:t>Exemplary Calculations</a:t>
-            </a:r>
-            <a:endParaRPr lang="en-DE" dirty="0"/>
+            <a:endParaRPr lang="en-GB"/>
+          </a:p>
+        </p:txBody>
+      </p:sp>
+      <p:sp>
+        <p:nvSpPr>
+          <p:cNvPr id="9" name="Content Placeholder 8">
+            <a:extLst>
+              <a:ext uri="{FF2B5EF4-FFF2-40B4-BE49-F238E27FC236}">
+                <a16:creationId xmlns:a16="http://schemas.microsoft.com/office/drawing/2014/main" id="{4D68B540-1581-0117-6808-CDFBFCB93E66}"/>
+              </a:ext>
+            </a:extLst>
+          </p:cNvPr>
+          <p:cNvSpPr>
+            <a:spLocks noGrp="1"/>
+          </p:cNvSpPr>
+          <p:nvPr>
+            <p:ph sz="half" idx="2"/>
+          </p:nvPr>
+        </p:nvSpPr>
+        <p:spPr/>
+        <p:txBody>
+          <a:bodyPr/>
+          <a:lstStyle/>
+          <a:p>
+            <a:endParaRPr lang="en-GB"/>
+          </a:p>
+        </p:txBody>
+      </p:sp>
+      <p:sp>
+        <p:nvSpPr>
+          <p:cNvPr id="10" name="Text Placeholder 9">
+            <a:extLst>
+              <a:ext uri="{FF2B5EF4-FFF2-40B4-BE49-F238E27FC236}">
+                <a16:creationId xmlns:a16="http://schemas.microsoft.com/office/drawing/2014/main" id="{BDBFF0BE-815A-AEB5-C3AF-D66CC988A7EB}"/>
+              </a:ext>
+            </a:extLst>
+          </p:cNvPr>
+          <p:cNvSpPr>
+            <a:spLocks noGrp="1"/>
+          </p:cNvSpPr>
+          <p:nvPr>
+            <p:ph type="body" sz="quarter" idx="3"/>
+          </p:nvPr>
+        </p:nvSpPr>
+        <p:spPr/>
+        <p:txBody>
+          <a:bodyPr/>
+          <a:lstStyle/>
+          <a:p>
+            <a:endParaRPr lang="en-GB"/>
+          </a:p>
+        </p:txBody>
+      </p:sp>
+      <p:sp>
+        <p:nvSpPr>
+          <p:cNvPr id="11" name="Content Placeholder 10">
+            <a:extLst>
+              <a:ext uri="{FF2B5EF4-FFF2-40B4-BE49-F238E27FC236}">
+                <a16:creationId xmlns:a16="http://schemas.microsoft.com/office/drawing/2014/main" id="{E6C6A63D-3D5D-CA55-A533-81C57432AFE2}"/>
+              </a:ext>
+            </a:extLst>
+          </p:cNvPr>
+          <p:cNvSpPr>
+            <a:spLocks noGrp="1"/>
+          </p:cNvSpPr>
+          <p:nvPr>
+            <p:ph sz="quarter" idx="4"/>
+          </p:nvPr>
+        </p:nvSpPr>
+        <p:spPr/>
+        <p:txBody>
+          <a:bodyPr/>
+          <a:lstStyle/>
+          <a:p>
+            <a:endParaRPr lang="en-GB"/>
           </a:p>
         </p:txBody>
       </p:sp>
@@ -8282,7 +9031,7 @@
           <p:cNvPr id="4" name="Date Placeholder 3">
             <a:extLst>
               <a:ext uri="{FF2B5EF4-FFF2-40B4-BE49-F238E27FC236}">
-                <a16:creationId xmlns:a16="http://schemas.microsoft.com/office/drawing/2014/main" id="{0ED320F4-9A81-164F-EF4D-A71414F0A99C}"/>
+                <a16:creationId xmlns:a16="http://schemas.microsoft.com/office/drawing/2014/main" id="{04995A65-9F16-A0C6-DDEE-C4C6BBC2AA0B}"/>
               </a:ext>
             </a:extLst>
           </p:cNvPr>
@@ -8299,9 +9048,9 @@
           <a:lstStyle/>
           <a:p>
             <a:pPr rtl="0"/>
-            <a:fld id="{F8ECB1CE-D645-47DB-89A7-8AB0E6308395}" type="datetime1">
+            <a:fld id="{02F9FB9D-C6CC-418B-8DE5-9B72A1F2A797}" type="datetime1">
               <a:rPr lang="en-GB" smtClean="0"/>
-              <a:t>15/05/2024</a:t>
+              <a:t>06/08/2024</a:t>
             </a:fld>
             <a:endParaRPr lang="en-GB"/>
           </a:p>
@@ -8312,7 +9061,7 @@
           <p:cNvPr id="5" name="Footer Placeholder 4">
             <a:extLst>
               <a:ext uri="{FF2B5EF4-FFF2-40B4-BE49-F238E27FC236}">
-                <a16:creationId xmlns:a16="http://schemas.microsoft.com/office/drawing/2014/main" id="{6A79804C-CE63-679C-0044-D91D6F5214EB}"/>
+                <a16:creationId xmlns:a16="http://schemas.microsoft.com/office/drawing/2014/main" id="{5B55B378-202B-ACF1-C6DC-B233CC599BE8}"/>
               </a:ext>
             </a:extLst>
           </p:cNvPr>
@@ -8341,7 +9090,7 @@
           <p:cNvPr id="6" name="Slide Number Placeholder 5">
             <a:extLst>
               <a:ext uri="{FF2B5EF4-FFF2-40B4-BE49-F238E27FC236}">
-                <a16:creationId xmlns:a16="http://schemas.microsoft.com/office/drawing/2014/main" id="{08EFB839-54B0-8354-2E48-563B864CCCE7}"/>
+                <a16:creationId xmlns:a16="http://schemas.microsoft.com/office/drawing/2014/main" id="{ACF547E7-31BA-5053-355D-77B68F2C1B0E}"/>
               </a:ext>
             </a:extLst>
           </p:cNvPr>
@@ -8359,17 +9108,17 @@
           <a:p>
             <a:pPr rtl="0"/>
             <a:fld id="{C014DD1E-5D91-48A3-AD6D-45FBA980D106}" type="slidenum">
-              <a:rPr lang="en-DE" smtClean="0"/>
+              <a:rPr lang="en-GB" smtClean="0"/>
               <a:t>10</a:t>
             </a:fld>
-            <a:endParaRPr lang="en-DE"/>
+            <a:endParaRPr lang="en-GB"/>
           </a:p>
         </p:txBody>
       </p:sp>
     </p:spTree>
     <p:extLst>
       <p:ext uri="{BB962C8B-B14F-4D97-AF65-F5344CB8AC3E}">
-        <p14:creationId xmlns:p14="http://schemas.microsoft.com/office/powerpoint/2010/main" val="3152511804"/>
+        <p14:creationId xmlns:p14="http://schemas.microsoft.com/office/powerpoint/2010/main" val="2270270040"/>
       </p:ext>
     </p:extLst>
   </p:cSld>
@@ -8413,7 +9162,7 @@
           <p:cNvPr id="7" name="Title 6">
             <a:extLst>
               <a:ext uri="{FF2B5EF4-FFF2-40B4-BE49-F238E27FC236}">
-                <a16:creationId xmlns:a16="http://schemas.microsoft.com/office/drawing/2014/main" id="{E5F24F6D-6AC8-A41B-7BDF-074D2E54FA2D}"/>
+                <a16:creationId xmlns:a16="http://schemas.microsoft.com/office/drawing/2014/main" id="{FF69AE3F-5059-1EBC-E411-767C0C94F228}"/>
               </a:ext>
             </a:extLst>
           </p:cNvPr>
@@ -8426,14 +9175,13 @@
         </p:nvSpPr>
         <p:spPr/>
         <p:txBody>
-          <a:bodyPr anchor="ctr"/>
+          <a:bodyPr/>
           <a:lstStyle/>
           <a:p>
             <a:r>
               <a:rPr lang="en-GB" dirty="0"/>
-              <a:t>D1</a:t>
-            </a:r>
-            <a:endParaRPr lang="en-DE" dirty="0"/>
+              <a:t>Three Phase Full-bridge (B6)</a:t>
+            </a:r>
           </a:p>
         </p:txBody>
       </p:sp>
@@ -8442,7 +9190,7 @@
           <p:cNvPr id="8" name="Text Placeholder 7">
             <a:extLst>
               <a:ext uri="{FF2B5EF4-FFF2-40B4-BE49-F238E27FC236}">
-                <a16:creationId xmlns:a16="http://schemas.microsoft.com/office/drawing/2014/main" id="{3CFC64F3-4654-1561-9E87-8803B529B0C2}"/>
+                <a16:creationId xmlns:a16="http://schemas.microsoft.com/office/drawing/2014/main" id="{61F70A46-340D-337D-91C3-7D64F0CD885E}"/>
               </a:ext>
             </a:extLst>
           </p:cNvPr>
@@ -8458,11 +9206,82 @@
           <a:bodyPr/>
           <a:lstStyle/>
           <a:p>
-            <a:r>
-              <a:rPr lang="en-GB" dirty="0"/>
-              <a:t>Waveform analysis</a:t>
-            </a:r>
-            <a:endParaRPr lang="en-DE" dirty="0"/>
+            <a:endParaRPr lang="en-GB"/>
+          </a:p>
+        </p:txBody>
+      </p:sp>
+      <p:sp>
+        <p:nvSpPr>
+          <p:cNvPr id="9" name="Content Placeholder 8">
+            <a:extLst>
+              <a:ext uri="{FF2B5EF4-FFF2-40B4-BE49-F238E27FC236}">
+                <a16:creationId xmlns:a16="http://schemas.microsoft.com/office/drawing/2014/main" id="{4D68B540-1581-0117-6808-CDFBFCB93E66}"/>
+              </a:ext>
+            </a:extLst>
+          </p:cNvPr>
+          <p:cNvSpPr>
+            <a:spLocks noGrp="1"/>
+          </p:cNvSpPr>
+          <p:nvPr>
+            <p:ph sz="half" idx="2"/>
+          </p:nvPr>
+        </p:nvSpPr>
+        <p:spPr/>
+        <p:txBody>
+          <a:bodyPr/>
+          <a:lstStyle/>
+          <a:p>
+            <a:endParaRPr lang="en-GB"/>
+          </a:p>
+        </p:txBody>
+      </p:sp>
+      <p:sp>
+        <p:nvSpPr>
+          <p:cNvPr id="10" name="Text Placeholder 9">
+            <a:extLst>
+              <a:ext uri="{FF2B5EF4-FFF2-40B4-BE49-F238E27FC236}">
+                <a16:creationId xmlns:a16="http://schemas.microsoft.com/office/drawing/2014/main" id="{BDBFF0BE-815A-AEB5-C3AF-D66CC988A7EB}"/>
+              </a:ext>
+            </a:extLst>
+          </p:cNvPr>
+          <p:cNvSpPr>
+            <a:spLocks noGrp="1"/>
+          </p:cNvSpPr>
+          <p:nvPr>
+            <p:ph type="body" sz="quarter" idx="3"/>
+          </p:nvPr>
+        </p:nvSpPr>
+        <p:spPr/>
+        <p:txBody>
+          <a:bodyPr/>
+          <a:lstStyle/>
+          <a:p>
+            <a:endParaRPr lang="en-GB"/>
+          </a:p>
+        </p:txBody>
+      </p:sp>
+      <p:sp>
+        <p:nvSpPr>
+          <p:cNvPr id="11" name="Content Placeholder 10">
+            <a:extLst>
+              <a:ext uri="{FF2B5EF4-FFF2-40B4-BE49-F238E27FC236}">
+                <a16:creationId xmlns:a16="http://schemas.microsoft.com/office/drawing/2014/main" id="{E6C6A63D-3D5D-CA55-A533-81C57432AFE2}"/>
+              </a:ext>
+            </a:extLst>
+          </p:cNvPr>
+          <p:cNvSpPr>
+            <a:spLocks noGrp="1"/>
+          </p:cNvSpPr>
+          <p:nvPr>
+            <p:ph sz="quarter" idx="4"/>
+          </p:nvPr>
+        </p:nvSpPr>
+        <p:spPr/>
+        <p:txBody>
+          <a:bodyPr/>
+          <a:lstStyle/>
+          <a:p>
+            <a:endParaRPr lang="en-GB"/>
           </a:p>
         </p:txBody>
       </p:sp>
@@ -8471,7 +9290,7 @@
           <p:cNvPr id="4" name="Date Placeholder 3">
             <a:extLst>
               <a:ext uri="{FF2B5EF4-FFF2-40B4-BE49-F238E27FC236}">
-                <a16:creationId xmlns:a16="http://schemas.microsoft.com/office/drawing/2014/main" id="{0ED320F4-9A81-164F-EF4D-A71414F0A99C}"/>
+                <a16:creationId xmlns:a16="http://schemas.microsoft.com/office/drawing/2014/main" id="{04995A65-9F16-A0C6-DDEE-C4C6BBC2AA0B}"/>
               </a:ext>
             </a:extLst>
           </p:cNvPr>
@@ -8488,9 +9307,9 @@
           <a:lstStyle/>
           <a:p>
             <a:pPr rtl="0"/>
-            <a:fld id="{F8ECB1CE-D645-47DB-89A7-8AB0E6308395}" type="datetime1">
+            <a:fld id="{02F9FB9D-C6CC-418B-8DE5-9B72A1F2A797}" type="datetime1">
               <a:rPr lang="en-GB" smtClean="0"/>
-              <a:t>15/05/2024</a:t>
+              <a:t>06/08/2024</a:t>
             </a:fld>
             <a:endParaRPr lang="en-GB"/>
           </a:p>
@@ -8501,7 +9320,7 @@
           <p:cNvPr id="5" name="Footer Placeholder 4">
             <a:extLst>
               <a:ext uri="{FF2B5EF4-FFF2-40B4-BE49-F238E27FC236}">
-                <a16:creationId xmlns:a16="http://schemas.microsoft.com/office/drawing/2014/main" id="{6A79804C-CE63-679C-0044-D91D6F5214EB}"/>
+                <a16:creationId xmlns:a16="http://schemas.microsoft.com/office/drawing/2014/main" id="{5B55B378-202B-ACF1-C6DC-B233CC599BE8}"/>
               </a:ext>
             </a:extLst>
           </p:cNvPr>
@@ -8530,7 +9349,7 @@
           <p:cNvPr id="6" name="Slide Number Placeholder 5">
             <a:extLst>
               <a:ext uri="{FF2B5EF4-FFF2-40B4-BE49-F238E27FC236}">
-                <a16:creationId xmlns:a16="http://schemas.microsoft.com/office/drawing/2014/main" id="{08EFB839-54B0-8354-2E48-563B864CCCE7}"/>
+                <a16:creationId xmlns:a16="http://schemas.microsoft.com/office/drawing/2014/main" id="{ACF547E7-31BA-5053-355D-77B68F2C1B0E}"/>
               </a:ext>
             </a:extLst>
           </p:cNvPr>
@@ -8548,17 +9367,17 @@
           <a:p>
             <a:pPr rtl="0"/>
             <a:fld id="{C014DD1E-5D91-48A3-AD6D-45FBA980D106}" type="slidenum">
-              <a:rPr lang="en-DE" smtClean="0"/>
+              <a:rPr lang="en-GB" smtClean="0"/>
               <a:t>11</a:t>
             </a:fld>
-            <a:endParaRPr lang="en-DE"/>
+            <a:endParaRPr lang="en-GB"/>
           </a:p>
         </p:txBody>
       </p:sp>
     </p:spTree>
     <p:extLst>
       <p:ext uri="{BB962C8B-B14F-4D97-AF65-F5344CB8AC3E}">
-        <p14:creationId xmlns:p14="http://schemas.microsoft.com/office/powerpoint/2010/main" val="2752417827"/>
+        <p14:creationId xmlns:p14="http://schemas.microsoft.com/office/powerpoint/2010/main" val="3307342912"/>
       </p:ext>
     </p:extLst>
   </p:cSld>
@@ -8620,7 +9439,7 @@
           <a:p>
             <a:r>
               <a:rPr lang="en-GB" dirty="0"/>
-              <a:t>D2</a:t>
+              <a:t>B2</a:t>
             </a:r>
             <a:endParaRPr lang="en-DE" dirty="0"/>
           </a:p>
@@ -8649,7 +9468,7 @@
           <a:p>
             <a:r>
               <a:rPr lang="en-GB" dirty="0"/>
-              <a:t>Steady State Analysis</a:t>
+              <a:t>PWM Waveform Generation</a:t>
             </a:r>
             <a:endParaRPr lang="en-DE" dirty="0"/>
           </a:p>
@@ -8679,7 +9498,7 @@
             <a:pPr rtl="0"/>
             <a:fld id="{F8ECB1CE-D645-47DB-89A7-8AB0E6308395}" type="datetime1">
               <a:rPr lang="en-GB" smtClean="0"/>
-              <a:t>15/05/2024</a:t>
+              <a:t>06/08/2024</a:t>
             </a:fld>
             <a:endParaRPr lang="en-GB"/>
           </a:p>
@@ -8747,7 +9566,7 @@
     </p:spTree>
     <p:extLst>
       <p:ext uri="{BB962C8B-B14F-4D97-AF65-F5344CB8AC3E}">
-        <p14:creationId xmlns:p14="http://schemas.microsoft.com/office/powerpoint/2010/main" val="2519390417"/>
+        <p14:creationId xmlns:p14="http://schemas.microsoft.com/office/powerpoint/2010/main" val="547700049"/>
       </p:ext>
     </p:extLst>
   </p:cSld>
@@ -8791,7 +9610,7 @@
           <p:cNvPr id="7" name="Title 6">
             <a:extLst>
               <a:ext uri="{FF2B5EF4-FFF2-40B4-BE49-F238E27FC236}">
-                <a16:creationId xmlns:a16="http://schemas.microsoft.com/office/drawing/2014/main" id="{E5F24F6D-6AC8-A41B-7BDF-074D2E54FA2D}"/>
+                <a16:creationId xmlns:a16="http://schemas.microsoft.com/office/drawing/2014/main" id="{14BD6D15-8001-F88F-B443-BCF76EDB3921}"/>
               </a:ext>
             </a:extLst>
           </p:cNvPr>
@@ -8804,14 +9623,13 @@
         </p:nvSpPr>
         <p:spPr/>
         <p:txBody>
-          <a:bodyPr anchor="ctr"/>
+          <a:bodyPr/>
           <a:lstStyle/>
           <a:p>
             <a:r>
               <a:rPr lang="en-GB" dirty="0"/>
-              <a:t>D3</a:t>
-            </a:r>
-            <a:endParaRPr lang="en-DE" dirty="0"/>
+              <a:t>Fundamental Frequency Control</a:t>
+            </a:r>
           </a:p>
         </p:txBody>
       </p:sp>
@@ -8820,7 +9638,7 @@
           <p:cNvPr id="8" name="Text Placeholder 7">
             <a:extLst>
               <a:ext uri="{FF2B5EF4-FFF2-40B4-BE49-F238E27FC236}">
-                <a16:creationId xmlns:a16="http://schemas.microsoft.com/office/drawing/2014/main" id="{3CFC64F3-4654-1561-9E87-8803B529B0C2}"/>
+                <a16:creationId xmlns:a16="http://schemas.microsoft.com/office/drawing/2014/main" id="{3B2407C0-9608-C2B8-EA0C-9450A753C68C}"/>
               </a:ext>
             </a:extLst>
           </p:cNvPr>
@@ -8836,11 +9654,82 @@
           <a:bodyPr/>
           <a:lstStyle/>
           <a:p>
-            <a:r>
-              <a:rPr lang="en-GB" dirty="0"/>
-              <a:t>Transient Analysis</a:t>
-            </a:r>
-            <a:endParaRPr lang="en-DE" dirty="0"/>
+            <a:endParaRPr lang="en-GB"/>
+          </a:p>
+        </p:txBody>
+      </p:sp>
+      <p:sp>
+        <p:nvSpPr>
+          <p:cNvPr id="9" name="Content Placeholder 8">
+            <a:extLst>
+              <a:ext uri="{FF2B5EF4-FFF2-40B4-BE49-F238E27FC236}">
+                <a16:creationId xmlns:a16="http://schemas.microsoft.com/office/drawing/2014/main" id="{5ED9DC5A-DE1A-2239-A34C-6746ED076DC8}"/>
+              </a:ext>
+            </a:extLst>
+          </p:cNvPr>
+          <p:cNvSpPr>
+            <a:spLocks noGrp="1"/>
+          </p:cNvSpPr>
+          <p:nvPr>
+            <p:ph sz="half" idx="2"/>
+          </p:nvPr>
+        </p:nvSpPr>
+        <p:spPr/>
+        <p:txBody>
+          <a:bodyPr/>
+          <a:lstStyle/>
+          <a:p>
+            <a:endParaRPr lang="en-GB"/>
+          </a:p>
+        </p:txBody>
+      </p:sp>
+      <p:sp>
+        <p:nvSpPr>
+          <p:cNvPr id="10" name="Text Placeholder 9">
+            <a:extLst>
+              <a:ext uri="{FF2B5EF4-FFF2-40B4-BE49-F238E27FC236}">
+                <a16:creationId xmlns:a16="http://schemas.microsoft.com/office/drawing/2014/main" id="{A7106598-A7AA-6A95-E277-DF5968031ECE}"/>
+              </a:ext>
+            </a:extLst>
+          </p:cNvPr>
+          <p:cNvSpPr>
+            <a:spLocks noGrp="1"/>
+          </p:cNvSpPr>
+          <p:nvPr>
+            <p:ph type="body" sz="quarter" idx="3"/>
+          </p:nvPr>
+        </p:nvSpPr>
+        <p:spPr/>
+        <p:txBody>
+          <a:bodyPr/>
+          <a:lstStyle/>
+          <a:p>
+            <a:endParaRPr lang="en-GB"/>
+          </a:p>
+        </p:txBody>
+      </p:sp>
+      <p:sp>
+        <p:nvSpPr>
+          <p:cNvPr id="11" name="Content Placeholder 10">
+            <a:extLst>
+              <a:ext uri="{FF2B5EF4-FFF2-40B4-BE49-F238E27FC236}">
+                <a16:creationId xmlns:a16="http://schemas.microsoft.com/office/drawing/2014/main" id="{00352539-B7B0-3573-F861-547F8F3C7C96}"/>
+              </a:ext>
+            </a:extLst>
+          </p:cNvPr>
+          <p:cNvSpPr>
+            <a:spLocks noGrp="1"/>
+          </p:cNvSpPr>
+          <p:nvPr>
+            <p:ph sz="quarter" idx="4"/>
+          </p:nvPr>
+        </p:nvSpPr>
+        <p:spPr/>
+        <p:txBody>
+          <a:bodyPr/>
+          <a:lstStyle/>
+          <a:p>
+            <a:endParaRPr lang="en-GB"/>
           </a:p>
         </p:txBody>
       </p:sp>
@@ -8849,7 +9738,7 @@
           <p:cNvPr id="4" name="Date Placeholder 3">
             <a:extLst>
               <a:ext uri="{FF2B5EF4-FFF2-40B4-BE49-F238E27FC236}">
-                <a16:creationId xmlns:a16="http://schemas.microsoft.com/office/drawing/2014/main" id="{0ED320F4-9A81-164F-EF4D-A71414F0A99C}"/>
+                <a16:creationId xmlns:a16="http://schemas.microsoft.com/office/drawing/2014/main" id="{D8A8775A-C613-EBCE-7029-F9189015D931}"/>
               </a:ext>
             </a:extLst>
           </p:cNvPr>
@@ -8866,9 +9755,9 @@
           <a:lstStyle/>
           <a:p>
             <a:pPr rtl="0"/>
-            <a:fld id="{F8ECB1CE-D645-47DB-89A7-8AB0E6308395}" type="datetime1">
+            <a:fld id="{02F9FB9D-C6CC-418B-8DE5-9B72A1F2A797}" type="datetime1">
               <a:rPr lang="en-GB" smtClean="0"/>
-              <a:t>15/05/2024</a:t>
+              <a:t>06/08/2024</a:t>
             </a:fld>
             <a:endParaRPr lang="en-GB"/>
           </a:p>
@@ -8879,7 +9768,7 @@
           <p:cNvPr id="5" name="Footer Placeholder 4">
             <a:extLst>
               <a:ext uri="{FF2B5EF4-FFF2-40B4-BE49-F238E27FC236}">
-                <a16:creationId xmlns:a16="http://schemas.microsoft.com/office/drawing/2014/main" id="{6A79804C-CE63-679C-0044-D91D6F5214EB}"/>
+                <a16:creationId xmlns:a16="http://schemas.microsoft.com/office/drawing/2014/main" id="{5D9A520D-4E06-4422-0A20-38C46689FC33}"/>
               </a:ext>
             </a:extLst>
           </p:cNvPr>
@@ -8908,7 +9797,7 @@
           <p:cNvPr id="6" name="Slide Number Placeholder 5">
             <a:extLst>
               <a:ext uri="{FF2B5EF4-FFF2-40B4-BE49-F238E27FC236}">
-                <a16:creationId xmlns:a16="http://schemas.microsoft.com/office/drawing/2014/main" id="{08EFB839-54B0-8354-2E48-563B864CCCE7}"/>
+                <a16:creationId xmlns:a16="http://schemas.microsoft.com/office/drawing/2014/main" id="{16B0AC12-D169-A541-7C2B-8CD9785E2E4F}"/>
               </a:ext>
             </a:extLst>
           </p:cNvPr>
@@ -8926,17 +9815,17 @@
           <a:p>
             <a:pPr rtl="0"/>
             <a:fld id="{C014DD1E-5D91-48A3-AD6D-45FBA980D106}" type="slidenum">
-              <a:rPr lang="en-DE" smtClean="0"/>
+              <a:rPr lang="en-GB" smtClean="0"/>
               <a:t>13</a:t>
             </a:fld>
-            <a:endParaRPr lang="en-DE"/>
+            <a:endParaRPr lang="en-GB"/>
           </a:p>
         </p:txBody>
       </p:sp>
     </p:spTree>
     <p:extLst>
       <p:ext uri="{BB962C8B-B14F-4D97-AF65-F5344CB8AC3E}">
-        <p14:creationId xmlns:p14="http://schemas.microsoft.com/office/powerpoint/2010/main" val="2051850589"/>
+        <p14:creationId xmlns:p14="http://schemas.microsoft.com/office/powerpoint/2010/main" val="2692238591"/>
       </p:ext>
     </p:extLst>
   </p:cSld>
@@ -8980,7 +9869,7 @@
           <p:cNvPr id="7" name="Title 6">
             <a:extLst>
               <a:ext uri="{FF2B5EF4-FFF2-40B4-BE49-F238E27FC236}">
-                <a16:creationId xmlns:a16="http://schemas.microsoft.com/office/drawing/2014/main" id="{E5F24F6D-6AC8-A41B-7BDF-074D2E54FA2D}"/>
+                <a16:creationId xmlns:a16="http://schemas.microsoft.com/office/drawing/2014/main" id="{14BD6D15-8001-F88F-B443-BCF76EDB3921}"/>
               </a:ext>
             </a:extLst>
           </p:cNvPr>
@@ -8993,14 +9882,13 @@
         </p:nvSpPr>
         <p:spPr/>
         <p:txBody>
-          <a:bodyPr anchor="ctr"/>
+          <a:bodyPr/>
           <a:lstStyle/>
           <a:p>
             <a:r>
               <a:rPr lang="en-GB" dirty="0"/>
-              <a:t>D4</a:t>
-            </a:r>
-            <a:endParaRPr lang="en-DE" dirty="0"/>
+              <a:t>Carrier Based PWM</a:t>
+            </a:r>
           </a:p>
         </p:txBody>
       </p:sp>
@@ -9009,7 +9897,7 @@
           <p:cNvPr id="8" name="Text Placeholder 7">
             <a:extLst>
               <a:ext uri="{FF2B5EF4-FFF2-40B4-BE49-F238E27FC236}">
-                <a16:creationId xmlns:a16="http://schemas.microsoft.com/office/drawing/2014/main" id="{3CFC64F3-4654-1561-9E87-8803B529B0C2}"/>
+                <a16:creationId xmlns:a16="http://schemas.microsoft.com/office/drawing/2014/main" id="{3B2407C0-9608-C2B8-EA0C-9450A753C68C}"/>
               </a:ext>
             </a:extLst>
           </p:cNvPr>
@@ -9025,11 +9913,82 @@
           <a:bodyPr/>
           <a:lstStyle/>
           <a:p>
-            <a:r>
-              <a:rPr lang="en-GB" dirty="0"/>
-              <a:t>Closed Loop Analysis</a:t>
-            </a:r>
-            <a:endParaRPr lang="en-DE" dirty="0"/>
+            <a:endParaRPr lang="en-GB"/>
+          </a:p>
+        </p:txBody>
+      </p:sp>
+      <p:sp>
+        <p:nvSpPr>
+          <p:cNvPr id="9" name="Content Placeholder 8">
+            <a:extLst>
+              <a:ext uri="{FF2B5EF4-FFF2-40B4-BE49-F238E27FC236}">
+                <a16:creationId xmlns:a16="http://schemas.microsoft.com/office/drawing/2014/main" id="{5ED9DC5A-DE1A-2239-A34C-6746ED076DC8}"/>
+              </a:ext>
+            </a:extLst>
+          </p:cNvPr>
+          <p:cNvSpPr>
+            <a:spLocks noGrp="1"/>
+          </p:cNvSpPr>
+          <p:nvPr>
+            <p:ph sz="half" idx="2"/>
+          </p:nvPr>
+        </p:nvSpPr>
+        <p:spPr/>
+        <p:txBody>
+          <a:bodyPr/>
+          <a:lstStyle/>
+          <a:p>
+            <a:endParaRPr lang="en-GB"/>
+          </a:p>
+        </p:txBody>
+      </p:sp>
+      <p:sp>
+        <p:nvSpPr>
+          <p:cNvPr id="10" name="Text Placeholder 9">
+            <a:extLst>
+              <a:ext uri="{FF2B5EF4-FFF2-40B4-BE49-F238E27FC236}">
+                <a16:creationId xmlns:a16="http://schemas.microsoft.com/office/drawing/2014/main" id="{A7106598-A7AA-6A95-E277-DF5968031ECE}"/>
+              </a:ext>
+            </a:extLst>
+          </p:cNvPr>
+          <p:cNvSpPr>
+            <a:spLocks noGrp="1"/>
+          </p:cNvSpPr>
+          <p:nvPr>
+            <p:ph type="body" sz="quarter" idx="3"/>
+          </p:nvPr>
+        </p:nvSpPr>
+        <p:spPr/>
+        <p:txBody>
+          <a:bodyPr/>
+          <a:lstStyle/>
+          <a:p>
+            <a:endParaRPr lang="en-GB"/>
+          </a:p>
+        </p:txBody>
+      </p:sp>
+      <p:sp>
+        <p:nvSpPr>
+          <p:cNvPr id="11" name="Content Placeholder 10">
+            <a:extLst>
+              <a:ext uri="{FF2B5EF4-FFF2-40B4-BE49-F238E27FC236}">
+                <a16:creationId xmlns:a16="http://schemas.microsoft.com/office/drawing/2014/main" id="{00352539-B7B0-3573-F861-547F8F3C7C96}"/>
+              </a:ext>
+            </a:extLst>
+          </p:cNvPr>
+          <p:cNvSpPr>
+            <a:spLocks noGrp="1"/>
+          </p:cNvSpPr>
+          <p:nvPr>
+            <p:ph sz="quarter" idx="4"/>
+          </p:nvPr>
+        </p:nvSpPr>
+        <p:spPr/>
+        <p:txBody>
+          <a:bodyPr/>
+          <a:lstStyle/>
+          <a:p>
+            <a:endParaRPr lang="en-GB"/>
           </a:p>
         </p:txBody>
       </p:sp>
@@ -9038,7 +9997,7 @@
           <p:cNvPr id="4" name="Date Placeholder 3">
             <a:extLst>
               <a:ext uri="{FF2B5EF4-FFF2-40B4-BE49-F238E27FC236}">
-                <a16:creationId xmlns:a16="http://schemas.microsoft.com/office/drawing/2014/main" id="{0ED320F4-9A81-164F-EF4D-A71414F0A99C}"/>
+                <a16:creationId xmlns:a16="http://schemas.microsoft.com/office/drawing/2014/main" id="{D8A8775A-C613-EBCE-7029-F9189015D931}"/>
               </a:ext>
             </a:extLst>
           </p:cNvPr>
@@ -9055,9 +10014,9 @@
           <a:lstStyle/>
           <a:p>
             <a:pPr rtl="0"/>
-            <a:fld id="{F8ECB1CE-D645-47DB-89A7-8AB0E6308395}" type="datetime1">
+            <a:fld id="{02F9FB9D-C6CC-418B-8DE5-9B72A1F2A797}" type="datetime1">
               <a:rPr lang="en-GB" smtClean="0"/>
-              <a:t>15/05/2024</a:t>
+              <a:t>06/08/2024</a:t>
             </a:fld>
             <a:endParaRPr lang="en-GB"/>
           </a:p>
@@ -9068,7 +10027,7 @@
           <p:cNvPr id="5" name="Footer Placeholder 4">
             <a:extLst>
               <a:ext uri="{FF2B5EF4-FFF2-40B4-BE49-F238E27FC236}">
-                <a16:creationId xmlns:a16="http://schemas.microsoft.com/office/drawing/2014/main" id="{6A79804C-CE63-679C-0044-D91D6F5214EB}"/>
+                <a16:creationId xmlns:a16="http://schemas.microsoft.com/office/drawing/2014/main" id="{5D9A520D-4E06-4422-0A20-38C46689FC33}"/>
               </a:ext>
             </a:extLst>
           </p:cNvPr>
@@ -9097,7 +10056,7 @@
           <p:cNvPr id="6" name="Slide Number Placeholder 5">
             <a:extLst>
               <a:ext uri="{FF2B5EF4-FFF2-40B4-BE49-F238E27FC236}">
-                <a16:creationId xmlns:a16="http://schemas.microsoft.com/office/drawing/2014/main" id="{08EFB839-54B0-8354-2E48-563B864CCCE7}"/>
+                <a16:creationId xmlns:a16="http://schemas.microsoft.com/office/drawing/2014/main" id="{16B0AC12-D169-A541-7C2B-8CD9785E2E4F}"/>
               </a:ext>
             </a:extLst>
           </p:cNvPr>
@@ -9115,17 +10074,17 @@
           <a:p>
             <a:pPr rtl="0"/>
             <a:fld id="{C014DD1E-5D91-48A3-AD6D-45FBA980D106}" type="slidenum">
-              <a:rPr lang="en-DE" smtClean="0"/>
+              <a:rPr lang="en-GB" smtClean="0"/>
               <a:t>14</a:t>
             </a:fld>
-            <a:endParaRPr lang="en-DE"/>
+            <a:endParaRPr lang="en-GB"/>
           </a:p>
         </p:txBody>
       </p:sp>
     </p:spTree>
     <p:extLst>
       <p:ext uri="{BB962C8B-B14F-4D97-AF65-F5344CB8AC3E}">
-        <p14:creationId xmlns:p14="http://schemas.microsoft.com/office/powerpoint/2010/main" val="3759019111"/>
+        <p14:creationId xmlns:p14="http://schemas.microsoft.com/office/powerpoint/2010/main" val="2524017223"/>
       </p:ext>
     </p:extLst>
   </p:cSld>
@@ -9169,7 +10128,7 @@
           <p:cNvPr id="7" name="Title 6">
             <a:extLst>
               <a:ext uri="{FF2B5EF4-FFF2-40B4-BE49-F238E27FC236}">
-                <a16:creationId xmlns:a16="http://schemas.microsoft.com/office/drawing/2014/main" id="{E5F24F6D-6AC8-A41B-7BDF-074D2E54FA2D}"/>
+                <a16:creationId xmlns:a16="http://schemas.microsoft.com/office/drawing/2014/main" id="{14BD6D15-8001-F88F-B443-BCF76EDB3921}"/>
               </a:ext>
             </a:extLst>
           </p:cNvPr>
@@ -9182,14 +10141,13 @@
         </p:nvSpPr>
         <p:spPr/>
         <p:txBody>
-          <a:bodyPr anchor="ctr"/>
+          <a:bodyPr/>
           <a:lstStyle/>
           <a:p>
             <a:r>
               <a:rPr lang="en-GB" dirty="0"/>
-              <a:t>E</a:t>
-            </a:r>
-            <a:endParaRPr lang="en-DE" dirty="0"/>
+              <a:t>Space Vector based PWM</a:t>
+            </a:r>
           </a:p>
         </p:txBody>
       </p:sp>
@@ -9198,7 +10156,7 @@
           <p:cNvPr id="8" name="Text Placeholder 7">
             <a:extLst>
               <a:ext uri="{FF2B5EF4-FFF2-40B4-BE49-F238E27FC236}">
-                <a16:creationId xmlns:a16="http://schemas.microsoft.com/office/drawing/2014/main" id="{3CFC64F3-4654-1561-9E87-8803B529B0C2}"/>
+                <a16:creationId xmlns:a16="http://schemas.microsoft.com/office/drawing/2014/main" id="{3B2407C0-9608-C2B8-EA0C-9450A753C68C}"/>
               </a:ext>
             </a:extLst>
           </p:cNvPr>
@@ -9214,11 +10172,82 @@
           <a:bodyPr/>
           <a:lstStyle/>
           <a:p>
-            <a:r>
-              <a:rPr lang="en-GB" dirty="0"/>
-              <a:t>Advanced functionalities</a:t>
-            </a:r>
-            <a:endParaRPr lang="en-DE" dirty="0"/>
+            <a:endParaRPr lang="en-GB"/>
+          </a:p>
+        </p:txBody>
+      </p:sp>
+      <p:sp>
+        <p:nvSpPr>
+          <p:cNvPr id="9" name="Content Placeholder 8">
+            <a:extLst>
+              <a:ext uri="{FF2B5EF4-FFF2-40B4-BE49-F238E27FC236}">
+                <a16:creationId xmlns:a16="http://schemas.microsoft.com/office/drawing/2014/main" id="{5ED9DC5A-DE1A-2239-A34C-6746ED076DC8}"/>
+              </a:ext>
+            </a:extLst>
+          </p:cNvPr>
+          <p:cNvSpPr>
+            <a:spLocks noGrp="1"/>
+          </p:cNvSpPr>
+          <p:nvPr>
+            <p:ph sz="half" idx="2"/>
+          </p:nvPr>
+        </p:nvSpPr>
+        <p:spPr/>
+        <p:txBody>
+          <a:bodyPr/>
+          <a:lstStyle/>
+          <a:p>
+            <a:endParaRPr lang="en-GB"/>
+          </a:p>
+        </p:txBody>
+      </p:sp>
+      <p:sp>
+        <p:nvSpPr>
+          <p:cNvPr id="10" name="Text Placeholder 9">
+            <a:extLst>
+              <a:ext uri="{FF2B5EF4-FFF2-40B4-BE49-F238E27FC236}">
+                <a16:creationId xmlns:a16="http://schemas.microsoft.com/office/drawing/2014/main" id="{A7106598-A7AA-6A95-E277-DF5968031ECE}"/>
+              </a:ext>
+            </a:extLst>
+          </p:cNvPr>
+          <p:cNvSpPr>
+            <a:spLocks noGrp="1"/>
+          </p:cNvSpPr>
+          <p:nvPr>
+            <p:ph type="body" sz="quarter" idx="3"/>
+          </p:nvPr>
+        </p:nvSpPr>
+        <p:spPr/>
+        <p:txBody>
+          <a:bodyPr/>
+          <a:lstStyle/>
+          <a:p>
+            <a:endParaRPr lang="en-GB"/>
+          </a:p>
+        </p:txBody>
+      </p:sp>
+      <p:sp>
+        <p:nvSpPr>
+          <p:cNvPr id="11" name="Content Placeholder 10">
+            <a:extLst>
+              <a:ext uri="{FF2B5EF4-FFF2-40B4-BE49-F238E27FC236}">
+                <a16:creationId xmlns:a16="http://schemas.microsoft.com/office/drawing/2014/main" id="{00352539-B7B0-3573-F861-547F8F3C7C96}"/>
+              </a:ext>
+            </a:extLst>
+          </p:cNvPr>
+          <p:cNvSpPr>
+            <a:spLocks noGrp="1"/>
+          </p:cNvSpPr>
+          <p:nvPr>
+            <p:ph sz="quarter" idx="4"/>
+          </p:nvPr>
+        </p:nvSpPr>
+        <p:spPr/>
+        <p:txBody>
+          <a:bodyPr/>
+          <a:lstStyle/>
+          <a:p>
+            <a:endParaRPr lang="en-GB"/>
           </a:p>
         </p:txBody>
       </p:sp>
@@ -9227,7 +10256,7 @@
           <p:cNvPr id="4" name="Date Placeholder 3">
             <a:extLst>
               <a:ext uri="{FF2B5EF4-FFF2-40B4-BE49-F238E27FC236}">
-                <a16:creationId xmlns:a16="http://schemas.microsoft.com/office/drawing/2014/main" id="{0ED320F4-9A81-164F-EF4D-A71414F0A99C}"/>
+                <a16:creationId xmlns:a16="http://schemas.microsoft.com/office/drawing/2014/main" id="{D8A8775A-C613-EBCE-7029-F9189015D931}"/>
               </a:ext>
             </a:extLst>
           </p:cNvPr>
@@ -9244,9 +10273,9 @@
           <a:lstStyle/>
           <a:p>
             <a:pPr rtl="0"/>
-            <a:fld id="{F8ECB1CE-D645-47DB-89A7-8AB0E6308395}" type="datetime1">
+            <a:fld id="{02F9FB9D-C6CC-418B-8DE5-9B72A1F2A797}" type="datetime1">
               <a:rPr lang="en-GB" smtClean="0"/>
-              <a:t>15/05/2024</a:t>
+              <a:t>06/08/2024</a:t>
             </a:fld>
             <a:endParaRPr lang="en-GB"/>
           </a:p>
@@ -9257,7 +10286,7 @@
           <p:cNvPr id="5" name="Footer Placeholder 4">
             <a:extLst>
               <a:ext uri="{FF2B5EF4-FFF2-40B4-BE49-F238E27FC236}">
-                <a16:creationId xmlns:a16="http://schemas.microsoft.com/office/drawing/2014/main" id="{6A79804C-CE63-679C-0044-D91D6F5214EB}"/>
+                <a16:creationId xmlns:a16="http://schemas.microsoft.com/office/drawing/2014/main" id="{5D9A520D-4E06-4422-0A20-38C46689FC33}"/>
               </a:ext>
             </a:extLst>
           </p:cNvPr>
@@ -9286,7 +10315,7 @@
           <p:cNvPr id="6" name="Slide Number Placeholder 5">
             <a:extLst>
               <a:ext uri="{FF2B5EF4-FFF2-40B4-BE49-F238E27FC236}">
-                <a16:creationId xmlns:a16="http://schemas.microsoft.com/office/drawing/2014/main" id="{08EFB839-54B0-8354-2E48-563B864CCCE7}"/>
+                <a16:creationId xmlns:a16="http://schemas.microsoft.com/office/drawing/2014/main" id="{16B0AC12-D169-A541-7C2B-8CD9785E2E4F}"/>
               </a:ext>
             </a:extLst>
           </p:cNvPr>
@@ -9304,17 +10333,17 @@
           <a:p>
             <a:pPr rtl="0"/>
             <a:fld id="{C014DD1E-5D91-48A3-AD6D-45FBA980D106}" type="slidenum">
-              <a:rPr lang="en-DE" smtClean="0"/>
+              <a:rPr lang="en-GB" smtClean="0"/>
               <a:t>15</a:t>
             </a:fld>
-            <a:endParaRPr lang="en-DE"/>
+            <a:endParaRPr lang="en-GB"/>
           </a:p>
         </p:txBody>
       </p:sp>
     </p:spTree>
     <p:extLst>
       <p:ext uri="{BB962C8B-B14F-4D97-AF65-F5344CB8AC3E}">
-        <p14:creationId xmlns:p14="http://schemas.microsoft.com/office/powerpoint/2010/main" val="3385035444"/>
+        <p14:creationId xmlns:p14="http://schemas.microsoft.com/office/powerpoint/2010/main" val="3315036825"/>
       </p:ext>
     </p:extLst>
   </p:cSld>
@@ -9376,7 +10405,7 @@
           <a:p>
             <a:r>
               <a:rPr lang="en-GB" dirty="0"/>
-              <a:t>E1</a:t>
+              <a:t>B3</a:t>
             </a:r>
             <a:endParaRPr lang="en-DE" dirty="0"/>
           </a:p>
@@ -9405,7 +10434,11 @@
           <a:p>
             <a:r>
               <a:rPr lang="en-GB" dirty="0"/>
-              <a:t>Comparing PWM Schemes</a:t>
+              <a:t>Device </a:t>
+            </a:r>
+            <a:r>
+              <a:rPr lang="en-GB" dirty="0" err="1"/>
+              <a:t>modeling</a:t>
             </a:r>
             <a:endParaRPr lang="en-DE" dirty="0"/>
           </a:p>
@@ -9435,7 +10468,7 @@
             <a:pPr rtl="0"/>
             <a:fld id="{F8ECB1CE-D645-47DB-89A7-8AB0E6308395}" type="datetime1">
               <a:rPr lang="en-GB" smtClean="0"/>
-              <a:t>15/05/2024</a:t>
+              <a:t>06/08/2024</a:t>
             </a:fld>
             <a:endParaRPr lang="en-GB"/>
           </a:p>
@@ -9503,7 +10536,7 @@
     </p:spTree>
     <p:extLst>
       <p:ext uri="{BB962C8B-B14F-4D97-AF65-F5344CB8AC3E}">
-        <p14:creationId xmlns:p14="http://schemas.microsoft.com/office/powerpoint/2010/main" val="4020311237"/>
+        <p14:creationId xmlns:p14="http://schemas.microsoft.com/office/powerpoint/2010/main" val="113997250"/>
       </p:ext>
     </p:extLst>
   </p:cSld>
@@ -9547,7 +10580,7 @@
           <p:cNvPr id="7" name="Title 6">
             <a:extLst>
               <a:ext uri="{FF2B5EF4-FFF2-40B4-BE49-F238E27FC236}">
-                <a16:creationId xmlns:a16="http://schemas.microsoft.com/office/drawing/2014/main" id="{E5F24F6D-6AC8-A41B-7BDF-074D2E54FA2D}"/>
+                <a16:creationId xmlns:a16="http://schemas.microsoft.com/office/drawing/2014/main" id="{C8BDFC98-41C3-7823-EBC8-A2D7473EFF59}"/>
               </a:ext>
             </a:extLst>
           </p:cNvPr>
@@ -9560,14 +10593,21 @@
         </p:nvSpPr>
         <p:spPr/>
         <p:txBody>
-          <a:bodyPr anchor="ctr"/>
+          <a:bodyPr/>
           <a:lstStyle/>
           <a:p>
             <a:r>
               <a:rPr lang="en-GB" dirty="0"/>
-              <a:t>E2</a:t>
-            </a:r>
-            <a:endParaRPr lang="en-DE" dirty="0"/>
+              <a:t>General </a:t>
+            </a:r>
+            <a:r>
+              <a:rPr lang="en-GB" dirty="0" err="1"/>
+              <a:t>Modeling</a:t>
+            </a:r>
+            <a:r>
+              <a:rPr lang="en-GB" dirty="0"/>
+              <a:t> Approaches</a:t>
+            </a:r>
           </a:p>
         </p:txBody>
       </p:sp>
@@ -9576,7 +10616,7 @@
           <p:cNvPr id="8" name="Text Placeholder 7">
             <a:extLst>
               <a:ext uri="{FF2B5EF4-FFF2-40B4-BE49-F238E27FC236}">
-                <a16:creationId xmlns:a16="http://schemas.microsoft.com/office/drawing/2014/main" id="{3CFC64F3-4654-1561-9E87-8803B529B0C2}"/>
+                <a16:creationId xmlns:a16="http://schemas.microsoft.com/office/drawing/2014/main" id="{2506AA9A-9339-849F-0452-DBB8FC38C2F8}"/>
               </a:ext>
             </a:extLst>
           </p:cNvPr>
@@ -9592,15 +10632,82 @@
           <a:bodyPr/>
           <a:lstStyle/>
           <a:p>
-            <a:r>
-              <a:rPr lang="en-GB" dirty="0"/>
-              <a:t>Advanced Thermal </a:t>
-            </a:r>
-            <a:r>
-              <a:rPr lang="en-GB" dirty="0" err="1"/>
-              <a:t>modeling</a:t>
-            </a:r>
-            <a:endParaRPr lang="en-DE" dirty="0"/>
+            <a:endParaRPr lang="en-GB"/>
+          </a:p>
+        </p:txBody>
+      </p:sp>
+      <p:sp>
+        <p:nvSpPr>
+          <p:cNvPr id="9" name="Content Placeholder 8">
+            <a:extLst>
+              <a:ext uri="{FF2B5EF4-FFF2-40B4-BE49-F238E27FC236}">
+                <a16:creationId xmlns:a16="http://schemas.microsoft.com/office/drawing/2014/main" id="{FBEED320-323B-11D6-B0DE-4BA13AC268BB}"/>
+              </a:ext>
+            </a:extLst>
+          </p:cNvPr>
+          <p:cNvSpPr>
+            <a:spLocks noGrp="1"/>
+          </p:cNvSpPr>
+          <p:nvPr>
+            <p:ph sz="half" idx="2"/>
+          </p:nvPr>
+        </p:nvSpPr>
+        <p:spPr/>
+        <p:txBody>
+          <a:bodyPr/>
+          <a:lstStyle/>
+          <a:p>
+            <a:endParaRPr lang="en-GB"/>
+          </a:p>
+        </p:txBody>
+      </p:sp>
+      <p:sp>
+        <p:nvSpPr>
+          <p:cNvPr id="10" name="Text Placeholder 9">
+            <a:extLst>
+              <a:ext uri="{FF2B5EF4-FFF2-40B4-BE49-F238E27FC236}">
+                <a16:creationId xmlns:a16="http://schemas.microsoft.com/office/drawing/2014/main" id="{33F8E5D7-2115-5878-9327-68ECF1ECF1D0}"/>
+              </a:ext>
+            </a:extLst>
+          </p:cNvPr>
+          <p:cNvSpPr>
+            <a:spLocks noGrp="1"/>
+          </p:cNvSpPr>
+          <p:nvPr>
+            <p:ph type="body" sz="quarter" idx="3"/>
+          </p:nvPr>
+        </p:nvSpPr>
+        <p:spPr/>
+        <p:txBody>
+          <a:bodyPr/>
+          <a:lstStyle/>
+          <a:p>
+            <a:endParaRPr lang="en-GB"/>
+          </a:p>
+        </p:txBody>
+      </p:sp>
+      <p:sp>
+        <p:nvSpPr>
+          <p:cNvPr id="11" name="Content Placeholder 10">
+            <a:extLst>
+              <a:ext uri="{FF2B5EF4-FFF2-40B4-BE49-F238E27FC236}">
+                <a16:creationId xmlns:a16="http://schemas.microsoft.com/office/drawing/2014/main" id="{0E6AAFD1-8DD4-18E4-A141-BEB0907C2068}"/>
+              </a:ext>
+            </a:extLst>
+          </p:cNvPr>
+          <p:cNvSpPr>
+            <a:spLocks noGrp="1"/>
+          </p:cNvSpPr>
+          <p:nvPr>
+            <p:ph sz="quarter" idx="4"/>
+          </p:nvPr>
+        </p:nvSpPr>
+        <p:spPr/>
+        <p:txBody>
+          <a:bodyPr/>
+          <a:lstStyle/>
+          <a:p>
+            <a:endParaRPr lang="en-GB"/>
           </a:p>
         </p:txBody>
       </p:sp>
@@ -9609,7 +10716,7 @@
           <p:cNvPr id="4" name="Date Placeholder 3">
             <a:extLst>
               <a:ext uri="{FF2B5EF4-FFF2-40B4-BE49-F238E27FC236}">
-                <a16:creationId xmlns:a16="http://schemas.microsoft.com/office/drawing/2014/main" id="{0ED320F4-9A81-164F-EF4D-A71414F0A99C}"/>
+                <a16:creationId xmlns:a16="http://schemas.microsoft.com/office/drawing/2014/main" id="{760A7B9A-AB13-9020-6487-8117ED797BFE}"/>
               </a:ext>
             </a:extLst>
           </p:cNvPr>
@@ -9626,9 +10733,9 @@
           <a:lstStyle/>
           <a:p>
             <a:pPr rtl="0"/>
-            <a:fld id="{F8ECB1CE-D645-47DB-89A7-8AB0E6308395}" type="datetime1">
+            <a:fld id="{02F9FB9D-C6CC-418B-8DE5-9B72A1F2A797}" type="datetime1">
               <a:rPr lang="en-GB" smtClean="0"/>
-              <a:t>15/05/2024</a:t>
+              <a:t>06/08/2024</a:t>
             </a:fld>
             <a:endParaRPr lang="en-GB"/>
           </a:p>
@@ -9639,7 +10746,7 @@
           <p:cNvPr id="5" name="Footer Placeholder 4">
             <a:extLst>
               <a:ext uri="{FF2B5EF4-FFF2-40B4-BE49-F238E27FC236}">
-                <a16:creationId xmlns:a16="http://schemas.microsoft.com/office/drawing/2014/main" id="{6A79804C-CE63-679C-0044-D91D6F5214EB}"/>
+                <a16:creationId xmlns:a16="http://schemas.microsoft.com/office/drawing/2014/main" id="{8242E96A-0F1C-FB73-30E2-CDBF387E5D40}"/>
               </a:ext>
             </a:extLst>
           </p:cNvPr>
@@ -9668,7 +10775,7 @@
           <p:cNvPr id="6" name="Slide Number Placeholder 5">
             <a:extLst>
               <a:ext uri="{FF2B5EF4-FFF2-40B4-BE49-F238E27FC236}">
-                <a16:creationId xmlns:a16="http://schemas.microsoft.com/office/drawing/2014/main" id="{08EFB839-54B0-8354-2E48-563B864CCCE7}"/>
+                <a16:creationId xmlns:a16="http://schemas.microsoft.com/office/drawing/2014/main" id="{C2F7E56A-F02E-8537-6AC5-F2FF1AD0054A}"/>
               </a:ext>
             </a:extLst>
           </p:cNvPr>
@@ -9686,17 +10793,17 @@
           <a:p>
             <a:pPr rtl="0"/>
             <a:fld id="{C014DD1E-5D91-48A3-AD6D-45FBA980D106}" type="slidenum">
-              <a:rPr lang="en-DE" smtClean="0"/>
+              <a:rPr lang="en-GB" smtClean="0"/>
               <a:t>17</a:t>
             </a:fld>
-            <a:endParaRPr lang="en-DE"/>
+            <a:endParaRPr lang="en-GB"/>
           </a:p>
         </p:txBody>
       </p:sp>
     </p:spTree>
     <p:extLst>
       <p:ext uri="{BB962C8B-B14F-4D97-AF65-F5344CB8AC3E}">
-        <p14:creationId xmlns:p14="http://schemas.microsoft.com/office/powerpoint/2010/main" val="1573799936"/>
+        <p14:creationId xmlns:p14="http://schemas.microsoft.com/office/powerpoint/2010/main" val="2797410409"/>
       </p:ext>
     </p:extLst>
   </p:cSld>
@@ -9740,7 +10847,7 @@
           <p:cNvPr id="7" name="Title 6">
             <a:extLst>
               <a:ext uri="{FF2B5EF4-FFF2-40B4-BE49-F238E27FC236}">
-                <a16:creationId xmlns:a16="http://schemas.microsoft.com/office/drawing/2014/main" id="{E5F24F6D-6AC8-A41B-7BDF-074D2E54FA2D}"/>
+                <a16:creationId xmlns:a16="http://schemas.microsoft.com/office/drawing/2014/main" id="{C8BDFC98-41C3-7823-EBC8-A2D7473EFF59}"/>
               </a:ext>
             </a:extLst>
           </p:cNvPr>
@@ -9753,14 +10860,13 @@
         </p:nvSpPr>
         <p:spPr/>
         <p:txBody>
-          <a:bodyPr anchor="ctr"/>
+          <a:bodyPr/>
           <a:lstStyle/>
           <a:p>
             <a:r>
               <a:rPr lang="en-GB" dirty="0"/>
-              <a:t>E3</a:t>
-            </a:r>
-            <a:endParaRPr lang="en-DE" dirty="0"/>
+              <a:t>Switching Devices</a:t>
+            </a:r>
           </a:p>
         </p:txBody>
       </p:sp>
@@ -9769,7 +10875,7 @@
           <p:cNvPr id="8" name="Text Placeholder 7">
             <a:extLst>
               <a:ext uri="{FF2B5EF4-FFF2-40B4-BE49-F238E27FC236}">
-                <a16:creationId xmlns:a16="http://schemas.microsoft.com/office/drawing/2014/main" id="{3CFC64F3-4654-1561-9E87-8803B529B0C2}"/>
+                <a16:creationId xmlns:a16="http://schemas.microsoft.com/office/drawing/2014/main" id="{2506AA9A-9339-849F-0452-DBB8FC38C2F8}"/>
               </a:ext>
             </a:extLst>
           </p:cNvPr>
@@ -9785,11 +10891,82 @@
           <a:bodyPr/>
           <a:lstStyle/>
           <a:p>
-            <a:r>
-              <a:rPr lang="en-GB"/>
-              <a:t>Control Strategies</a:t>
-            </a:r>
-            <a:endParaRPr lang="en-DE" dirty="0"/>
+            <a:endParaRPr lang="en-GB"/>
+          </a:p>
+        </p:txBody>
+      </p:sp>
+      <p:sp>
+        <p:nvSpPr>
+          <p:cNvPr id="9" name="Content Placeholder 8">
+            <a:extLst>
+              <a:ext uri="{FF2B5EF4-FFF2-40B4-BE49-F238E27FC236}">
+                <a16:creationId xmlns:a16="http://schemas.microsoft.com/office/drawing/2014/main" id="{FBEED320-323B-11D6-B0DE-4BA13AC268BB}"/>
+              </a:ext>
+            </a:extLst>
+          </p:cNvPr>
+          <p:cNvSpPr>
+            <a:spLocks noGrp="1"/>
+          </p:cNvSpPr>
+          <p:nvPr>
+            <p:ph sz="half" idx="2"/>
+          </p:nvPr>
+        </p:nvSpPr>
+        <p:spPr/>
+        <p:txBody>
+          <a:bodyPr/>
+          <a:lstStyle/>
+          <a:p>
+            <a:endParaRPr lang="en-GB"/>
+          </a:p>
+        </p:txBody>
+      </p:sp>
+      <p:sp>
+        <p:nvSpPr>
+          <p:cNvPr id="10" name="Text Placeholder 9">
+            <a:extLst>
+              <a:ext uri="{FF2B5EF4-FFF2-40B4-BE49-F238E27FC236}">
+                <a16:creationId xmlns:a16="http://schemas.microsoft.com/office/drawing/2014/main" id="{33F8E5D7-2115-5878-9327-68ECF1ECF1D0}"/>
+              </a:ext>
+            </a:extLst>
+          </p:cNvPr>
+          <p:cNvSpPr>
+            <a:spLocks noGrp="1"/>
+          </p:cNvSpPr>
+          <p:nvPr>
+            <p:ph type="body" sz="quarter" idx="3"/>
+          </p:nvPr>
+        </p:nvSpPr>
+        <p:spPr/>
+        <p:txBody>
+          <a:bodyPr/>
+          <a:lstStyle/>
+          <a:p>
+            <a:endParaRPr lang="en-GB"/>
+          </a:p>
+        </p:txBody>
+      </p:sp>
+      <p:sp>
+        <p:nvSpPr>
+          <p:cNvPr id="11" name="Content Placeholder 10">
+            <a:extLst>
+              <a:ext uri="{FF2B5EF4-FFF2-40B4-BE49-F238E27FC236}">
+                <a16:creationId xmlns:a16="http://schemas.microsoft.com/office/drawing/2014/main" id="{0E6AAFD1-8DD4-18E4-A141-BEB0907C2068}"/>
+              </a:ext>
+            </a:extLst>
+          </p:cNvPr>
+          <p:cNvSpPr>
+            <a:spLocks noGrp="1"/>
+          </p:cNvSpPr>
+          <p:nvPr>
+            <p:ph sz="quarter" idx="4"/>
+          </p:nvPr>
+        </p:nvSpPr>
+        <p:spPr/>
+        <p:txBody>
+          <a:bodyPr/>
+          <a:lstStyle/>
+          <a:p>
+            <a:endParaRPr lang="en-GB"/>
           </a:p>
         </p:txBody>
       </p:sp>
@@ -9798,7 +10975,7 @@
           <p:cNvPr id="4" name="Date Placeholder 3">
             <a:extLst>
               <a:ext uri="{FF2B5EF4-FFF2-40B4-BE49-F238E27FC236}">
-                <a16:creationId xmlns:a16="http://schemas.microsoft.com/office/drawing/2014/main" id="{0ED320F4-9A81-164F-EF4D-A71414F0A99C}"/>
+                <a16:creationId xmlns:a16="http://schemas.microsoft.com/office/drawing/2014/main" id="{760A7B9A-AB13-9020-6487-8117ED797BFE}"/>
               </a:ext>
             </a:extLst>
           </p:cNvPr>
@@ -9815,9 +10992,9 @@
           <a:lstStyle/>
           <a:p>
             <a:pPr rtl="0"/>
-            <a:fld id="{F8ECB1CE-D645-47DB-89A7-8AB0E6308395}" type="datetime1">
+            <a:fld id="{02F9FB9D-C6CC-418B-8DE5-9B72A1F2A797}" type="datetime1">
               <a:rPr lang="en-GB" smtClean="0"/>
-              <a:t>15/05/2024</a:t>
+              <a:t>06/08/2024</a:t>
             </a:fld>
             <a:endParaRPr lang="en-GB"/>
           </a:p>
@@ -9828,7 +11005,7 @@
           <p:cNvPr id="5" name="Footer Placeholder 4">
             <a:extLst>
               <a:ext uri="{FF2B5EF4-FFF2-40B4-BE49-F238E27FC236}">
-                <a16:creationId xmlns:a16="http://schemas.microsoft.com/office/drawing/2014/main" id="{6A79804C-CE63-679C-0044-D91D6F5214EB}"/>
+                <a16:creationId xmlns:a16="http://schemas.microsoft.com/office/drawing/2014/main" id="{8242E96A-0F1C-FB73-30E2-CDBF387E5D40}"/>
               </a:ext>
             </a:extLst>
           </p:cNvPr>
@@ -9857,7 +11034,7 @@
           <p:cNvPr id="6" name="Slide Number Placeholder 5">
             <a:extLst>
               <a:ext uri="{FF2B5EF4-FFF2-40B4-BE49-F238E27FC236}">
-                <a16:creationId xmlns:a16="http://schemas.microsoft.com/office/drawing/2014/main" id="{08EFB839-54B0-8354-2E48-563B864CCCE7}"/>
+                <a16:creationId xmlns:a16="http://schemas.microsoft.com/office/drawing/2014/main" id="{C2F7E56A-F02E-8537-6AC5-F2FF1AD0054A}"/>
               </a:ext>
             </a:extLst>
           </p:cNvPr>
@@ -9875,17 +11052,17 @@
           <a:p>
             <a:pPr rtl="0"/>
             <a:fld id="{C014DD1E-5D91-48A3-AD6D-45FBA980D106}" type="slidenum">
-              <a:rPr lang="en-DE" smtClean="0"/>
+              <a:rPr lang="en-GB" smtClean="0"/>
               <a:t>18</a:t>
             </a:fld>
-            <a:endParaRPr lang="en-DE"/>
+            <a:endParaRPr lang="en-GB"/>
           </a:p>
         </p:txBody>
       </p:sp>
     </p:spTree>
     <p:extLst>
       <p:ext uri="{BB962C8B-B14F-4D97-AF65-F5344CB8AC3E}">
-        <p14:creationId xmlns:p14="http://schemas.microsoft.com/office/powerpoint/2010/main" val="985731025"/>
+        <p14:creationId xmlns:p14="http://schemas.microsoft.com/office/powerpoint/2010/main" val="4179181725"/>
       </p:ext>
     </p:extLst>
   </p:cSld>
@@ -9929,7 +11106,7 @@
           <p:cNvPr id="7" name="Title 6">
             <a:extLst>
               <a:ext uri="{FF2B5EF4-FFF2-40B4-BE49-F238E27FC236}">
-                <a16:creationId xmlns:a16="http://schemas.microsoft.com/office/drawing/2014/main" id="{E5F24F6D-6AC8-A41B-7BDF-074D2E54FA2D}"/>
+                <a16:creationId xmlns:a16="http://schemas.microsoft.com/office/drawing/2014/main" id="{C8BDFC98-41C3-7823-EBC8-A2D7473EFF59}"/>
               </a:ext>
             </a:extLst>
           </p:cNvPr>
@@ -9942,14 +11119,13 @@
         </p:nvSpPr>
         <p:spPr/>
         <p:txBody>
-          <a:bodyPr anchor="ctr"/>
+          <a:bodyPr/>
           <a:lstStyle/>
           <a:p>
             <a:r>
               <a:rPr lang="en-GB" dirty="0"/>
-              <a:t>F</a:t>
-            </a:r>
-            <a:endParaRPr lang="en-DE" dirty="0"/>
+              <a:t>Capacitor Devices</a:t>
+            </a:r>
           </a:p>
         </p:txBody>
       </p:sp>
@@ -9958,7 +11134,7 @@
           <p:cNvPr id="8" name="Text Placeholder 7">
             <a:extLst>
               <a:ext uri="{FF2B5EF4-FFF2-40B4-BE49-F238E27FC236}">
-                <a16:creationId xmlns:a16="http://schemas.microsoft.com/office/drawing/2014/main" id="{3CFC64F3-4654-1561-9E87-8803B529B0C2}"/>
+                <a16:creationId xmlns:a16="http://schemas.microsoft.com/office/drawing/2014/main" id="{2506AA9A-9339-849F-0452-DBB8FC38C2F8}"/>
               </a:ext>
             </a:extLst>
           </p:cNvPr>
@@ -9974,11 +11150,82 @@
           <a:bodyPr/>
           <a:lstStyle/>
           <a:p>
-            <a:r>
-              <a:rPr lang="en-GB" dirty="0"/>
-              <a:t>Outlook and Conclusion</a:t>
-            </a:r>
-            <a:endParaRPr lang="en-DE" dirty="0"/>
+            <a:endParaRPr lang="en-GB"/>
+          </a:p>
+        </p:txBody>
+      </p:sp>
+      <p:sp>
+        <p:nvSpPr>
+          <p:cNvPr id="9" name="Content Placeholder 8">
+            <a:extLst>
+              <a:ext uri="{FF2B5EF4-FFF2-40B4-BE49-F238E27FC236}">
+                <a16:creationId xmlns:a16="http://schemas.microsoft.com/office/drawing/2014/main" id="{FBEED320-323B-11D6-B0DE-4BA13AC268BB}"/>
+              </a:ext>
+            </a:extLst>
+          </p:cNvPr>
+          <p:cNvSpPr>
+            <a:spLocks noGrp="1"/>
+          </p:cNvSpPr>
+          <p:nvPr>
+            <p:ph sz="half" idx="2"/>
+          </p:nvPr>
+        </p:nvSpPr>
+        <p:spPr/>
+        <p:txBody>
+          <a:bodyPr/>
+          <a:lstStyle/>
+          <a:p>
+            <a:endParaRPr lang="en-GB"/>
+          </a:p>
+        </p:txBody>
+      </p:sp>
+      <p:sp>
+        <p:nvSpPr>
+          <p:cNvPr id="10" name="Text Placeholder 9">
+            <a:extLst>
+              <a:ext uri="{FF2B5EF4-FFF2-40B4-BE49-F238E27FC236}">
+                <a16:creationId xmlns:a16="http://schemas.microsoft.com/office/drawing/2014/main" id="{33F8E5D7-2115-5878-9327-68ECF1ECF1D0}"/>
+              </a:ext>
+            </a:extLst>
+          </p:cNvPr>
+          <p:cNvSpPr>
+            <a:spLocks noGrp="1"/>
+          </p:cNvSpPr>
+          <p:nvPr>
+            <p:ph type="body" sz="quarter" idx="3"/>
+          </p:nvPr>
+        </p:nvSpPr>
+        <p:spPr/>
+        <p:txBody>
+          <a:bodyPr/>
+          <a:lstStyle/>
+          <a:p>
+            <a:endParaRPr lang="en-GB"/>
+          </a:p>
+        </p:txBody>
+      </p:sp>
+      <p:sp>
+        <p:nvSpPr>
+          <p:cNvPr id="11" name="Content Placeholder 10">
+            <a:extLst>
+              <a:ext uri="{FF2B5EF4-FFF2-40B4-BE49-F238E27FC236}">
+                <a16:creationId xmlns:a16="http://schemas.microsoft.com/office/drawing/2014/main" id="{0E6AAFD1-8DD4-18E4-A141-BEB0907C2068}"/>
+              </a:ext>
+            </a:extLst>
+          </p:cNvPr>
+          <p:cNvSpPr>
+            <a:spLocks noGrp="1"/>
+          </p:cNvSpPr>
+          <p:nvPr>
+            <p:ph sz="quarter" idx="4"/>
+          </p:nvPr>
+        </p:nvSpPr>
+        <p:spPr/>
+        <p:txBody>
+          <a:bodyPr/>
+          <a:lstStyle/>
+          <a:p>
+            <a:endParaRPr lang="en-GB"/>
           </a:p>
         </p:txBody>
       </p:sp>
@@ -9987,7 +11234,7 @@
           <p:cNvPr id="4" name="Date Placeholder 3">
             <a:extLst>
               <a:ext uri="{FF2B5EF4-FFF2-40B4-BE49-F238E27FC236}">
-                <a16:creationId xmlns:a16="http://schemas.microsoft.com/office/drawing/2014/main" id="{0ED320F4-9A81-164F-EF4D-A71414F0A99C}"/>
+                <a16:creationId xmlns:a16="http://schemas.microsoft.com/office/drawing/2014/main" id="{760A7B9A-AB13-9020-6487-8117ED797BFE}"/>
               </a:ext>
             </a:extLst>
           </p:cNvPr>
@@ -10004,9 +11251,9 @@
           <a:lstStyle/>
           <a:p>
             <a:pPr rtl="0"/>
-            <a:fld id="{F8ECB1CE-D645-47DB-89A7-8AB0E6308395}" type="datetime1">
+            <a:fld id="{02F9FB9D-C6CC-418B-8DE5-9B72A1F2A797}" type="datetime1">
               <a:rPr lang="en-GB" smtClean="0"/>
-              <a:t>15/05/2024</a:t>
+              <a:t>06/08/2024</a:t>
             </a:fld>
             <a:endParaRPr lang="en-GB"/>
           </a:p>
@@ -10017,7 +11264,7 @@
           <p:cNvPr id="5" name="Footer Placeholder 4">
             <a:extLst>
               <a:ext uri="{FF2B5EF4-FFF2-40B4-BE49-F238E27FC236}">
-                <a16:creationId xmlns:a16="http://schemas.microsoft.com/office/drawing/2014/main" id="{6A79804C-CE63-679C-0044-D91D6F5214EB}"/>
+                <a16:creationId xmlns:a16="http://schemas.microsoft.com/office/drawing/2014/main" id="{8242E96A-0F1C-FB73-30E2-CDBF387E5D40}"/>
               </a:ext>
             </a:extLst>
           </p:cNvPr>
@@ -10046,7 +11293,7 @@
           <p:cNvPr id="6" name="Slide Number Placeholder 5">
             <a:extLst>
               <a:ext uri="{FF2B5EF4-FFF2-40B4-BE49-F238E27FC236}">
-                <a16:creationId xmlns:a16="http://schemas.microsoft.com/office/drawing/2014/main" id="{08EFB839-54B0-8354-2E48-563B864CCCE7}"/>
+                <a16:creationId xmlns:a16="http://schemas.microsoft.com/office/drawing/2014/main" id="{C2F7E56A-F02E-8537-6AC5-F2FF1AD0054A}"/>
               </a:ext>
             </a:extLst>
           </p:cNvPr>
@@ -10064,17 +11311,17 @@
           <a:p>
             <a:pPr rtl="0"/>
             <a:fld id="{C014DD1E-5D91-48A3-AD6D-45FBA980D106}" type="slidenum">
-              <a:rPr lang="en-DE" smtClean="0"/>
+              <a:rPr lang="en-GB" smtClean="0"/>
               <a:t>19</a:t>
             </a:fld>
-            <a:endParaRPr lang="en-DE"/>
+            <a:endParaRPr lang="en-GB"/>
           </a:p>
         </p:txBody>
       </p:sp>
     </p:spTree>
     <p:extLst>
       <p:ext uri="{BB962C8B-B14F-4D97-AF65-F5344CB8AC3E}">
-        <p14:creationId xmlns:p14="http://schemas.microsoft.com/office/powerpoint/2010/main" val="3576261984"/>
+        <p14:creationId xmlns:p14="http://schemas.microsoft.com/office/powerpoint/2010/main" val="3939719737"/>
       </p:ext>
     </p:extLst>
   </p:cSld>
@@ -10186,7 +11433,7 @@
             </a:pPr>
             <a:r>
               <a:rPr lang="en-GB" dirty="0"/>
-              <a:t>GUI Overview</a:t>
+              <a:t>Toolkit Overview</a:t>
             </a:r>
           </a:p>
           <a:p>
@@ -10243,7 +11490,7 @@
             <a:pPr rtl="0"/>
             <a:fld id="{381AF055-5957-49AA-A8F2-8850B2084E47}" type="datetime1">
               <a:rPr lang="en-GB" smtClean="0"/>
-              <a:t>15/05/2024</a:t>
+              <a:t>06/08/2024</a:t>
             </a:fld>
             <a:endParaRPr lang="en-GB"/>
           </a:p>
@@ -10312,6 +11559,2020 @@
     <p:extLst>
       <p:ext uri="{BB962C8B-B14F-4D97-AF65-F5344CB8AC3E}">
         <p14:creationId xmlns:p14="http://schemas.microsoft.com/office/powerpoint/2010/main" val="1911576262"/>
+      </p:ext>
+    </p:extLst>
+  </p:cSld>
+  <p:clrMapOvr>
+    <a:masterClrMapping/>
+  </p:clrMapOvr>
+  <mc:AlternateContent xmlns:mc="http://schemas.openxmlformats.org/markup-compatibility/2006" xmlns:p14="http://schemas.microsoft.com/office/powerpoint/2010/main">
+    <mc:Choice Requires="p14">
+      <p:transition spd="med" p14:dur="700">
+        <p:fade/>
+      </p:transition>
+    </mc:Choice>
+    <mc:Fallback xmlns="">
+      <p:transition spd="med">
+        <p:fade/>
+      </p:transition>
+    </mc:Fallback>
+  </mc:AlternateContent>
+</p:sld>
+</file>
+
+<file path=ppt/slides/slide20.xml><?xml version="1.0" encoding="utf-8"?>
+<p:sld xmlns:a="http://schemas.openxmlformats.org/drawingml/2006/main" xmlns:r="http://schemas.openxmlformats.org/officeDocument/2006/relationships" xmlns:p="http://schemas.openxmlformats.org/presentationml/2006/main">
+  <p:cSld>
+    <p:spTree>
+      <p:nvGrpSpPr>
+        <p:cNvPr id="1" name=""/>
+        <p:cNvGrpSpPr/>
+        <p:nvPr/>
+      </p:nvGrpSpPr>
+      <p:grpSpPr>
+        <a:xfrm>
+          <a:off x="0" y="0"/>
+          <a:ext cx="0" cy="0"/>
+          <a:chOff x="0" y="0"/>
+          <a:chExt cx="0" cy="0"/>
+        </a:xfrm>
+      </p:grpSpPr>
+      <p:sp>
+        <p:nvSpPr>
+          <p:cNvPr id="7" name="Title 6">
+            <a:extLst>
+              <a:ext uri="{FF2B5EF4-FFF2-40B4-BE49-F238E27FC236}">
+                <a16:creationId xmlns:a16="http://schemas.microsoft.com/office/drawing/2014/main" id="{E5F24F6D-6AC8-A41B-7BDF-074D2E54FA2D}"/>
+              </a:ext>
+            </a:extLst>
+          </p:cNvPr>
+          <p:cNvSpPr>
+            <a:spLocks noGrp="1"/>
+          </p:cNvSpPr>
+          <p:nvPr>
+            <p:ph type="title"/>
+          </p:nvPr>
+        </p:nvSpPr>
+        <p:spPr/>
+        <p:txBody>
+          <a:bodyPr anchor="ctr"/>
+          <a:lstStyle/>
+          <a:p>
+            <a:r>
+              <a:rPr lang="en-GB" dirty="0"/>
+              <a:t>B4</a:t>
+            </a:r>
+            <a:endParaRPr lang="en-DE" dirty="0"/>
+          </a:p>
+        </p:txBody>
+      </p:sp>
+      <p:sp>
+        <p:nvSpPr>
+          <p:cNvPr id="8" name="Text Placeholder 7">
+            <a:extLst>
+              <a:ext uri="{FF2B5EF4-FFF2-40B4-BE49-F238E27FC236}">
+                <a16:creationId xmlns:a16="http://schemas.microsoft.com/office/drawing/2014/main" id="{3CFC64F3-4654-1561-9E87-8803B529B0C2}"/>
+              </a:ext>
+            </a:extLst>
+          </p:cNvPr>
+          <p:cNvSpPr>
+            <a:spLocks noGrp="1"/>
+          </p:cNvSpPr>
+          <p:nvPr>
+            <p:ph type="body" idx="1"/>
+          </p:nvPr>
+        </p:nvSpPr>
+        <p:spPr/>
+        <p:txBody>
+          <a:bodyPr/>
+          <a:lstStyle/>
+          <a:p>
+            <a:r>
+              <a:rPr lang="en-GB" dirty="0"/>
+              <a:t>Thermal </a:t>
+            </a:r>
+            <a:r>
+              <a:rPr lang="en-GB" dirty="0" err="1"/>
+              <a:t>modeling</a:t>
+            </a:r>
+            <a:endParaRPr lang="en-DE" dirty="0"/>
+          </a:p>
+        </p:txBody>
+      </p:sp>
+      <p:sp>
+        <p:nvSpPr>
+          <p:cNvPr id="4" name="Date Placeholder 3">
+            <a:extLst>
+              <a:ext uri="{FF2B5EF4-FFF2-40B4-BE49-F238E27FC236}">
+                <a16:creationId xmlns:a16="http://schemas.microsoft.com/office/drawing/2014/main" id="{0ED320F4-9A81-164F-EF4D-A71414F0A99C}"/>
+              </a:ext>
+            </a:extLst>
+          </p:cNvPr>
+          <p:cNvSpPr>
+            <a:spLocks noGrp="1"/>
+          </p:cNvSpPr>
+          <p:nvPr>
+            <p:ph type="dt" sz="half" idx="10"/>
+          </p:nvPr>
+        </p:nvSpPr>
+        <p:spPr/>
+        <p:txBody>
+          <a:bodyPr/>
+          <a:lstStyle/>
+          <a:p>
+            <a:pPr rtl="0"/>
+            <a:fld id="{F8ECB1CE-D645-47DB-89A7-8AB0E6308395}" type="datetime1">
+              <a:rPr lang="en-GB" smtClean="0"/>
+              <a:t>06/08/2024</a:t>
+            </a:fld>
+            <a:endParaRPr lang="en-GB"/>
+          </a:p>
+        </p:txBody>
+      </p:sp>
+      <p:sp>
+        <p:nvSpPr>
+          <p:cNvPr id="5" name="Footer Placeholder 4">
+            <a:extLst>
+              <a:ext uri="{FF2B5EF4-FFF2-40B4-BE49-F238E27FC236}">
+                <a16:creationId xmlns:a16="http://schemas.microsoft.com/office/drawing/2014/main" id="{6A79804C-CE63-679C-0044-D91D6F5214EB}"/>
+              </a:ext>
+            </a:extLst>
+          </p:cNvPr>
+          <p:cNvSpPr>
+            <a:spLocks noGrp="1"/>
+          </p:cNvSpPr>
+          <p:nvPr>
+            <p:ph type="ftr" sz="quarter" idx="11"/>
+          </p:nvPr>
+        </p:nvSpPr>
+        <p:spPr/>
+        <p:txBody>
+          <a:bodyPr/>
+          <a:lstStyle/>
+          <a:p>
+            <a:pPr rtl="0"/>
+            <a:r>
+              <a:rPr lang="en-GB"/>
+              <a:t>PyDTS Overview</a:t>
+            </a:r>
+          </a:p>
+        </p:txBody>
+      </p:sp>
+      <p:sp>
+        <p:nvSpPr>
+          <p:cNvPr id="6" name="Slide Number Placeholder 5">
+            <a:extLst>
+              <a:ext uri="{FF2B5EF4-FFF2-40B4-BE49-F238E27FC236}">
+                <a16:creationId xmlns:a16="http://schemas.microsoft.com/office/drawing/2014/main" id="{08EFB839-54B0-8354-2E48-563B864CCCE7}"/>
+              </a:ext>
+            </a:extLst>
+          </p:cNvPr>
+          <p:cNvSpPr>
+            <a:spLocks noGrp="1"/>
+          </p:cNvSpPr>
+          <p:nvPr>
+            <p:ph type="sldNum" sz="quarter" idx="12"/>
+          </p:nvPr>
+        </p:nvSpPr>
+        <p:spPr/>
+        <p:txBody>
+          <a:bodyPr/>
+          <a:lstStyle/>
+          <a:p>
+            <a:pPr rtl="0"/>
+            <a:fld id="{C014DD1E-5D91-48A3-AD6D-45FBA980D106}" type="slidenum">
+              <a:rPr lang="en-DE" smtClean="0"/>
+              <a:t>20</a:t>
+            </a:fld>
+            <a:endParaRPr lang="en-DE"/>
+          </a:p>
+        </p:txBody>
+      </p:sp>
+    </p:spTree>
+    <p:extLst>
+      <p:ext uri="{BB962C8B-B14F-4D97-AF65-F5344CB8AC3E}">
+        <p14:creationId xmlns:p14="http://schemas.microsoft.com/office/powerpoint/2010/main" val="4282893212"/>
+      </p:ext>
+    </p:extLst>
+  </p:cSld>
+  <p:clrMapOvr>
+    <a:masterClrMapping/>
+  </p:clrMapOvr>
+  <mc:AlternateContent xmlns:mc="http://schemas.openxmlformats.org/markup-compatibility/2006" xmlns:p14="http://schemas.microsoft.com/office/powerpoint/2010/main">
+    <mc:Choice Requires="p14">
+      <p:transition spd="med" p14:dur="700">
+        <p:fade/>
+      </p:transition>
+    </mc:Choice>
+    <mc:Fallback xmlns="">
+      <p:transition spd="med">
+        <p:fade/>
+      </p:transition>
+    </mc:Fallback>
+  </mc:AlternateContent>
+</p:sld>
+</file>
+
+<file path=ppt/slides/slide21.xml><?xml version="1.0" encoding="utf-8"?>
+<p:sld xmlns:a="http://schemas.openxmlformats.org/drawingml/2006/main" xmlns:r="http://schemas.openxmlformats.org/officeDocument/2006/relationships" xmlns:p="http://schemas.openxmlformats.org/presentationml/2006/main">
+  <p:cSld>
+    <p:spTree>
+      <p:nvGrpSpPr>
+        <p:cNvPr id="1" name=""/>
+        <p:cNvGrpSpPr/>
+        <p:nvPr/>
+      </p:nvGrpSpPr>
+      <p:grpSpPr>
+        <a:xfrm>
+          <a:off x="0" y="0"/>
+          <a:ext cx="0" cy="0"/>
+          <a:chOff x="0" y="0"/>
+          <a:chExt cx="0" cy="0"/>
+        </a:xfrm>
+      </p:grpSpPr>
+      <p:sp>
+        <p:nvSpPr>
+          <p:cNvPr id="7" name="Title 6">
+            <a:extLst>
+              <a:ext uri="{FF2B5EF4-FFF2-40B4-BE49-F238E27FC236}">
+                <a16:creationId xmlns:a16="http://schemas.microsoft.com/office/drawing/2014/main" id="{C8BDFC98-41C3-7823-EBC8-A2D7473EFF59}"/>
+              </a:ext>
+            </a:extLst>
+          </p:cNvPr>
+          <p:cNvSpPr>
+            <a:spLocks noGrp="1"/>
+          </p:cNvSpPr>
+          <p:nvPr>
+            <p:ph type="title"/>
+          </p:nvPr>
+        </p:nvSpPr>
+        <p:spPr/>
+        <p:txBody>
+          <a:bodyPr/>
+          <a:lstStyle/>
+          <a:p>
+            <a:r>
+              <a:rPr lang="en-GB" dirty="0"/>
+              <a:t>Reduced Order Thermal Model</a:t>
+            </a:r>
+          </a:p>
+        </p:txBody>
+      </p:sp>
+      <p:sp>
+        <p:nvSpPr>
+          <p:cNvPr id="8" name="Text Placeholder 7">
+            <a:extLst>
+              <a:ext uri="{FF2B5EF4-FFF2-40B4-BE49-F238E27FC236}">
+                <a16:creationId xmlns:a16="http://schemas.microsoft.com/office/drawing/2014/main" id="{2506AA9A-9339-849F-0452-DBB8FC38C2F8}"/>
+              </a:ext>
+            </a:extLst>
+          </p:cNvPr>
+          <p:cNvSpPr>
+            <a:spLocks noGrp="1"/>
+          </p:cNvSpPr>
+          <p:nvPr>
+            <p:ph type="body" idx="1"/>
+          </p:nvPr>
+        </p:nvSpPr>
+        <p:spPr/>
+        <p:txBody>
+          <a:bodyPr/>
+          <a:lstStyle/>
+          <a:p>
+            <a:endParaRPr lang="en-GB"/>
+          </a:p>
+        </p:txBody>
+      </p:sp>
+      <p:sp>
+        <p:nvSpPr>
+          <p:cNvPr id="9" name="Content Placeholder 8">
+            <a:extLst>
+              <a:ext uri="{FF2B5EF4-FFF2-40B4-BE49-F238E27FC236}">
+                <a16:creationId xmlns:a16="http://schemas.microsoft.com/office/drawing/2014/main" id="{FBEED320-323B-11D6-B0DE-4BA13AC268BB}"/>
+              </a:ext>
+            </a:extLst>
+          </p:cNvPr>
+          <p:cNvSpPr>
+            <a:spLocks noGrp="1"/>
+          </p:cNvSpPr>
+          <p:nvPr>
+            <p:ph sz="half" idx="2"/>
+          </p:nvPr>
+        </p:nvSpPr>
+        <p:spPr/>
+        <p:txBody>
+          <a:bodyPr/>
+          <a:lstStyle/>
+          <a:p>
+            <a:endParaRPr lang="en-GB"/>
+          </a:p>
+        </p:txBody>
+      </p:sp>
+      <p:sp>
+        <p:nvSpPr>
+          <p:cNvPr id="10" name="Text Placeholder 9">
+            <a:extLst>
+              <a:ext uri="{FF2B5EF4-FFF2-40B4-BE49-F238E27FC236}">
+                <a16:creationId xmlns:a16="http://schemas.microsoft.com/office/drawing/2014/main" id="{33F8E5D7-2115-5878-9327-68ECF1ECF1D0}"/>
+              </a:ext>
+            </a:extLst>
+          </p:cNvPr>
+          <p:cNvSpPr>
+            <a:spLocks noGrp="1"/>
+          </p:cNvSpPr>
+          <p:nvPr>
+            <p:ph type="body" sz="quarter" idx="3"/>
+          </p:nvPr>
+        </p:nvSpPr>
+        <p:spPr/>
+        <p:txBody>
+          <a:bodyPr/>
+          <a:lstStyle/>
+          <a:p>
+            <a:endParaRPr lang="en-GB"/>
+          </a:p>
+        </p:txBody>
+      </p:sp>
+      <p:sp>
+        <p:nvSpPr>
+          <p:cNvPr id="11" name="Content Placeholder 10">
+            <a:extLst>
+              <a:ext uri="{FF2B5EF4-FFF2-40B4-BE49-F238E27FC236}">
+                <a16:creationId xmlns:a16="http://schemas.microsoft.com/office/drawing/2014/main" id="{0E6AAFD1-8DD4-18E4-A141-BEB0907C2068}"/>
+              </a:ext>
+            </a:extLst>
+          </p:cNvPr>
+          <p:cNvSpPr>
+            <a:spLocks noGrp="1"/>
+          </p:cNvSpPr>
+          <p:nvPr>
+            <p:ph sz="quarter" idx="4"/>
+          </p:nvPr>
+        </p:nvSpPr>
+        <p:spPr/>
+        <p:txBody>
+          <a:bodyPr/>
+          <a:lstStyle/>
+          <a:p>
+            <a:endParaRPr lang="en-GB"/>
+          </a:p>
+        </p:txBody>
+      </p:sp>
+      <p:sp>
+        <p:nvSpPr>
+          <p:cNvPr id="4" name="Date Placeholder 3">
+            <a:extLst>
+              <a:ext uri="{FF2B5EF4-FFF2-40B4-BE49-F238E27FC236}">
+                <a16:creationId xmlns:a16="http://schemas.microsoft.com/office/drawing/2014/main" id="{760A7B9A-AB13-9020-6487-8117ED797BFE}"/>
+              </a:ext>
+            </a:extLst>
+          </p:cNvPr>
+          <p:cNvSpPr>
+            <a:spLocks noGrp="1"/>
+          </p:cNvSpPr>
+          <p:nvPr>
+            <p:ph type="dt" sz="half" idx="10"/>
+          </p:nvPr>
+        </p:nvSpPr>
+        <p:spPr/>
+        <p:txBody>
+          <a:bodyPr/>
+          <a:lstStyle/>
+          <a:p>
+            <a:pPr rtl="0"/>
+            <a:fld id="{02F9FB9D-C6CC-418B-8DE5-9B72A1F2A797}" type="datetime1">
+              <a:rPr lang="en-GB" smtClean="0"/>
+              <a:t>06/08/2024</a:t>
+            </a:fld>
+            <a:endParaRPr lang="en-GB"/>
+          </a:p>
+        </p:txBody>
+      </p:sp>
+      <p:sp>
+        <p:nvSpPr>
+          <p:cNvPr id="5" name="Footer Placeholder 4">
+            <a:extLst>
+              <a:ext uri="{FF2B5EF4-FFF2-40B4-BE49-F238E27FC236}">
+                <a16:creationId xmlns:a16="http://schemas.microsoft.com/office/drawing/2014/main" id="{8242E96A-0F1C-FB73-30E2-CDBF387E5D40}"/>
+              </a:ext>
+            </a:extLst>
+          </p:cNvPr>
+          <p:cNvSpPr>
+            <a:spLocks noGrp="1"/>
+          </p:cNvSpPr>
+          <p:nvPr>
+            <p:ph type="ftr" sz="quarter" idx="11"/>
+          </p:nvPr>
+        </p:nvSpPr>
+        <p:spPr/>
+        <p:txBody>
+          <a:bodyPr/>
+          <a:lstStyle/>
+          <a:p>
+            <a:pPr rtl="0"/>
+            <a:r>
+              <a:rPr lang="en-GB"/>
+              <a:t>PyDTS Overview</a:t>
+            </a:r>
+          </a:p>
+        </p:txBody>
+      </p:sp>
+      <p:sp>
+        <p:nvSpPr>
+          <p:cNvPr id="6" name="Slide Number Placeholder 5">
+            <a:extLst>
+              <a:ext uri="{FF2B5EF4-FFF2-40B4-BE49-F238E27FC236}">
+                <a16:creationId xmlns:a16="http://schemas.microsoft.com/office/drawing/2014/main" id="{C2F7E56A-F02E-8537-6AC5-F2FF1AD0054A}"/>
+              </a:ext>
+            </a:extLst>
+          </p:cNvPr>
+          <p:cNvSpPr>
+            <a:spLocks noGrp="1"/>
+          </p:cNvSpPr>
+          <p:nvPr>
+            <p:ph type="sldNum" sz="quarter" idx="12"/>
+          </p:nvPr>
+        </p:nvSpPr>
+        <p:spPr/>
+        <p:txBody>
+          <a:bodyPr/>
+          <a:lstStyle/>
+          <a:p>
+            <a:pPr rtl="0"/>
+            <a:fld id="{C014DD1E-5D91-48A3-AD6D-45FBA980D106}" type="slidenum">
+              <a:rPr lang="en-GB" smtClean="0"/>
+              <a:t>21</a:t>
+            </a:fld>
+            <a:endParaRPr lang="en-GB"/>
+          </a:p>
+        </p:txBody>
+      </p:sp>
+    </p:spTree>
+    <p:extLst>
+      <p:ext uri="{BB962C8B-B14F-4D97-AF65-F5344CB8AC3E}">
+        <p14:creationId xmlns:p14="http://schemas.microsoft.com/office/powerpoint/2010/main" val="2730381877"/>
+      </p:ext>
+    </p:extLst>
+  </p:cSld>
+  <p:clrMapOvr>
+    <a:masterClrMapping/>
+  </p:clrMapOvr>
+  <mc:AlternateContent xmlns:mc="http://schemas.openxmlformats.org/markup-compatibility/2006" xmlns:p14="http://schemas.microsoft.com/office/powerpoint/2010/main">
+    <mc:Choice Requires="p14">
+      <p:transition spd="med" p14:dur="700">
+        <p:fade/>
+      </p:transition>
+    </mc:Choice>
+    <mc:Fallback xmlns="">
+      <p:transition spd="med">
+        <p:fade/>
+      </p:transition>
+    </mc:Fallback>
+  </mc:AlternateContent>
+</p:sld>
+</file>
+
+<file path=ppt/slides/slide22.xml><?xml version="1.0" encoding="utf-8"?>
+<p:sld xmlns:a="http://schemas.openxmlformats.org/drawingml/2006/main" xmlns:r="http://schemas.openxmlformats.org/officeDocument/2006/relationships" xmlns:p="http://schemas.openxmlformats.org/presentationml/2006/main">
+  <p:cSld>
+    <p:spTree>
+      <p:nvGrpSpPr>
+        <p:cNvPr id="1" name=""/>
+        <p:cNvGrpSpPr/>
+        <p:nvPr/>
+      </p:nvGrpSpPr>
+      <p:grpSpPr>
+        <a:xfrm>
+          <a:off x="0" y="0"/>
+          <a:ext cx="0" cy="0"/>
+          <a:chOff x="0" y="0"/>
+          <a:chExt cx="0" cy="0"/>
+        </a:xfrm>
+      </p:grpSpPr>
+      <p:sp>
+        <p:nvSpPr>
+          <p:cNvPr id="7" name="Title 6">
+            <a:extLst>
+              <a:ext uri="{FF2B5EF4-FFF2-40B4-BE49-F238E27FC236}">
+                <a16:creationId xmlns:a16="http://schemas.microsoft.com/office/drawing/2014/main" id="{C8BDFC98-41C3-7823-EBC8-A2D7473EFF59}"/>
+              </a:ext>
+            </a:extLst>
+          </p:cNvPr>
+          <p:cNvSpPr>
+            <a:spLocks noGrp="1"/>
+          </p:cNvSpPr>
+          <p:nvPr>
+            <p:ph type="title"/>
+          </p:nvPr>
+        </p:nvSpPr>
+        <p:spPr/>
+        <p:txBody>
+          <a:bodyPr/>
+          <a:lstStyle/>
+          <a:p>
+            <a:r>
+              <a:rPr lang="en-GB" dirty="0"/>
+              <a:t>Electro-Thermal </a:t>
+            </a:r>
+            <a:r>
+              <a:rPr lang="en-GB" dirty="0" err="1"/>
+              <a:t>Modeling</a:t>
+            </a:r>
+            <a:endParaRPr lang="en-GB" dirty="0"/>
+          </a:p>
+        </p:txBody>
+      </p:sp>
+      <p:sp>
+        <p:nvSpPr>
+          <p:cNvPr id="8" name="Text Placeholder 7">
+            <a:extLst>
+              <a:ext uri="{FF2B5EF4-FFF2-40B4-BE49-F238E27FC236}">
+                <a16:creationId xmlns:a16="http://schemas.microsoft.com/office/drawing/2014/main" id="{2506AA9A-9339-849F-0452-DBB8FC38C2F8}"/>
+              </a:ext>
+            </a:extLst>
+          </p:cNvPr>
+          <p:cNvSpPr>
+            <a:spLocks noGrp="1"/>
+          </p:cNvSpPr>
+          <p:nvPr>
+            <p:ph type="body" idx="1"/>
+          </p:nvPr>
+        </p:nvSpPr>
+        <p:spPr/>
+        <p:txBody>
+          <a:bodyPr/>
+          <a:lstStyle/>
+          <a:p>
+            <a:endParaRPr lang="en-GB"/>
+          </a:p>
+        </p:txBody>
+      </p:sp>
+      <p:sp>
+        <p:nvSpPr>
+          <p:cNvPr id="9" name="Content Placeholder 8">
+            <a:extLst>
+              <a:ext uri="{FF2B5EF4-FFF2-40B4-BE49-F238E27FC236}">
+                <a16:creationId xmlns:a16="http://schemas.microsoft.com/office/drawing/2014/main" id="{FBEED320-323B-11D6-B0DE-4BA13AC268BB}"/>
+              </a:ext>
+            </a:extLst>
+          </p:cNvPr>
+          <p:cNvSpPr>
+            <a:spLocks noGrp="1"/>
+          </p:cNvSpPr>
+          <p:nvPr>
+            <p:ph sz="half" idx="2"/>
+          </p:nvPr>
+        </p:nvSpPr>
+        <p:spPr/>
+        <p:txBody>
+          <a:bodyPr/>
+          <a:lstStyle/>
+          <a:p>
+            <a:endParaRPr lang="en-GB"/>
+          </a:p>
+        </p:txBody>
+      </p:sp>
+      <p:sp>
+        <p:nvSpPr>
+          <p:cNvPr id="10" name="Text Placeholder 9">
+            <a:extLst>
+              <a:ext uri="{FF2B5EF4-FFF2-40B4-BE49-F238E27FC236}">
+                <a16:creationId xmlns:a16="http://schemas.microsoft.com/office/drawing/2014/main" id="{33F8E5D7-2115-5878-9327-68ECF1ECF1D0}"/>
+              </a:ext>
+            </a:extLst>
+          </p:cNvPr>
+          <p:cNvSpPr>
+            <a:spLocks noGrp="1"/>
+          </p:cNvSpPr>
+          <p:nvPr>
+            <p:ph type="body" sz="quarter" idx="3"/>
+          </p:nvPr>
+        </p:nvSpPr>
+        <p:spPr/>
+        <p:txBody>
+          <a:bodyPr/>
+          <a:lstStyle/>
+          <a:p>
+            <a:endParaRPr lang="en-GB"/>
+          </a:p>
+        </p:txBody>
+      </p:sp>
+      <p:sp>
+        <p:nvSpPr>
+          <p:cNvPr id="11" name="Content Placeholder 10">
+            <a:extLst>
+              <a:ext uri="{FF2B5EF4-FFF2-40B4-BE49-F238E27FC236}">
+                <a16:creationId xmlns:a16="http://schemas.microsoft.com/office/drawing/2014/main" id="{0E6AAFD1-8DD4-18E4-A141-BEB0907C2068}"/>
+              </a:ext>
+            </a:extLst>
+          </p:cNvPr>
+          <p:cNvSpPr>
+            <a:spLocks noGrp="1"/>
+          </p:cNvSpPr>
+          <p:nvPr>
+            <p:ph sz="quarter" idx="4"/>
+          </p:nvPr>
+        </p:nvSpPr>
+        <p:spPr/>
+        <p:txBody>
+          <a:bodyPr/>
+          <a:lstStyle/>
+          <a:p>
+            <a:endParaRPr lang="en-GB"/>
+          </a:p>
+        </p:txBody>
+      </p:sp>
+      <p:sp>
+        <p:nvSpPr>
+          <p:cNvPr id="4" name="Date Placeholder 3">
+            <a:extLst>
+              <a:ext uri="{FF2B5EF4-FFF2-40B4-BE49-F238E27FC236}">
+                <a16:creationId xmlns:a16="http://schemas.microsoft.com/office/drawing/2014/main" id="{760A7B9A-AB13-9020-6487-8117ED797BFE}"/>
+              </a:ext>
+            </a:extLst>
+          </p:cNvPr>
+          <p:cNvSpPr>
+            <a:spLocks noGrp="1"/>
+          </p:cNvSpPr>
+          <p:nvPr>
+            <p:ph type="dt" sz="half" idx="10"/>
+          </p:nvPr>
+        </p:nvSpPr>
+        <p:spPr/>
+        <p:txBody>
+          <a:bodyPr/>
+          <a:lstStyle/>
+          <a:p>
+            <a:pPr rtl="0"/>
+            <a:fld id="{02F9FB9D-C6CC-418B-8DE5-9B72A1F2A797}" type="datetime1">
+              <a:rPr lang="en-GB" smtClean="0"/>
+              <a:t>06/08/2024</a:t>
+            </a:fld>
+            <a:endParaRPr lang="en-GB"/>
+          </a:p>
+        </p:txBody>
+      </p:sp>
+      <p:sp>
+        <p:nvSpPr>
+          <p:cNvPr id="5" name="Footer Placeholder 4">
+            <a:extLst>
+              <a:ext uri="{FF2B5EF4-FFF2-40B4-BE49-F238E27FC236}">
+                <a16:creationId xmlns:a16="http://schemas.microsoft.com/office/drawing/2014/main" id="{8242E96A-0F1C-FB73-30E2-CDBF387E5D40}"/>
+              </a:ext>
+            </a:extLst>
+          </p:cNvPr>
+          <p:cNvSpPr>
+            <a:spLocks noGrp="1"/>
+          </p:cNvSpPr>
+          <p:nvPr>
+            <p:ph type="ftr" sz="quarter" idx="11"/>
+          </p:nvPr>
+        </p:nvSpPr>
+        <p:spPr/>
+        <p:txBody>
+          <a:bodyPr/>
+          <a:lstStyle/>
+          <a:p>
+            <a:pPr rtl="0"/>
+            <a:r>
+              <a:rPr lang="en-GB"/>
+              <a:t>PyDTS Overview</a:t>
+            </a:r>
+          </a:p>
+        </p:txBody>
+      </p:sp>
+      <p:sp>
+        <p:nvSpPr>
+          <p:cNvPr id="6" name="Slide Number Placeholder 5">
+            <a:extLst>
+              <a:ext uri="{FF2B5EF4-FFF2-40B4-BE49-F238E27FC236}">
+                <a16:creationId xmlns:a16="http://schemas.microsoft.com/office/drawing/2014/main" id="{C2F7E56A-F02E-8537-6AC5-F2FF1AD0054A}"/>
+              </a:ext>
+            </a:extLst>
+          </p:cNvPr>
+          <p:cNvSpPr>
+            <a:spLocks noGrp="1"/>
+          </p:cNvSpPr>
+          <p:nvPr>
+            <p:ph type="sldNum" sz="quarter" idx="12"/>
+          </p:nvPr>
+        </p:nvSpPr>
+        <p:spPr/>
+        <p:txBody>
+          <a:bodyPr/>
+          <a:lstStyle/>
+          <a:p>
+            <a:pPr rtl="0"/>
+            <a:fld id="{C014DD1E-5D91-48A3-AD6D-45FBA980D106}" type="slidenum">
+              <a:rPr lang="en-GB" smtClean="0"/>
+              <a:t>22</a:t>
+            </a:fld>
+            <a:endParaRPr lang="en-GB"/>
+          </a:p>
+        </p:txBody>
+      </p:sp>
+    </p:spTree>
+    <p:extLst>
+      <p:ext uri="{BB962C8B-B14F-4D97-AF65-F5344CB8AC3E}">
+        <p14:creationId xmlns:p14="http://schemas.microsoft.com/office/powerpoint/2010/main" val="2034810554"/>
+      </p:ext>
+    </p:extLst>
+  </p:cSld>
+  <p:clrMapOvr>
+    <a:masterClrMapping/>
+  </p:clrMapOvr>
+  <mc:AlternateContent xmlns:mc="http://schemas.openxmlformats.org/markup-compatibility/2006" xmlns:p14="http://schemas.microsoft.com/office/powerpoint/2010/main">
+    <mc:Choice Requires="p14">
+      <p:transition spd="med" p14:dur="700">
+        <p:fade/>
+      </p:transition>
+    </mc:Choice>
+    <mc:Fallback xmlns="">
+      <p:transition spd="med">
+        <p:fade/>
+      </p:transition>
+    </mc:Fallback>
+  </mc:AlternateContent>
+</p:sld>
+</file>
+
+<file path=ppt/slides/slide23.xml><?xml version="1.0" encoding="utf-8"?>
+<p:sld xmlns:a="http://schemas.openxmlformats.org/drawingml/2006/main" xmlns:r="http://schemas.openxmlformats.org/officeDocument/2006/relationships" xmlns:p="http://schemas.openxmlformats.org/presentationml/2006/main">
+  <p:cSld>
+    <p:spTree>
+      <p:nvGrpSpPr>
+        <p:cNvPr id="1" name=""/>
+        <p:cNvGrpSpPr/>
+        <p:nvPr/>
+      </p:nvGrpSpPr>
+      <p:grpSpPr>
+        <a:xfrm>
+          <a:off x="0" y="0"/>
+          <a:ext cx="0" cy="0"/>
+          <a:chOff x="0" y="0"/>
+          <a:chExt cx="0" cy="0"/>
+        </a:xfrm>
+      </p:grpSpPr>
+      <p:sp>
+        <p:nvSpPr>
+          <p:cNvPr id="7" name="Title 6">
+            <a:extLst>
+              <a:ext uri="{FF2B5EF4-FFF2-40B4-BE49-F238E27FC236}">
+                <a16:creationId xmlns:a16="http://schemas.microsoft.com/office/drawing/2014/main" id="{E5F24F6D-6AC8-A41B-7BDF-074D2E54FA2D}"/>
+              </a:ext>
+            </a:extLst>
+          </p:cNvPr>
+          <p:cNvSpPr>
+            <a:spLocks noGrp="1"/>
+          </p:cNvSpPr>
+          <p:nvPr>
+            <p:ph type="title"/>
+          </p:nvPr>
+        </p:nvSpPr>
+        <p:spPr/>
+        <p:txBody>
+          <a:bodyPr anchor="ctr"/>
+          <a:lstStyle/>
+          <a:p>
+            <a:r>
+              <a:rPr lang="en-GB" dirty="0"/>
+              <a:t>C</a:t>
+            </a:r>
+            <a:endParaRPr lang="en-DE" dirty="0"/>
+          </a:p>
+        </p:txBody>
+      </p:sp>
+      <p:sp>
+        <p:nvSpPr>
+          <p:cNvPr id="8" name="Text Placeholder 7">
+            <a:extLst>
+              <a:ext uri="{FF2B5EF4-FFF2-40B4-BE49-F238E27FC236}">
+                <a16:creationId xmlns:a16="http://schemas.microsoft.com/office/drawing/2014/main" id="{3CFC64F3-4654-1561-9E87-8803B529B0C2}"/>
+              </a:ext>
+            </a:extLst>
+          </p:cNvPr>
+          <p:cNvSpPr>
+            <a:spLocks noGrp="1"/>
+          </p:cNvSpPr>
+          <p:nvPr>
+            <p:ph type="body" idx="1"/>
+          </p:nvPr>
+        </p:nvSpPr>
+        <p:spPr/>
+        <p:txBody>
+          <a:bodyPr/>
+          <a:lstStyle/>
+          <a:p>
+            <a:r>
+              <a:rPr lang="en-GB" dirty="0"/>
+              <a:t>Toolkit Overview</a:t>
+            </a:r>
+            <a:endParaRPr lang="en-DE" dirty="0"/>
+          </a:p>
+        </p:txBody>
+      </p:sp>
+      <p:sp>
+        <p:nvSpPr>
+          <p:cNvPr id="4" name="Date Placeholder 3">
+            <a:extLst>
+              <a:ext uri="{FF2B5EF4-FFF2-40B4-BE49-F238E27FC236}">
+                <a16:creationId xmlns:a16="http://schemas.microsoft.com/office/drawing/2014/main" id="{0ED320F4-9A81-164F-EF4D-A71414F0A99C}"/>
+              </a:ext>
+            </a:extLst>
+          </p:cNvPr>
+          <p:cNvSpPr>
+            <a:spLocks noGrp="1"/>
+          </p:cNvSpPr>
+          <p:nvPr>
+            <p:ph type="dt" sz="half" idx="10"/>
+          </p:nvPr>
+        </p:nvSpPr>
+        <p:spPr/>
+        <p:txBody>
+          <a:bodyPr/>
+          <a:lstStyle/>
+          <a:p>
+            <a:pPr rtl="0"/>
+            <a:fld id="{F8ECB1CE-D645-47DB-89A7-8AB0E6308395}" type="datetime1">
+              <a:rPr lang="en-GB" smtClean="0"/>
+              <a:t>06/08/2024</a:t>
+            </a:fld>
+            <a:endParaRPr lang="en-GB"/>
+          </a:p>
+        </p:txBody>
+      </p:sp>
+      <p:sp>
+        <p:nvSpPr>
+          <p:cNvPr id="5" name="Footer Placeholder 4">
+            <a:extLst>
+              <a:ext uri="{FF2B5EF4-FFF2-40B4-BE49-F238E27FC236}">
+                <a16:creationId xmlns:a16="http://schemas.microsoft.com/office/drawing/2014/main" id="{6A79804C-CE63-679C-0044-D91D6F5214EB}"/>
+              </a:ext>
+            </a:extLst>
+          </p:cNvPr>
+          <p:cNvSpPr>
+            <a:spLocks noGrp="1"/>
+          </p:cNvSpPr>
+          <p:nvPr>
+            <p:ph type="ftr" sz="quarter" idx="11"/>
+          </p:nvPr>
+        </p:nvSpPr>
+        <p:spPr/>
+        <p:txBody>
+          <a:bodyPr/>
+          <a:lstStyle/>
+          <a:p>
+            <a:pPr rtl="0"/>
+            <a:r>
+              <a:rPr lang="en-GB"/>
+              <a:t>PyDTS Overview</a:t>
+            </a:r>
+          </a:p>
+        </p:txBody>
+      </p:sp>
+      <p:sp>
+        <p:nvSpPr>
+          <p:cNvPr id="6" name="Slide Number Placeholder 5">
+            <a:extLst>
+              <a:ext uri="{FF2B5EF4-FFF2-40B4-BE49-F238E27FC236}">
+                <a16:creationId xmlns:a16="http://schemas.microsoft.com/office/drawing/2014/main" id="{08EFB839-54B0-8354-2E48-563B864CCCE7}"/>
+              </a:ext>
+            </a:extLst>
+          </p:cNvPr>
+          <p:cNvSpPr>
+            <a:spLocks noGrp="1"/>
+          </p:cNvSpPr>
+          <p:nvPr>
+            <p:ph type="sldNum" sz="quarter" idx="12"/>
+          </p:nvPr>
+        </p:nvSpPr>
+        <p:spPr/>
+        <p:txBody>
+          <a:bodyPr/>
+          <a:lstStyle/>
+          <a:p>
+            <a:pPr rtl="0"/>
+            <a:fld id="{C014DD1E-5D91-48A3-AD6D-45FBA980D106}" type="slidenum">
+              <a:rPr lang="en-DE" smtClean="0"/>
+              <a:t>23</a:t>
+            </a:fld>
+            <a:endParaRPr lang="en-DE"/>
+          </a:p>
+        </p:txBody>
+      </p:sp>
+    </p:spTree>
+    <p:extLst>
+      <p:ext uri="{BB962C8B-B14F-4D97-AF65-F5344CB8AC3E}">
+        <p14:creationId xmlns:p14="http://schemas.microsoft.com/office/powerpoint/2010/main" val="1190344214"/>
+      </p:ext>
+    </p:extLst>
+  </p:cSld>
+  <p:clrMapOvr>
+    <a:masterClrMapping/>
+  </p:clrMapOvr>
+  <mc:AlternateContent xmlns:mc="http://schemas.openxmlformats.org/markup-compatibility/2006" xmlns:p14="http://schemas.microsoft.com/office/powerpoint/2010/main">
+    <mc:Choice Requires="p14">
+      <p:transition spd="med" p14:dur="700">
+        <p:fade/>
+      </p:transition>
+    </mc:Choice>
+    <mc:Fallback xmlns="">
+      <p:transition spd="med">
+        <p:fade/>
+      </p:transition>
+    </mc:Fallback>
+  </mc:AlternateContent>
+</p:sld>
+</file>
+
+<file path=ppt/slides/slide24.xml><?xml version="1.0" encoding="utf-8"?>
+<p:sld xmlns:a="http://schemas.openxmlformats.org/drawingml/2006/main" xmlns:r="http://schemas.openxmlformats.org/officeDocument/2006/relationships" xmlns:p="http://schemas.openxmlformats.org/presentationml/2006/main">
+  <p:cSld>
+    <p:spTree>
+      <p:nvGrpSpPr>
+        <p:cNvPr id="1" name=""/>
+        <p:cNvGrpSpPr/>
+        <p:nvPr/>
+      </p:nvGrpSpPr>
+      <p:grpSpPr>
+        <a:xfrm>
+          <a:off x="0" y="0"/>
+          <a:ext cx="0" cy="0"/>
+          <a:chOff x="0" y="0"/>
+          <a:chExt cx="0" cy="0"/>
+        </a:xfrm>
+      </p:grpSpPr>
+      <p:sp>
+        <p:nvSpPr>
+          <p:cNvPr id="7" name="Title 6">
+            <a:extLst>
+              <a:ext uri="{FF2B5EF4-FFF2-40B4-BE49-F238E27FC236}">
+                <a16:creationId xmlns:a16="http://schemas.microsoft.com/office/drawing/2014/main" id="{AAF04D75-5240-343D-0F6C-3A12793505F8}"/>
+              </a:ext>
+            </a:extLst>
+          </p:cNvPr>
+          <p:cNvSpPr>
+            <a:spLocks noGrp="1"/>
+          </p:cNvSpPr>
+          <p:nvPr>
+            <p:ph type="title"/>
+          </p:nvPr>
+        </p:nvSpPr>
+        <p:spPr/>
+        <p:txBody>
+          <a:bodyPr/>
+          <a:lstStyle/>
+          <a:p>
+            <a:r>
+              <a:rPr lang="en-GB" dirty="0"/>
+              <a:t>Installation and Usage</a:t>
+            </a:r>
+          </a:p>
+        </p:txBody>
+      </p:sp>
+      <p:sp>
+        <p:nvSpPr>
+          <p:cNvPr id="8" name="Content Placeholder 7">
+            <a:extLst>
+              <a:ext uri="{FF2B5EF4-FFF2-40B4-BE49-F238E27FC236}">
+                <a16:creationId xmlns:a16="http://schemas.microsoft.com/office/drawing/2014/main" id="{616D9E36-D657-FFE5-94A7-9D50AACA7DFD}"/>
+              </a:ext>
+            </a:extLst>
+          </p:cNvPr>
+          <p:cNvSpPr>
+            <a:spLocks noGrp="1"/>
+          </p:cNvSpPr>
+          <p:nvPr>
+            <p:ph idx="1"/>
+          </p:nvPr>
+        </p:nvSpPr>
+        <p:spPr/>
+        <p:txBody>
+          <a:bodyPr/>
+          <a:lstStyle/>
+          <a:p>
+            <a:endParaRPr lang="en-GB"/>
+          </a:p>
+        </p:txBody>
+      </p:sp>
+      <p:sp>
+        <p:nvSpPr>
+          <p:cNvPr id="4" name="Date Placeholder 3">
+            <a:extLst>
+              <a:ext uri="{FF2B5EF4-FFF2-40B4-BE49-F238E27FC236}">
+                <a16:creationId xmlns:a16="http://schemas.microsoft.com/office/drawing/2014/main" id="{ECD61361-7332-E69B-C0C4-BCDE1DD3B50B}"/>
+              </a:ext>
+            </a:extLst>
+          </p:cNvPr>
+          <p:cNvSpPr>
+            <a:spLocks noGrp="1"/>
+          </p:cNvSpPr>
+          <p:nvPr>
+            <p:ph type="dt" sz="half" idx="10"/>
+          </p:nvPr>
+        </p:nvSpPr>
+        <p:spPr/>
+        <p:txBody>
+          <a:bodyPr/>
+          <a:lstStyle/>
+          <a:p>
+            <a:pPr rtl="0"/>
+            <a:fld id="{02F9FB9D-C6CC-418B-8DE5-9B72A1F2A797}" type="datetime1">
+              <a:rPr lang="en-GB" smtClean="0"/>
+              <a:t>06/08/2024</a:t>
+            </a:fld>
+            <a:endParaRPr lang="en-GB"/>
+          </a:p>
+        </p:txBody>
+      </p:sp>
+      <p:sp>
+        <p:nvSpPr>
+          <p:cNvPr id="5" name="Footer Placeholder 4">
+            <a:extLst>
+              <a:ext uri="{FF2B5EF4-FFF2-40B4-BE49-F238E27FC236}">
+                <a16:creationId xmlns:a16="http://schemas.microsoft.com/office/drawing/2014/main" id="{0B6FD8DA-1A1F-A6FE-98A6-954002D3F14B}"/>
+              </a:ext>
+            </a:extLst>
+          </p:cNvPr>
+          <p:cNvSpPr>
+            <a:spLocks noGrp="1"/>
+          </p:cNvSpPr>
+          <p:nvPr>
+            <p:ph type="ftr" sz="quarter" idx="11"/>
+          </p:nvPr>
+        </p:nvSpPr>
+        <p:spPr/>
+        <p:txBody>
+          <a:bodyPr/>
+          <a:lstStyle/>
+          <a:p>
+            <a:pPr rtl="0"/>
+            <a:r>
+              <a:rPr lang="en-GB"/>
+              <a:t>PyDTS Overview</a:t>
+            </a:r>
+          </a:p>
+        </p:txBody>
+      </p:sp>
+      <p:sp>
+        <p:nvSpPr>
+          <p:cNvPr id="6" name="Slide Number Placeholder 5">
+            <a:extLst>
+              <a:ext uri="{FF2B5EF4-FFF2-40B4-BE49-F238E27FC236}">
+                <a16:creationId xmlns:a16="http://schemas.microsoft.com/office/drawing/2014/main" id="{B7DCCC8A-F3C2-C4F5-F2F9-56A5693E4D7B}"/>
+              </a:ext>
+            </a:extLst>
+          </p:cNvPr>
+          <p:cNvSpPr>
+            <a:spLocks noGrp="1"/>
+          </p:cNvSpPr>
+          <p:nvPr>
+            <p:ph type="sldNum" sz="quarter" idx="12"/>
+          </p:nvPr>
+        </p:nvSpPr>
+        <p:spPr/>
+        <p:txBody>
+          <a:bodyPr/>
+          <a:lstStyle/>
+          <a:p>
+            <a:pPr rtl="0"/>
+            <a:fld id="{C014DD1E-5D91-48A3-AD6D-45FBA980D106}" type="slidenum">
+              <a:rPr lang="en-GB" smtClean="0"/>
+              <a:t>24</a:t>
+            </a:fld>
+            <a:endParaRPr lang="en-GB"/>
+          </a:p>
+        </p:txBody>
+      </p:sp>
+    </p:spTree>
+    <p:extLst>
+      <p:ext uri="{BB962C8B-B14F-4D97-AF65-F5344CB8AC3E}">
+        <p14:creationId xmlns:p14="http://schemas.microsoft.com/office/powerpoint/2010/main" val="3089511972"/>
+      </p:ext>
+    </p:extLst>
+  </p:cSld>
+  <p:clrMapOvr>
+    <a:masterClrMapping/>
+  </p:clrMapOvr>
+  <mc:AlternateContent xmlns:mc="http://schemas.openxmlformats.org/markup-compatibility/2006" xmlns:p14="http://schemas.microsoft.com/office/powerpoint/2010/main">
+    <mc:Choice Requires="p14">
+      <p:transition spd="med" p14:dur="700">
+        <p:fade/>
+      </p:transition>
+    </mc:Choice>
+    <mc:Fallback xmlns="">
+      <p:transition spd="med">
+        <p:fade/>
+      </p:transition>
+    </mc:Fallback>
+  </mc:AlternateContent>
+</p:sld>
+</file>
+
+<file path=ppt/slides/slide25.xml><?xml version="1.0" encoding="utf-8"?>
+<p:sld xmlns:a="http://schemas.openxmlformats.org/drawingml/2006/main" xmlns:r="http://schemas.openxmlformats.org/officeDocument/2006/relationships" xmlns:p="http://schemas.openxmlformats.org/presentationml/2006/main">
+  <p:cSld>
+    <p:spTree>
+      <p:nvGrpSpPr>
+        <p:cNvPr id="1" name=""/>
+        <p:cNvGrpSpPr/>
+        <p:nvPr/>
+      </p:nvGrpSpPr>
+      <p:grpSpPr>
+        <a:xfrm>
+          <a:off x="0" y="0"/>
+          <a:ext cx="0" cy="0"/>
+          <a:chOff x="0" y="0"/>
+          <a:chExt cx="0" cy="0"/>
+        </a:xfrm>
+      </p:grpSpPr>
+      <p:sp>
+        <p:nvSpPr>
+          <p:cNvPr id="7" name="Title 6">
+            <a:extLst>
+              <a:ext uri="{FF2B5EF4-FFF2-40B4-BE49-F238E27FC236}">
+                <a16:creationId xmlns:a16="http://schemas.microsoft.com/office/drawing/2014/main" id="{AAF04D75-5240-343D-0F6C-3A12793505F8}"/>
+              </a:ext>
+            </a:extLst>
+          </p:cNvPr>
+          <p:cNvSpPr>
+            <a:spLocks noGrp="1"/>
+          </p:cNvSpPr>
+          <p:nvPr>
+            <p:ph type="title"/>
+          </p:nvPr>
+        </p:nvSpPr>
+        <p:spPr/>
+        <p:txBody>
+          <a:bodyPr/>
+          <a:lstStyle/>
+          <a:p>
+            <a:r>
+              <a:rPr lang="en-GB" dirty="0"/>
+              <a:t>Project Structure</a:t>
+            </a:r>
+          </a:p>
+        </p:txBody>
+      </p:sp>
+      <p:sp>
+        <p:nvSpPr>
+          <p:cNvPr id="8" name="Content Placeholder 7">
+            <a:extLst>
+              <a:ext uri="{FF2B5EF4-FFF2-40B4-BE49-F238E27FC236}">
+                <a16:creationId xmlns:a16="http://schemas.microsoft.com/office/drawing/2014/main" id="{616D9E36-D657-FFE5-94A7-9D50AACA7DFD}"/>
+              </a:ext>
+            </a:extLst>
+          </p:cNvPr>
+          <p:cNvSpPr>
+            <a:spLocks noGrp="1"/>
+          </p:cNvSpPr>
+          <p:nvPr>
+            <p:ph idx="1"/>
+          </p:nvPr>
+        </p:nvSpPr>
+        <p:spPr/>
+        <p:txBody>
+          <a:bodyPr/>
+          <a:lstStyle/>
+          <a:p>
+            <a:endParaRPr lang="en-GB"/>
+          </a:p>
+        </p:txBody>
+      </p:sp>
+      <p:sp>
+        <p:nvSpPr>
+          <p:cNvPr id="4" name="Date Placeholder 3">
+            <a:extLst>
+              <a:ext uri="{FF2B5EF4-FFF2-40B4-BE49-F238E27FC236}">
+                <a16:creationId xmlns:a16="http://schemas.microsoft.com/office/drawing/2014/main" id="{ECD61361-7332-E69B-C0C4-BCDE1DD3B50B}"/>
+              </a:ext>
+            </a:extLst>
+          </p:cNvPr>
+          <p:cNvSpPr>
+            <a:spLocks noGrp="1"/>
+          </p:cNvSpPr>
+          <p:nvPr>
+            <p:ph type="dt" sz="half" idx="10"/>
+          </p:nvPr>
+        </p:nvSpPr>
+        <p:spPr/>
+        <p:txBody>
+          <a:bodyPr/>
+          <a:lstStyle/>
+          <a:p>
+            <a:pPr rtl="0"/>
+            <a:fld id="{02F9FB9D-C6CC-418B-8DE5-9B72A1F2A797}" type="datetime1">
+              <a:rPr lang="en-GB" smtClean="0"/>
+              <a:t>06/08/2024</a:t>
+            </a:fld>
+            <a:endParaRPr lang="en-GB"/>
+          </a:p>
+        </p:txBody>
+      </p:sp>
+      <p:sp>
+        <p:nvSpPr>
+          <p:cNvPr id="5" name="Footer Placeholder 4">
+            <a:extLst>
+              <a:ext uri="{FF2B5EF4-FFF2-40B4-BE49-F238E27FC236}">
+                <a16:creationId xmlns:a16="http://schemas.microsoft.com/office/drawing/2014/main" id="{0B6FD8DA-1A1F-A6FE-98A6-954002D3F14B}"/>
+              </a:ext>
+            </a:extLst>
+          </p:cNvPr>
+          <p:cNvSpPr>
+            <a:spLocks noGrp="1"/>
+          </p:cNvSpPr>
+          <p:nvPr>
+            <p:ph type="ftr" sz="quarter" idx="11"/>
+          </p:nvPr>
+        </p:nvSpPr>
+        <p:spPr/>
+        <p:txBody>
+          <a:bodyPr/>
+          <a:lstStyle/>
+          <a:p>
+            <a:pPr rtl="0"/>
+            <a:r>
+              <a:rPr lang="en-GB"/>
+              <a:t>PyDTS Overview</a:t>
+            </a:r>
+          </a:p>
+        </p:txBody>
+      </p:sp>
+      <p:sp>
+        <p:nvSpPr>
+          <p:cNvPr id="6" name="Slide Number Placeholder 5">
+            <a:extLst>
+              <a:ext uri="{FF2B5EF4-FFF2-40B4-BE49-F238E27FC236}">
+                <a16:creationId xmlns:a16="http://schemas.microsoft.com/office/drawing/2014/main" id="{B7DCCC8A-F3C2-C4F5-F2F9-56A5693E4D7B}"/>
+              </a:ext>
+            </a:extLst>
+          </p:cNvPr>
+          <p:cNvSpPr>
+            <a:spLocks noGrp="1"/>
+          </p:cNvSpPr>
+          <p:nvPr>
+            <p:ph type="sldNum" sz="quarter" idx="12"/>
+          </p:nvPr>
+        </p:nvSpPr>
+        <p:spPr/>
+        <p:txBody>
+          <a:bodyPr/>
+          <a:lstStyle/>
+          <a:p>
+            <a:pPr rtl="0"/>
+            <a:fld id="{C014DD1E-5D91-48A3-AD6D-45FBA980D106}" type="slidenum">
+              <a:rPr lang="en-GB" smtClean="0"/>
+              <a:t>25</a:t>
+            </a:fld>
+            <a:endParaRPr lang="en-GB"/>
+          </a:p>
+        </p:txBody>
+      </p:sp>
+    </p:spTree>
+    <p:extLst>
+      <p:ext uri="{BB962C8B-B14F-4D97-AF65-F5344CB8AC3E}">
+        <p14:creationId xmlns:p14="http://schemas.microsoft.com/office/powerpoint/2010/main" val="3727853607"/>
+      </p:ext>
+    </p:extLst>
+  </p:cSld>
+  <p:clrMapOvr>
+    <a:masterClrMapping/>
+  </p:clrMapOvr>
+  <mc:AlternateContent xmlns:mc="http://schemas.openxmlformats.org/markup-compatibility/2006" xmlns:p14="http://schemas.microsoft.com/office/powerpoint/2010/main">
+    <mc:Choice Requires="p14">
+      <p:transition spd="med" p14:dur="700">
+        <p:fade/>
+      </p:transition>
+    </mc:Choice>
+    <mc:Fallback xmlns="">
+      <p:transition spd="med">
+        <p:fade/>
+      </p:transition>
+    </mc:Fallback>
+  </mc:AlternateContent>
+</p:sld>
+</file>
+
+<file path=ppt/slides/slide26.xml><?xml version="1.0" encoding="utf-8"?>
+<p:sld xmlns:a="http://schemas.openxmlformats.org/drawingml/2006/main" xmlns:r="http://schemas.openxmlformats.org/officeDocument/2006/relationships" xmlns:p="http://schemas.openxmlformats.org/presentationml/2006/main">
+  <p:cSld>
+    <p:spTree>
+      <p:nvGrpSpPr>
+        <p:cNvPr id="1" name=""/>
+        <p:cNvGrpSpPr/>
+        <p:nvPr/>
+      </p:nvGrpSpPr>
+      <p:grpSpPr>
+        <a:xfrm>
+          <a:off x="0" y="0"/>
+          <a:ext cx="0" cy="0"/>
+          <a:chOff x="0" y="0"/>
+          <a:chExt cx="0" cy="0"/>
+        </a:xfrm>
+      </p:grpSpPr>
+      <p:sp>
+        <p:nvSpPr>
+          <p:cNvPr id="7" name="Title 6">
+            <a:extLst>
+              <a:ext uri="{FF2B5EF4-FFF2-40B4-BE49-F238E27FC236}">
+                <a16:creationId xmlns:a16="http://schemas.microsoft.com/office/drawing/2014/main" id="{AAF04D75-5240-343D-0F6C-3A12793505F8}"/>
+              </a:ext>
+            </a:extLst>
+          </p:cNvPr>
+          <p:cNvSpPr>
+            <a:spLocks noGrp="1"/>
+          </p:cNvSpPr>
+          <p:nvPr>
+            <p:ph type="title"/>
+          </p:nvPr>
+        </p:nvSpPr>
+        <p:spPr/>
+        <p:txBody>
+          <a:bodyPr/>
+          <a:lstStyle/>
+          <a:p>
+            <a:r>
+              <a:rPr lang="en-GB" dirty="0"/>
+              <a:t>Setup File</a:t>
+            </a:r>
+          </a:p>
+        </p:txBody>
+      </p:sp>
+      <p:sp>
+        <p:nvSpPr>
+          <p:cNvPr id="8" name="Content Placeholder 7">
+            <a:extLst>
+              <a:ext uri="{FF2B5EF4-FFF2-40B4-BE49-F238E27FC236}">
+                <a16:creationId xmlns:a16="http://schemas.microsoft.com/office/drawing/2014/main" id="{616D9E36-D657-FFE5-94A7-9D50AACA7DFD}"/>
+              </a:ext>
+            </a:extLst>
+          </p:cNvPr>
+          <p:cNvSpPr>
+            <a:spLocks noGrp="1"/>
+          </p:cNvSpPr>
+          <p:nvPr>
+            <p:ph idx="1"/>
+          </p:nvPr>
+        </p:nvSpPr>
+        <p:spPr/>
+        <p:txBody>
+          <a:bodyPr/>
+          <a:lstStyle/>
+          <a:p>
+            <a:endParaRPr lang="en-GB"/>
+          </a:p>
+        </p:txBody>
+      </p:sp>
+      <p:sp>
+        <p:nvSpPr>
+          <p:cNvPr id="4" name="Date Placeholder 3">
+            <a:extLst>
+              <a:ext uri="{FF2B5EF4-FFF2-40B4-BE49-F238E27FC236}">
+                <a16:creationId xmlns:a16="http://schemas.microsoft.com/office/drawing/2014/main" id="{ECD61361-7332-E69B-C0C4-BCDE1DD3B50B}"/>
+              </a:ext>
+            </a:extLst>
+          </p:cNvPr>
+          <p:cNvSpPr>
+            <a:spLocks noGrp="1"/>
+          </p:cNvSpPr>
+          <p:nvPr>
+            <p:ph type="dt" sz="half" idx="10"/>
+          </p:nvPr>
+        </p:nvSpPr>
+        <p:spPr/>
+        <p:txBody>
+          <a:bodyPr/>
+          <a:lstStyle/>
+          <a:p>
+            <a:pPr rtl="0"/>
+            <a:fld id="{02F9FB9D-C6CC-418B-8DE5-9B72A1F2A797}" type="datetime1">
+              <a:rPr lang="en-GB" smtClean="0"/>
+              <a:t>06/08/2024</a:t>
+            </a:fld>
+            <a:endParaRPr lang="en-GB"/>
+          </a:p>
+        </p:txBody>
+      </p:sp>
+      <p:sp>
+        <p:nvSpPr>
+          <p:cNvPr id="5" name="Footer Placeholder 4">
+            <a:extLst>
+              <a:ext uri="{FF2B5EF4-FFF2-40B4-BE49-F238E27FC236}">
+                <a16:creationId xmlns:a16="http://schemas.microsoft.com/office/drawing/2014/main" id="{0B6FD8DA-1A1F-A6FE-98A6-954002D3F14B}"/>
+              </a:ext>
+            </a:extLst>
+          </p:cNvPr>
+          <p:cNvSpPr>
+            <a:spLocks noGrp="1"/>
+          </p:cNvSpPr>
+          <p:nvPr>
+            <p:ph type="ftr" sz="quarter" idx="11"/>
+          </p:nvPr>
+        </p:nvSpPr>
+        <p:spPr/>
+        <p:txBody>
+          <a:bodyPr/>
+          <a:lstStyle/>
+          <a:p>
+            <a:pPr rtl="0"/>
+            <a:r>
+              <a:rPr lang="en-GB"/>
+              <a:t>PyDTS Overview</a:t>
+            </a:r>
+          </a:p>
+        </p:txBody>
+      </p:sp>
+      <p:sp>
+        <p:nvSpPr>
+          <p:cNvPr id="6" name="Slide Number Placeholder 5">
+            <a:extLst>
+              <a:ext uri="{FF2B5EF4-FFF2-40B4-BE49-F238E27FC236}">
+                <a16:creationId xmlns:a16="http://schemas.microsoft.com/office/drawing/2014/main" id="{B7DCCC8A-F3C2-C4F5-F2F9-56A5693E4D7B}"/>
+              </a:ext>
+            </a:extLst>
+          </p:cNvPr>
+          <p:cNvSpPr>
+            <a:spLocks noGrp="1"/>
+          </p:cNvSpPr>
+          <p:nvPr>
+            <p:ph type="sldNum" sz="quarter" idx="12"/>
+          </p:nvPr>
+        </p:nvSpPr>
+        <p:spPr/>
+        <p:txBody>
+          <a:bodyPr/>
+          <a:lstStyle/>
+          <a:p>
+            <a:pPr rtl="0"/>
+            <a:fld id="{C014DD1E-5D91-48A3-AD6D-45FBA980D106}" type="slidenum">
+              <a:rPr lang="en-GB" smtClean="0"/>
+              <a:t>26</a:t>
+            </a:fld>
+            <a:endParaRPr lang="en-GB"/>
+          </a:p>
+        </p:txBody>
+      </p:sp>
+    </p:spTree>
+    <p:extLst>
+      <p:ext uri="{BB962C8B-B14F-4D97-AF65-F5344CB8AC3E}">
+        <p14:creationId xmlns:p14="http://schemas.microsoft.com/office/powerpoint/2010/main" val="3156970649"/>
+      </p:ext>
+    </p:extLst>
+  </p:cSld>
+  <p:clrMapOvr>
+    <a:masterClrMapping/>
+  </p:clrMapOvr>
+  <mc:AlternateContent xmlns:mc="http://schemas.openxmlformats.org/markup-compatibility/2006" xmlns:p14="http://schemas.microsoft.com/office/powerpoint/2010/main">
+    <mc:Choice Requires="p14">
+      <p:transition spd="med" p14:dur="700">
+        <p:fade/>
+      </p:transition>
+    </mc:Choice>
+    <mc:Fallback xmlns="">
+      <p:transition spd="med">
+        <p:fade/>
+      </p:transition>
+    </mc:Fallback>
+  </mc:AlternateContent>
+</p:sld>
+</file>
+
+<file path=ppt/slides/slide27.xml><?xml version="1.0" encoding="utf-8"?>
+<p:sld xmlns:a="http://schemas.openxmlformats.org/drawingml/2006/main" xmlns:r="http://schemas.openxmlformats.org/officeDocument/2006/relationships" xmlns:p="http://schemas.openxmlformats.org/presentationml/2006/main">
+  <p:cSld>
+    <p:spTree>
+      <p:nvGrpSpPr>
+        <p:cNvPr id="1" name=""/>
+        <p:cNvGrpSpPr/>
+        <p:nvPr/>
+      </p:nvGrpSpPr>
+      <p:grpSpPr>
+        <a:xfrm>
+          <a:off x="0" y="0"/>
+          <a:ext cx="0" cy="0"/>
+          <a:chOff x="0" y="0"/>
+          <a:chExt cx="0" cy="0"/>
+        </a:xfrm>
+      </p:grpSpPr>
+      <p:sp>
+        <p:nvSpPr>
+          <p:cNvPr id="7" name="Title 6">
+            <a:extLst>
+              <a:ext uri="{FF2B5EF4-FFF2-40B4-BE49-F238E27FC236}">
+                <a16:creationId xmlns:a16="http://schemas.microsoft.com/office/drawing/2014/main" id="{AAF04D75-5240-343D-0F6C-3A12793505F8}"/>
+              </a:ext>
+            </a:extLst>
+          </p:cNvPr>
+          <p:cNvSpPr>
+            <a:spLocks noGrp="1"/>
+          </p:cNvSpPr>
+          <p:nvPr>
+            <p:ph type="title"/>
+          </p:nvPr>
+        </p:nvSpPr>
+        <p:spPr/>
+        <p:txBody>
+          <a:bodyPr/>
+          <a:lstStyle/>
+          <a:p>
+            <a:r>
+              <a:rPr lang="en-GB" dirty="0"/>
+              <a:t>Configuration File</a:t>
+            </a:r>
+          </a:p>
+        </p:txBody>
+      </p:sp>
+      <p:sp>
+        <p:nvSpPr>
+          <p:cNvPr id="8" name="Content Placeholder 7">
+            <a:extLst>
+              <a:ext uri="{FF2B5EF4-FFF2-40B4-BE49-F238E27FC236}">
+                <a16:creationId xmlns:a16="http://schemas.microsoft.com/office/drawing/2014/main" id="{616D9E36-D657-FFE5-94A7-9D50AACA7DFD}"/>
+              </a:ext>
+            </a:extLst>
+          </p:cNvPr>
+          <p:cNvSpPr>
+            <a:spLocks noGrp="1"/>
+          </p:cNvSpPr>
+          <p:nvPr>
+            <p:ph idx="1"/>
+          </p:nvPr>
+        </p:nvSpPr>
+        <p:spPr/>
+        <p:txBody>
+          <a:bodyPr/>
+          <a:lstStyle/>
+          <a:p>
+            <a:endParaRPr lang="en-GB"/>
+          </a:p>
+        </p:txBody>
+      </p:sp>
+      <p:sp>
+        <p:nvSpPr>
+          <p:cNvPr id="4" name="Date Placeholder 3">
+            <a:extLst>
+              <a:ext uri="{FF2B5EF4-FFF2-40B4-BE49-F238E27FC236}">
+                <a16:creationId xmlns:a16="http://schemas.microsoft.com/office/drawing/2014/main" id="{ECD61361-7332-E69B-C0C4-BCDE1DD3B50B}"/>
+              </a:ext>
+            </a:extLst>
+          </p:cNvPr>
+          <p:cNvSpPr>
+            <a:spLocks noGrp="1"/>
+          </p:cNvSpPr>
+          <p:nvPr>
+            <p:ph type="dt" sz="half" idx="10"/>
+          </p:nvPr>
+        </p:nvSpPr>
+        <p:spPr/>
+        <p:txBody>
+          <a:bodyPr/>
+          <a:lstStyle/>
+          <a:p>
+            <a:pPr rtl="0"/>
+            <a:fld id="{02F9FB9D-C6CC-418B-8DE5-9B72A1F2A797}" type="datetime1">
+              <a:rPr lang="en-GB" smtClean="0"/>
+              <a:t>06/08/2024</a:t>
+            </a:fld>
+            <a:endParaRPr lang="en-GB"/>
+          </a:p>
+        </p:txBody>
+      </p:sp>
+      <p:sp>
+        <p:nvSpPr>
+          <p:cNvPr id="5" name="Footer Placeholder 4">
+            <a:extLst>
+              <a:ext uri="{FF2B5EF4-FFF2-40B4-BE49-F238E27FC236}">
+                <a16:creationId xmlns:a16="http://schemas.microsoft.com/office/drawing/2014/main" id="{0B6FD8DA-1A1F-A6FE-98A6-954002D3F14B}"/>
+              </a:ext>
+            </a:extLst>
+          </p:cNvPr>
+          <p:cNvSpPr>
+            <a:spLocks noGrp="1"/>
+          </p:cNvSpPr>
+          <p:nvPr>
+            <p:ph type="ftr" sz="quarter" idx="11"/>
+          </p:nvPr>
+        </p:nvSpPr>
+        <p:spPr/>
+        <p:txBody>
+          <a:bodyPr/>
+          <a:lstStyle/>
+          <a:p>
+            <a:pPr rtl="0"/>
+            <a:r>
+              <a:rPr lang="en-GB"/>
+              <a:t>PyDTS Overview</a:t>
+            </a:r>
+          </a:p>
+        </p:txBody>
+      </p:sp>
+      <p:sp>
+        <p:nvSpPr>
+          <p:cNvPr id="6" name="Slide Number Placeholder 5">
+            <a:extLst>
+              <a:ext uri="{FF2B5EF4-FFF2-40B4-BE49-F238E27FC236}">
+                <a16:creationId xmlns:a16="http://schemas.microsoft.com/office/drawing/2014/main" id="{B7DCCC8A-F3C2-C4F5-F2F9-56A5693E4D7B}"/>
+              </a:ext>
+            </a:extLst>
+          </p:cNvPr>
+          <p:cNvSpPr>
+            <a:spLocks noGrp="1"/>
+          </p:cNvSpPr>
+          <p:nvPr>
+            <p:ph type="sldNum" sz="quarter" idx="12"/>
+          </p:nvPr>
+        </p:nvSpPr>
+        <p:spPr/>
+        <p:txBody>
+          <a:bodyPr/>
+          <a:lstStyle/>
+          <a:p>
+            <a:pPr rtl="0"/>
+            <a:fld id="{C014DD1E-5D91-48A3-AD6D-45FBA980D106}" type="slidenum">
+              <a:rPr lang="en-GB" smtClean="0"/>
+              <a:t>27</a:t>
+            </a:fld>
+            <a:endParaRPr lang="en-GB"/>
+          </a:p>
+        </p:txBody>
+      </p:sp>
+    </p:spTree>
+    <p:extLst>
+      <p:ext uri="{BB962C8B-B14F-4D97-AF65-F5344CB8AC3E}">
+        <p14:creationId xmlns:p14="http://schemas.microsoft.com/office/powerpoint/2010/main" val="2374816081"/>
+      </p:ext>
+    </p:extLst>
+  </p:cSld>
+  <p:clrMapOvr>
+    <a:masterClrMapping/>
+  </p:clrMapOvr>
+  <mc:AlternateContent xmlns:mc="http://schemas.openxmlformats.org/markup-compatibility/2006" xmlns:p14="http://schemas.microsoft.com/office/powerpoint/2010/main">
+    <mc:Choice Requires="p14">
+      <p:transition spd="med" p14:dur="700">
+        <p:fade/>
+      </p:transition>
+    </mc:Choice>
+    <mc:Fallback xmlns="">
+      <p:transition spd="med">
+        <p:fade/>
+      </p:transition>
+    </mc:Fallback>
+  </mc:AlternateContent>
+</p:sld>
+</file>
+
+<file path=ppt/slides/slide28.xml><?xml version="1.0" encoding="utf-8"?>
+<p:sld xmlns:a="http://schemas.openxmlformats.org/drawingml/2006/main" xmlns:r="http://schemas.openxmlformats.org/officeDocument/2006/relationships" xmlns:p="http://schemas.openxmlformats.org/presentationml/2006/main">
+  <p:cSld>
+    <p:spTree>
+      <p:nvGrpSpPr>
+        <p:cNvPr id="1" name=""/>
+        <p:cNvGrpSpPr/>
+        <p:nvPr/>
+      </p:nvGrpSpPr>
+      <p:grpSpPr>
+        <a:xfrm>
+          <a:off x="0" y="0"/>
+          <a:ext cx="0" cy="0"/>
+          <a:chOff x="0" y="0"/>
+          <a:chExt cx="0" cy="0"/>
+        </a:xfrm>
+      </p:grpSpPr>
+      <p:sp>
+        <p:nvSpPr>
+          <p:cNvPr id="7" name="Title 6">
+            <a:extLst>
+              <a:ext uri="{FF2B5EF4-FFF2-40B4-BE49-F238E27FC236}">
+                <a16:creationId xmlns:a16="http://schemas.microsoft.com/office/drawing/2014/main" id="{AAF04D75-5240-343D-0F6C-3A12793505F8}"/>
+              </a:ext>
+            </a:extLst>
+          </p:cNvPr>
+          <p:cNvSpPr>
+            <a:spLocks noGrp="1"/>
+          </p:cNvSpPr>
+          <p:nvPr>
+            <p:ph type="title"/>
+          </p:nvPr>
+        </p:nvSpPr>
+        <p:spPr/>
+        <p:txBody>
+          <a:bodyPr/>
+          <a:lstStyle/>
+          <a:p>
+            <a:r>
+              <a:rPr lang="en-GB" dirty="0"/>
+              <a:t>Parameter File</a:t>
+            </a:r>
+          </a:p>
+        </p:txBody>
+      </p:sp>
+      <p:sp>
+        <p:nvSpPr>
+          <p:cNvPr id="8" name="Content Placeholder 7">
+            <a:extLst>
+              <a:ext uri="{FF2B5EF4-FFF2-40B4-BE49-F238E27FC236}">
+                <a16:creationId xmlns:a16="http://schemas.microsoft.com/office/drawing/2014/main" id="{616D9E36-D657-FFE5-94A7-9D50AACA7DFD}"/>
+              </a:ext>
+            </a:extLst>
+          </p:cNvPr>
+          <p:cNvSpPr>
+            <a:spLocks noGrp="1"/>
+          </p:cNvSpPr>
+          <p:nvPr>
+            <p:ph idx="1"/>
+          </p:nvPr>
+        </p:nvSpPr>
+        <p:spPr/>
+        <p:txBody>
+          <a:bodyPr/>
+          <a:lstStyle/>
+          <a:p>
+            <a:endParaRPr lang="en-GB"/>
+          </a:p>
+        </p:txBody>
+      </p:sp>
+      <p:sp>
+        <p:nvSpPr>
+          <p:cNvPr id="4" name="Date Placeholder 3">
+            <a:extLst>
+              <a:ext uri="{FF2B5EF4-FFF2-40B4-BE49-F238E27FC236}">
+                <a16:creationId xmlns:a16="http://schemas.microsoft.com/office/drawing/2014/main" id="{ECD61361-7332-E69B-C0C4-BCDE1DD3B50B}"/>
+              </a:ext>
+            </a:extLst>
+          </p:cNvPr>
+          <p:cNvSpPr>
+            <a:spLocks noGrp="1"/>
+          </p:cNvSpPr>
+          <p:nvPr>
+            <p:ph type="dt" sz="half" idx="10"/>
+          </p:nvPr>
+        </p:nvSpPr>
+        <p:spPr/>
+        <p:txBody>
+          <a:bodyPr/>
+          <a:lstStyle/>
+          <a:p>
+            <a:pPr rtl="0"/>
+            <a:fld id="{02F9FB9D-C6CC-418B-8DE5-9B72A1F2A797}" type="datetime1">
+              <a:rPr lang="en-GB" smtClean="0"/>
+              <a:t>06/08/2024</a:t>
+            </a:fld>
+            <a:endParaRPr lang="en-GB"/>
+          </a:p>
+        </p:txBody>
+      </p:sp>
+      <p:sp>
+        <p:nvSpPr>
+          <p:cNvPr id="5" name="Footer Placeholder 4">
+            <a:extLst>
+              <a:ext uri="{FF2B5EF4-FFF2-40B4-BE49-F238E27FC236}">
+                <a16:creationId xmlns:a16="http://schemas.microsoft.com/office/drawing/2014/main" id="{0B6FD8DA-1A1F-A6FE-98A6-954002D3F14B}"/>
+              </a:ext>
+            </a:extLst>
+          </p:cNvPr>
+          <p:cNvSpPr>
+            <a:spLocks noGrp="1"/>
+          </p:cNvSpPr>
+          <p:nvPr>
+            <p:ph type="ftr" sz="quarter" idx="11"/>
+          </p:nvPr>
+        </p:nvSpPr>
+        <p:spPr/>
+        <p:txBody>
+          <a:bodyPr/>
+          <a:lstStyle/>
+          <a:p>
+            <a:pPr rtl="0"/>
+            <a:r>
+              <a:rPr lang="en-GB"/>
+              <a:t>PyDTS Overview</a:t>
+            </a:r>
+          </a:p>
+        </p:txBody>
+      </p:sp>
+      <p:sp>
+        <p:nvSpPr>
+          <p:cNvPr id="6" name="Slide Number Placeholder 5">
+            <a:extLst>
+              <a:ext uri="{FF2B5EF4-FFF2-40B4-BE49-F238E27FC236}">
+                <a16:creationId xmlns:a16="http://schemas.microsoft.com/office/drawing/2014/main" id="{B7DCCC8A-F3C2-C4F5-F2F9-56A5693E4D7B}"/>
+              </a:ext>
+            </a:extLst>
+          </p:cNvPr>
+          <p:cNvSpPr>
+            <a:spLocks noGrp="1"/>
+          </p:cNvSpPr>
+          <p:nvPr>
+            <p:ph type="sldNum" sz="quarter" idx="12"/>
+          </p:nvPr>
+        </p:nvSpPr>
+        <p:spPr/>
+        <p:txBody>
+          <a:bodyPr/>
+          <a:lstStyle/>
+          <a:p>
+            <a:pPr rtl="0"/>
+            <a:fld id="{C014DD1E-5D91-48A3-AD6D-45FBA980D106}" type="slidenum">
+              <a:rPr lang="en-GB" smtClean="0"/>
+              <a:t>28</a:t>
+            </a:fld>
+            <a:endParaRPr lang="en-GB"/>
+          </a:p>
+        </p:txBody>
+      </p:sp>
+    </p:spTree>
+    <p:extLst>
+      <p:ext uri="{BB962C8B-B14F-4D97-AF65-F5344CB8AC3E}">
+        <p14:creationId xmlns:p14="http://schemas.microsoft.com/office/powerpoint/2010/main" val="777737136"/>
+      </p:ext>
+    </p:extLst>
+  </p:cSld>
+  <p:clrMapOvr>
+    <a:masterClrMapping/>
+  </p:clrMapOvr>
+  <mc:AlternateContent xmlns:mc="http://schemas.openxmlformats.org/markup-compatibility/2006" xmlns:p14="http://schemas.microsoft.com/office/powerpoint/2010/main">
+    <mc:Choice Requires="p14">
+      <p:transition spd="med" p14:dur="700">
+        <p:fade/>
+      </p:transition>
+    </mc:Choice>
+    <mc:Fallback xmlns="">
+      <p:transition spd="med">
+        <p:fade/>
+      </p:transition>
+    </mc:Fallback>
+  </mc:AlternateContent>
+</p:sld>
+</file>
+
+<file path=ppt/slides/slide29.xml><?xml version="1.0" encoding="utf-8"?>
+<p:sld xmlns:a="http://schemas.openxmlformats.org/drawingml/2006/main" xmlns:r="http://schemas.openxmlformats.org/officeDocument/2006/relationships" xmlns:p="http://schemas.openxmlformats.org/presentationml/2006/main">
+  <p:cSld>
+    <p:spTree>
+      <p:nvGrpSpPr>
+        <p:cNvPr id="1" name=""/>
+        <p:cNvGrpSpPr/>
+        <p:nvPr/>
+      </p:nvGrpSpPr>
+      <p:grpSpPr>
+        <a:xfrm>
+          <a:off x="0" y="0"/>
+          <a:ext cx="0" cy="0"/>
+          <a:chOff x="0" y="0"/>
+          <a:chExt cx="0" cy="0"/>
+        </a:xfrm>
+      </p:grpSpPr>
+      <p:sp>
+        <p:nvSpPr>
+          <p:cNvPr id="7" name="Title 6">
+            <a:extLst>
+              <a:ext uri="{FF2B5EF4-FFF2-40B4-BE49-F238E27FC236}">
+                <a16:creationId xmlns:a16="http://schemas.microsoft.com/office/drawing/2014/main" id="{E5F24F6D-6AC8-A41B-7BDF-074D2E54FA2D}"/>
+              </a:ext>
+            </a:extLst>
+          </p:cNvPr>
+          <p:cNvSpPr>
+            <a:spLocks noGrp="1"/>
+          </p:cNvSpPr>
+          <p:nvPr>
+            <p:ph type="title"/>
+          </p:nvPr>
+        </p:nvSpPr>
+        <p:spPr/>
+        <p:txBody>
+          <a:bodyPr anchor="ctr"/>
+          <a:lstStyle/>
+          <a:p>
+            <a:r>
+              <a:rPr lang="en-GB" dirty="0"/>
+              <a:t>D</a:t>
+            </a:r>
+            <a:endParaRPr lang="en-DE" dirty="0"/>
+          </a:p>
+        </p:txBody>
+      </p:sp>
+      <p:sp>
+        <p:nvSpPr>
+          <p:cNvPr id="8" name="Text Placeholder 7">
+            <a:extLst>
+              <a:ext uri="{FF2B5EF4-FFF2-40B4-BE49-F238E27FC236}">
+                <a16:creationId xmlns:a16="http://schemas.microsoft.com/office/drawing/2014/main" id="{3CFC64F3-4654-1561-9E87-8803B529B0C2}"/>
+              </a:ext>
+            </a:extLst>
+          </p:cNvPr>
+          <p:cNvSpPr>
+            <a:spLocks noGrp="1"/>
+          </p:cNvSpPr>
+          <p:nvPr>
+            <p:ph type="body" idx="1"/>
+          </p:nvPr>
+        </p:nvSpPr>
+        <p:spPr/>
+        <p:txBody>
+          <a:bodyPr/>
+          <a:lstStyle/>
+          <a:p>
+            <a:r>
+              <a:rPr lang="en-GB" dirty="0"/>
+              <a:t>Exemplary Calculations</a:t>
+            </a:r>
+            <a:endParaRPr lang="en-DE" dirty="0"/>
+          </a:p>
+        </p:txBody>
+      </p:sp>
+      <p:sp>
+        <p:nvSpPr>
+          <p:cNvPr id="4" name="Date Placeholder 3">
+            <a:extLst>
+              <a:ext uri="{FF2B5EF4-FFF2-40B4-BE49-F238E27FC236}">
+                <a16:creationId xmlns:a16="http://schemas.microsoft.com/office/drawing/2014/main" id="{0ED320F4-9A81-164F-EF4D-A71414F0A99C}"/>
+              </a:ext>
+            </a:extLst>
+          </p:cNvPr>
+          <p:cNvSpPr>
+            <a:spLocks noGrp="1"/>
+          </p:cNvSpPr>
+          <p:nvPr>
+            <p:ph type="dt" sz="half" idx="10"/>
+          </p:nvPr>
+        </p:nvSpPr>
+        <p:spPr/>
+        <p:txBody>
+          <a:bodyPr/>
+          <a:lstStyle/>
+          <a:p>
+            <a:pPr rtl="0"/>
+            <a:fld id="{F8ECB1CE-D645-47DB-89A7-8AB0E6308395}" type="datetime1">
+              <a:rPr lang="en-GB" smtClean="0"/>
+              <a:t>06/08/2024</a:t>
+            </a:fld>
+            <a:endParaRPr lang="en-GB"/>
+          </a:p>
+        </p:txBody>
+      </p:sp>
+      <p:sp>
+        <p:nvSpPr>
+          <p:cNvPr id="5" name="Footer Placeholder 4">
+            <a:extLst>
+              <a:ext uri="{FF2B5EF4-FFF2-40B4-BE49-F238E27FC236}">
+                <a16:creationId xmlns:a16="http://schemas.microsoft.com/office/drawing/2014/main" id="{6A79804C-CE63-679C-0044-D91D6F5214EB}"/>
+              </a:ext>
+            </a:extLst>
+          </p:cNvPr>
+          <p:cNvSpPr>
+            <a:spLocks noGrp="1"/>
+          </p:cNvSpPr>
+          <p:nvPr>
+            <p:ph type="ftr" sz="quarter" idx="11"/>
+          </p:nvPr>
+        </p:nvSpPr>
+        <p:spPr/>
+        <p:txBody>
+          <a:bodyPr/>
+          <a:lstStyle/>
+          <a:p>
+            <a:pPr rtl="0"/>
+            <a:r>
+              <a:rPr lang="en-GB"/>
+              <a:t>PyDTS Overview</a:t>
+            </a:r>
+          </a:p>
+        </p:txBody>
+      </p:sp>
+      <p:sp>
+        <p:nvSpPr>
+          <p:cNvPr id="6" name="Slide Number Placeholder 5">
+            <a:extLst>
+              <a:ext uri="{FF2B5EF4-FFF2-40B4-BE49-F238E27FC236}">
+                <a16:creationId xmlns:a16="http://schemas.microsoft.com/office/drawing/2014/main" id="{08EFB839-54B0-8354-2E48-563B864CCCE7}"/>
+              </a:ext>
+            </a:extLst>
+          </p:cNvPr>
+          <p:cNvSpPr>
+            <a:spLocks noGrp="1"/>
+          </p:cNvSpPr>
+          <p:nvPr>
+            <p:ph type="sldNum" sz="quarter" idx="12"/>
+          </p:nvPr>
+        </p:nvSpPr>
+        <p:spPr/>
+        <p:txBody>
+          <a:bodyPr/>
+          <a:lstStyle/>
+          <a:p>
+            <a:pPr rtl="0"/>
+            <a:fld id="{C014DD1E-5D91-48A3-AD6D-45FBA980D106}" type="slidenum">
+              <a:rPr lang="en-DE" smtClean="0"/>
+              <a:t>29</a:t>
+            </a:fld>
+            <a:endParaRPr lang="en-DE"/>
+          </a:p>
+        </p:txBody>
+      </p:sp>
+    </p:spTree>
+    <p:extLst>
+      <p:ext uri="{BB962C8B-B14F-4D97-AF65-F5344CB8AC3E}">
+        <p14:creationId xmlns:p14="http://schemas.microsoft.com/office/powerpoint/2010/main" val="3152511804"/>
       </p:ext>
     </p:extLst>
   </p:cSld>
@@ -10432,7 +13693,7 @@
             <a:pPr rtl="0"/>
             <a:fld id="{F8ECB1CE-D645-47DB-89A7-8AB0E6308395}" type="datetime1">
               <a:rPr lang="en-GB" smtClean="0"/>
-              <a:t>15/05/2024</a:t>
+              <a:t>06/08/2024</a:t>
             </a:fld>
             <a:endParaRPr lang="en-GB"/>
           </a:p>
@@ -10501,6 +13762,1900 @@
     <p:extLst>
       <p:ext uri="{BB962C8B-B14F-4D97-AF65-F5344CB8AC3E}">
         <p14:creationId xmlns:p14="http://schemas.microsoft.com/office/powerpoint/2010/main" val="3810144702"/>
+      </p:ext>
+    </p:extLst>
+  </p:cSld>
+  <p:clrMapOvr>
+    <a:masterClrMapping/>
+  </p:clrMapOvr>
+  <mc:AlternateContent xmlns:mc="http://schemas.openxmlformats.org/markup-compatibility/2006" xmlns:p14="http://schemas.microsoft.com/office/powerpoint/2010/main">
+    <mc:Choice Requires="p14">
+      <p:transition spd="med" p14:dur="700">
+        <p:fade/>
+      </p:transition>
+    </mc:Choice>
+    <mc:Fallback xmlns="">
+      <p:transition spd="med">
+        <p:fade/>
+      </p:transition>
+    </mc:Fallback>
+  </mc:AlternateContent>
+</p:sld>
+</file>
+
+<file path=ppt/slides/slide30.xml><?xml version="1.0" encoding="utf-8"?>
+<p:sld xmlns:a="http://schemas.openxmlformats.org/drawingml/2006/main" xmlns:r="http://schemas.openxmlformats.org/officeDocument/2006/relationships" xmlns:p="http://schemas.openxmlformats.org/presentationml/2006/main">
+  <p:cSld>
+    <p:spTree>
+      <p:nvGrpSpPr>
+        <p:cNvPr id="1" name=""/>
+        <p:cNvGrpSpPr/>
+        <p:nvPr/>
+      </p:nvGrpSpPr>
+      <p:grpSpPr>
+        <a:xfrm>
+          <a:off x="0" y="0"/>
+          <a:ext cx="0" cy="0"/>
+          <a:chOff x="0" y="0"/>
+          <a:chExt cx="0" cy="0"/>
+        </a:xfrm>
+      </p:grpSpPr>
+      <p:sp>
+        <p:nvSpPr>
+          <p:cNvPr id="7" name="Title 6">
+            <a:extLst>
+              <a:ext uri="{FF2B5EF4-FFF2-40B4-BE49-F238E27FC236}">
+                <a16:creationId xmlns:a16="http://schemas.microsoft.com/office/drawing/2014/main" id="{E5F24F6D-6AC8-A41B-7BDF-074D2E54FA2D}"/>
+              </a:ext>
+            </a:extLst>
+          </p:cNvPr>
+          <p:cNvSpPr>
+            <a:spLocks noGrp="1"/>
+          </p:cNvSpPr>
+          <p:nvPr>
+            <p:ph type="title"/>
+          </p:nvPr>
+        </p:nvSpPr>
+        <p:spPr/>
+        <p:txBody>
+          <a:bodyPr anchor="ctr"/>
+          <a:lstStyle/>
+          <a:p>
+            <a:r>
+              <a:rPr lang="en-GB" dirty="0"/>
+              <a:t>D1</a:t>
+            </a:r>
+            <a:endParaRPr lang="en-DE" dirty="0"/>
+          </a:p>
+        </p:txBody>
+      </p:sp>
+      <p:sp>
+        <p:nvSpPr>
+          <p:cNvPr id="8" name="Text Placeholder 7">
+            <a:extLst>
+              <a:ext uri="{FF2B5EF4-FFF2-40B4-BE49-F238E27FC236}">
+                <a16:creationId xmlns:a16="http://schemas.microsoft.com/office/drawing/2014/main" id="{3CFC64F3-4654-1561-9E87-8803B529B0C2}"/>
+              </a:ext>
+            </a:extLst>
+          </p:cNvPr>
+          <p:cNvSpPr>
+            <a:spLocks noGrp="1"/>
+          </p:cNvSpPr>
+          <p:nvPr>
+            <p:ph type="body" idx="1"/>
+          </p:nvPr>
+        </p:nvSpPr>
+        <p:spPr/>
+        <p:txBody>
+          <a:bodyPr/>
+          <a:lstStyle/>
+          <a:p>
+            <a:r>
+              <a:rPr lang="en-GB" dirty="0"/>
+              <a:t>Waveform analysis</a:t>
+            </a:r>
+            <a:endParaRPr lang="en-DE" dirty="0"/>
+          </a:p>
+        </p:txBody>
+      </p:sp>
+      <p:sp>
+        <p:nvSpPr>
+          <p:cNvPr id="4" name="Date Placeholder 3">
+            <a:extLst>
+              <a:ext uri="{FF2B5EF4-FFF2-40B4-BE49-F238E27FC236}">
+                <a16:creationId xmlns:a16="http://schemas.microsoft.com/office/drawing/2014/main" id="{0ED320F4-9A81-164F-EF4D-A71414F0A99C}"/>
+              </a:ext>
+            </a:extLst>
+          </p:cNvPr>
+          <p:cNvSpPr>
+            <a:spLocks noGrp="1"/>
+          </p:cNvSpPr>
+          <p:nvPr>
+            <p:ph type="dt" sz="half" idx="10"/>
+          </p:nvPr>
+        </p:nvSpPr>
+        <p:spPr/>
+        <p:txBody>
+          <a:bodyPr/>
+          <a:lstStyle/>
+          <a:p>
+            <a:pPr rtl="0"/>
+            <a:fld id="{F8ECB1CE-D645-47DB-89A7-8AB0E6308395}" type="datetime1">
+              <a:rPr lang="en-GB" smtClean="0"/>
+              <a:t>06/08/2024</a:t>
+            </a:fld>
+            <a:endParaRPr lang="en-GB"/>
+          </a:p>
+        </p:txBody>
+      </p:sp>
+      <p:sp>
+        <p:nvSpPr>
+          <p:cNvPr id="5" name="Footer Placeholder 4">
+            <a:extLst>
+              <a:ext uri="{FF2B5EF4-FFF2-40B4-BE49-F238E27FC236}">
+                <a16:creationId xmlns:a16="http://schemas.microsoft.com/office/drawing/2014/main" id="{6A79804C-CE63-679C-0044-D91D6F5214EB}"/>
+              </a:ext>
+            </a:extLst>
+          </p:cNvPr>
+          <p:cNvSpPr>
+            <a:spLocks noGrp="1"/>
+          </p:cNvSpPr>
+          <p:nvPr>
+            <p:ph type="ftr" sz="quarter" idx="11"/>
+          </p:nvPr>
+        </p:nvSpPr>
+        <p:spPr/>
+        <p:txBody>
+          <a:bodyPr/>
+          <a:lstStyle/>
+          <a:p>
+            <a:pPr rtl="0"/>
+            <a:r>
+              <a:rPr lang="en-GB"/>
+              <a:t>PyDTS Overview</a:t>
+            </a:r>
+          </a:p>
+        </p:txBody>
+      </p:sp>
+      <p:sp>
+        <p:nvSpPr>
+          <p:cNvPr id="6" name="Slide Number Placeholder 5">
+            <a:extLst>
+              <a:ext uri="{FF2B5EF4-FFF2-40B4-BE49-F238E27FC236}">
+                <a16:creationId xmlns:a16="http://schemas.microsoft.com/office/drawing/2014/main" id="{08EFB839-54B0-8354-2E48-563B864CCCE7}"/>
+              </a:ext>
+            </a:extLst>
+          </p:cNvPr>
+          <p:cNvSpPr>
+            <a:spLocks noGrp="1"/>
+          </p:cNvSpPr>
+          <p:nvPr>
+            <p:ph type="sldNum" sz="quarter" idx="12"/>
+          </p:nvPr>
+        </p:nvSpPr>
+        <p:spPr/>
+        <p:txBody>
+          <a:bodyPr/>
+          <a:lstStyle/>
+          <a:p>
+            <a:pPr rtl="0"/>
+            <a:fld id="{C014DD1E-5D91-48A3-AD6D-45FBA980D106}" type="slidenum">
+              <a:rPr lang="en-DE" smtClean="0"/>
+              <a:t>30</a:t>
+            </a:fld>
+            <a:endParaRPr lang="en-DE"/>
+          </a:p>
+        </p:txBody>
+      </p:sp>
+    </p:spTree>
+    <p:extLst>
+      <p:ext uri="{BB962C8B-B14F-4D97-AF65-F5344CB8AC3E}">
+        <p14:creationId xmlns:p14="http://schemas.microsoft.com/office/powerpoint/2010/main" val="2752417827"/>
+      </p:ext>
+    </p:extLst>
+  </p:cSld>
+  <p:clrMapOvr>
+    <a:masterClrMapping/>
+  </p:clrMapOvr>
+  <mc:AlternateContent xmlns:mc="http://schemas.openxmlformats.org/markup-compatibility/2006" xmlns:p14="http://schemas.microsoft.com/office/powerpoint/2010/main">
+    <mc:Choice Requires="p14">
+      <p:transition spd="med" p14:dur="700">
+        <p:fade/>
+      </p:transition>
+    </mc:Choice>
+    <mc:Fallback xmlns="">
+      <p:transition spd="med">
+        <p:fade/>
+      </p:transition>
+    </mc:Fallback>
+  </mc:AlternateContent>
+</p:sld>
+</file>
+
+<file path=ppt/slides/slide31.xml><?xml version="1.0" encoding="utf-8"?>
+<p:sld xmlns:a="http://schemas.openxmlformats.org/drawingml/2006/main" xmlns:r="http://schemas.openxmlformats.org/officeDocument/2006/relationships" xmlns:p="http://schemas.openxmlformats.org/presentationml/2006/main">
+  <p:cSld>
+    <p:spTree>
+      <p:nvGrpSpPr>
+        <p:cNvPr id="1" name=""/>
+        <p:cNvGrpSpPr/>
+        <p:nvPr/>
+      </p:nvGrpSpPr>
+      <p:grpSpPr>
+        <a:xfrm>
+          <a:off x="0" y="0"/>
+          <a:ext cx="0" cy="0"/>
+          <a:chOff x="0" y="0"/>
+          <a:chExt cx="0" cy="0"/>
+        </a:xfrm>
+      </p:grpSpPr>
+      <p:sp>
+        <p:nvSpPr>
+          <p:cNvPr id="7" name="Title 6">
+            <a:extLst>
+              <a:ext uri="{FF2B5EF4-FFF2-40B4-BE49-F238E27FC236}">
+                <a16:creationId xmlns:a16="http://schemas.microsoft.com/office/drawing/2014/main" id="{E5F24F6D-6AC8-A41B-7BDF-074D2E54FA2D}"/>
+              </a:ext>
+            </a:extLst>
+          </p:cNvPr>
+          <p:cNvSpPr>
+            <a:spLocks noGrp="1"/>
+          </p:cNvSpPr>
+          <p:nvPr>
+            <p:ph type="title"/>
+          </p:nvPr>
+        </p:nvSpPr>
+        <p:spPr/>
+        <p:txBody>
+          <a:bodyPr anchor="ctr"/>
+          <a:lstStyle/>
+          <a:p>
+            <a:r>
+              <a:rPr lang="en-GB" dirty="0"/>
+              <a:t>D2</a:t>
+            </a:r>
+            <a:endParaRPr lang="en-DE" dirty="0"/>
+          </a:p>
+        </p:txBody>
+      </p:sp>
+      <p:sp>
+        <p:nvSpPr>
+          <p:cNvPr id="8" name="Text Placeholder 7">
+            <a:extLst>
+              <a:ext uri="{FF2B5EF4-FFF2-40B4-BE49-F238E27FC236}">
+                <a16:creationId xmlns:a16="http://schemas.microsoft.com/office/drawing/2014/main" id="{3CFC64F3-4654-1561-9E87-8803B529B0C2}"/>
+              </a:ext>
+            </a:extLst>
+          </p:cNvPr>
+          <p:cNvSpPr>
+            <a:spLocks noGrp="1"/>
+          </p:cNvSpPr>
+          <p:nvPr>
+            <p:ph type="body" idx="1"/>
+          </p:nvPr>
+        </p:nvSpPr>
+        <p:spPr/>
+        <p:txBody>
+          <a:bodyPr/>
+          <a:lstStyle/>
+          <a:p>
+            <a:r>
+              <a:rPr lang="en-GB" dirty="0"/>
+              <a:t>Steady State Analysis</a:t>
+            </a:r>
+            <a:endParaRPr lang="en-DE" dirty="0"/>
+          </a:p>
+        </p:txBody>
+      </p:sp>
+      <p:sp>
+        <p:nvSpPr>
+          <p:cNvPr id="4" name="Date Placeholder 3">
+            <a:extLst>
+              <a:ext uri="{FF2B5EF4-FFF2-40B4-BE49-F238E27FC236}">
+                <a16:creationId xmlns:a16="http://schemas.microsoft.com/office/drawing/2014/main" id="{0ED320F4-9A81-164F-EF4D-A71414F0A99C}"/>
+              </a:ext>
+            </a:extLst>
+          </p:cNvPr>
+          <p:cNvSpPr>
+            <a:spLocks noGrp="1"/>
+          </p:cNvSpPr>
+          <p:nvPr>
+            <p:ph type="dt" sz="half" idx="10"/>
+          </p:nvPr>
+        </p:nvSpPr>
+        <p:spPr/>
+        <p:txBody>
+          <a:bodyPr/>
+          <a:lstStyle/>
+          <a:p>
+            <a:pPr rtl="0"/>
+            <a:fld id="{F8ECB1CE-D645-47DB-89A7-8AB0E6308395}" type="datetime1">
+              <a:rPr lang="en-GB" smtClean="0"/>
+              <a:t>06/08/2024</a:t>
+            </a:fld>
+            <a:endParaRPr lang="en-GB"/>
+          </a:p>
+        </p:txBody>
+      </p:sp>
+      <p:sp>
+        <p:nvSpPr>
+          <p:cNvPr id="5" name="Footer Placeholder 4">
+            <a:extLst>
+              <a:ext uri="{FF2B5EF4-FFF2-40B4-BE49-F238E27FC236}">
+                <a16:creationId xmlns:a16="http://schemas.microsoft.com/office/drawing/2014/main" id="{6A79804C-CE63-679C-0044-D91D6F5214EB}"/>
+              </a:ext>
+            </a:extLst>
+          </p:cNvPr>
+          <p:cNvSpPr>
+            <a:spLocks noGrp="1"/>
+          </p:cNvSpPr>
+          <p:nvPr>
+            <p:ph type="ftr" sz="quarter" idx="11"/>
+          </p:nvPr>
+        </p:nvSpPr>
+        <p:spPr/>
+        <p:txBody>
+          <a:bodyPr/>
+          <a:lstStyle/>
+          <a:p>
+            <a:pPr rtl="0"/>
+            <a:r>
+              <a:rPr lang="en-GB"/>
+              <a:t>PyDTS Overview</a:t>
+            </a:r>
+          </a:p>
+        </p:txBody>
+      </p:sp>
+      <p:sp>
+        <p:nvSpPr>
+          <p:cNvPr id="6" name="Slide Number Placeholder 5">
+            <a:extLst>
+              <a:ext uri="{FF2B5EF4-FFF2-40B4-BE49-F238E27FC236}">
+                <a16:creationId xmlns:a16="http://schemas.microsoft.com/office/drawing/2014/main" id="{08EFB839-54B0-8354-2E48-563B864CCCE7}"/>
+              </a:ext>
+            </a:extLst>
+          </p:cNvPr>
+          <p:cNvSpPr>
+            <a:spLocks noGrp="1"/>
+          </p:cNvSpPr>
+          <p:nvPr>
+            <p:ph type="sldNum" sz="quarter" idx="12"/>
+          </p:nvPr>
+        </p:nvSpPr>
+        <p:spPr/>
+        <p:txBody>
+          <a:bodyPr/>
+          <a:lstStyle/>
+          <a:p>
+            <a:pPr rtl="0"/>
+            <a:fld id="{C014DD1E-5D91-48A3-AD6D-45FBA980D106}" type="slidenum">
+              <a:rPr lang="en-DE" smtClean="0"/>
+              <a:t>31</a:t>
+            </a:fld>
+            <a:endParaRPr lang="en-DE"/>
+          </a:p>
+        </p:txBody>
+      </p:sp>
+    </p:spTree>
+    <p:extLst>
+      <p:ext uri="{BB962C8B-B14F-4D97-AF65-F5344CB8AC3E}">
+        <p14:creationId xmlns:p14="http://schemas.microsoft.com/office/powerpoint/2010/main" val="2519390417"/>
+      </p:ext>
+    </p:extLst>
+  </p:cSld>
+  <p:clrMapOvr>
+    <a:masterClrMapping/>
+  </p:clrMapOvr>
+  <mc:AlternateContent xmlns:mc="http://schemas.openxmlformats.org/markup-compatibility/2006" xmlns:p14="http://schemas.microsoft.com/office/powerpoint/2010/main">
+    <mc:Choice Requires="p14">
+      <p:transition spd="med" p14:dur="700">
+        <p:fade/>
+      </p:transition>
+    </mc:Choice>
+    <mc:Fallback xmlns="">
+      <p:transition spd="med">
+        <p:fade/>
+      </p:transition>
+    </mc:Fallback>
+  </mc:AlternateContent>
+</p:sld>
+</file>
+
+<file path=ppt/slides/slide32.xml><?xml version="1.0" encoding="utf-8"?>
+<p:sld xmlns:a="http://schemas.openxmlformats.org/drawingml/2006/main" xmlns:r="http://schemas.openxmlformats.org/officeDocument/2006/relationships" xmlns:p="http://schemas.openxmlformats.org/presentationml/2006/main">
+  <p:cSld>
+    <p:spTree>
+      <p:nvGrpSpPr>
+        <p:cNvPr id="1" name=""/>
+        <p:cNvGrpSpPr/>
+        <p:nvPr/>
+      </p:nvGrpSpPr>
+      <p:grpSpPr>
+        <a:xfrm>
+          <a:off x="0" y="0"/>
+          <a:ext cx="0" cy="0"/>
+          <a:chOff x="0" y="0"/>
+          <a:chExt cx="0" cy="0"/>
+        </a:xfrm>
+      </p:grpSpPr>
+      <p:sp>
+        <p:nvSpPr>
+          <p:cNvPr id="7" name="Title 6">
+            <a:extLst>
+              <a:ext uri="{FF2B5EF4-FFF2-40B4-BE49-F238E27FC236}">
+                <a16:creationId xmlns:a16="http://schemas.microsoft.com/office/drawing/2014/main" id="{E5F24F6D-6AC8-A41B-7BDF-074D2E54FA2D}"/>
+              </a:ext>
+            </a:extLst>
+          </p:cNvPr>
+          <p:cNvSpPr>
+            <a:spLocks noGrp="1"/>
+          </p:cNvSpPr>
+          <p:nvPr>
+            <p:ph type="title"/>
+          </p:nvPr>
+        </p:nvSpPr>
+        <p:spPr/>
+        <p:txBody>
+          <a:bodyPr anchor="ctr"/>
+          <a:lstStyle/>
+          <a:p>
+            <a:r>
+              <a:rPr lang="en-GB" dirty="0"/>
+              <a:t>D3</a:t>
+            </a:r>
+            <a:endParaRPr lang="en-DE" dirty="0"/>
+          </a:p>
+        </p:txBody>
+      </p:sp>
+      <p:sp>
+        <p:nvSpPr>
+          <p:cNvPr id="8" name="Text Placeholder 7">
+            <a:extLst>
+              <a:ext uri="{FF2B5EF4-FFF2-40B4-BE49-F238E27FC236}">
+                <a16:creationId xmlns:a16="http://schemas.microsoft.com/office/drawing/2014/main" id="{3CFC64F3-4654-1561-9E87-8803B529B0C2}"/>
+              </a:ext>
+            </a:extLst>
+          </p:cNvPr>
+          <p:cNvSpPr>
+            <a:spLocks noGrp="1"/>
+          </p:cNvSpPr>
+          <p:nvPr>
+            <p:ph type="body" idx="1"/>
+          </p:nvPr>
+        </p:nvSpPr>
+        <p:spPr/>
+        <p:txBody>
+          <a:bodyPr/>
+          <a:lstStyle/>
+          <a:p>
+            <a:r>
+              <a:rPr lang="en-GB" dirty="0"/>
+              <a:t>Transient Analysis</a:t>
+            </a:r>
+            <a:endParaRPr lang="en-DE" dirty="0"/>
+          </a:p>
+        </p:txBody>
+      </p:sp>
+      <p:sp>
+        <p:nvSpPr>
+          <p:cNvPr id="4" name="Date Placeholder 3">
+            <a:extLst>
+              <a:ext uri="{FF2B5EF4-FFF2-40B4-BE49-F238E27FC236}">
+                <a16:creationId xmlns:a16="http://schemas.microsoft.com/office/drawing/2014/main" id="{0ED320F4-9A81-164F-EF4D-A71414F0A99C}"/>
+              </a:ext>
+            </a:extLst>
+          </p:cNvPr>
+          <p:cNvSpPr>
+            <a:spLocks noGrp="1"/>
+          </p:cNvSpPr>
+          <p:nvPr>
+            <p:ph type="dt" sz="half" idx="10"/>
+          </p:nvPr>
+        </p:nvSpPr>
+        <p:spPr/>
+        <p:txBody>
+          <a:bodyPr/>
+          <a:lstStyle/>
+          <a:p>
+            <a:pPr rtl="0"/>
+            <a:fld id="{F8ECB1CE-D645-47DB-89A7-8AB0E6308395}" type="datetime1">
+              <a:rPr lang="en-GB" smtClean="0"/>
+              <a:t>06/08/2024</a:t>
+            </a:fld>
+            <a:endParaRPr lang="en-GB"/>
+          </a:p>
+        </p:txBody>
+      </p:sp>
+      <p:sp>
+        <p:nvSpPr>
+          <p:cNvPr id="5" name="Footer Placeholder 4">
+            <a:extLst>
+              <a:ext uri="{FF2B5EF4-FFF2-40B4-BE49-F238E27FC236}">
+                <a16:creationId xmlns:a16="http://schemas.microsoft.com/office/drawing/2014/main" id="{6A79804C-CE63-679C-0044-D91D6F5214EB}"/>
+              </a:ext>
+            </a:extLst>
+          </p:cNvPr>
+          <p:cNvSpPr>
+            <a:spLocks noGrp="1"/>
+          </p:cNvSpPr>
+          <p:nvPr>
+            <p:ph type="ftr" sz="quarter" idx="11"/>
+          </p:nvPr>
+        </p:nvSpPr>
+        <p:spPr/>
+        <p:txBody>
+          <a:bodyPr/>
+          <a:lstStyle/>
+          <a:p>
+            <a:pPr rtl="0"/>
+            <a:r>
+              <a:rPr lang="en-GB"/>
+              <a:t>PyDTS Overview</a:t>
+            </a:r>
+          </a:p>
+        </p:txBody>
+      </p:sp>
+      <p:sp>
+        <p:nvSpPr>
+          <p:cNvPr id="6" name="Slide Number Placeholder 5">
+            <a:extLst>
+              <a:ext uri="{FF2B5EF4-FFF2-40B4-BE49-F238E27FC236}">
+                <a16:creationId xmlns:a16="http://schemas.microsoft.com/office/drawing/2014/main" id="{08EFB839-54B0-8354-2E48-563B864CCCE7}"/>
+              </a:ext>
+            </a:extLst>
+          </p:cNvPr>
+          <p:cNvSpPr>
+            <a:spLocks noGrp="1"/>
+          </p:cNvSpPr>
+          <p:nvPr>
+            <p:ph type="sldNum" sz="quarter" idx="12"/>
+          </p:nvPr>
+        </p:nvSpPr>
+        <p:spPr/>
+        <p:txBody>
+          <a:bodyPr/>
+          <a:lstStyle/>
+          <a:p>
+            <a:pPr rtl="0"/>
+            <a:fld id="{C014DD1E-5D91-48A3-AD6D-45FBA980D106}" type="slidenum">
+              <a:rPr lang="en-DE" smtClean="0"/>
+              <a:t>32</a:t>
+            </a:fld>
+            <a:endParaRPr lang="en-DE"/>
+          </a:p>
+        </p:txBody>
+      </p:sp>
+    </p:spTree>
+    <p:extLst>
+      <p:ext uri="{BB962C8B-B14F-4D97-AF65-F5344CB8AC3E}">
+        <p14:creationId xmlns:p14="http://schemas.microsoft.com/office/powerpoint/2010/main" val="2051850589"/>
+      </p:ext>
+    </p:extLst>
+  </p:cSld>
+  <p:clrMapOvr>
+    <a:masterClrMapping/>
+  </p:clrMapOvr>
+  <mc:AlternateContent xmlns:mc="http://schemas.openxmlformats.org/markup-compatibility/2006" xmlns:p14="http://schemas.microsoft.com/office/powerpoint/2010/main">
+    <mc:Choice Requires="p14">
+      <p:transition spd="med" p14:dur="700">
+        <p:fade/>
+      </p:transition>
+    </mc:Choice>
+    <mc:Fallback xmlns="">
+      <p:transition spd="med">
+        <p:fade/>
+      </p:transition>
+    </mc:Fallback>
+  </mc:AlternateContent>
+</p:sld>
+</file>
+
+<file path=ppt/slides/slide33.xml><?xml version="1.0" encoding="utf-8"?>
+<p:sld xmlns:a="http://schemas.openxmlformats.org/drawingml/2006/main" xmlns:r="http://schemas.openxmlformats.org/officeDocument/2006/relationships" xmlns:p="http://schemas.openxmlformats.org/presentationml/2006/main">
+  <p:cSld>
+    <p:spTree>
+      <p:nvGrpSpPr>
+        <p:cNvPr id="1" name=""/>
+        <p:cNvGrpSpPr/>
+        <p:nvPr/>
+      </p:nvGrpSpPr>
+      <p:grpSpPr>
+        <a:xfrm>
+          <a:off x="0" y="0"/>
+          <a:ext cx="0" cy="0"/>
+          <a:chOff x="0" y="0"/>
+          <a:chExt cx="0" cy="0"/>
+        </a:xfrm>
+      </p:grpSpPr>
+      <p:sp>
+        <p:nvSpPr>
+          <p:cNvPr id="7" name="Title 6">
+            <a:extLst>
+              <a:ext uri="{FF2B5EF4-FFF2-40B4-BE49-F238E27FC236}">
+                <a16:creationId xmlns:a16="http://schemas.microsoft.com/office/drawing/2014/main" id="{E5F24F6D-6AC8-A41B-7BDF-074D2E54FA2D}"/>
+              </a:ext>
+            </a:extLst>
+          </p:cNvPr>
+          <p:cNvSpPr>
+            <a:spLocks noGrp="1"/>
+          </p:cNvSpPr>
+          <p:nvPr>
+            <p:ph type="title"/>
+          </p:nvPr>
+        </p:nvSpPr>
+        <p:spPr/>
+        <p:txBody>
+          <a:bodyPr anchor="ctr"/>
+          <a:lstStyle/>
+          <a:p>
+            <a:r>
+              <a:rPr lang="en-GB" dirty="0"/>
+              <a:t>D4</a:t>
+            </a:r>
+            <a:endParaRPr lang="en-DE" dirty="0"/>
+          </a:p>
+        </p:txBody>
+      </p:sp>
+      <p:sp>
+        <p:nvSpPr>
+          <p:cNvPr id="8" name="Text Placeholder 7">
+            <a:extLst>
+              <a:ext uri="{FF2B5EF4-FFF2-40B4-BE49-F238E27FC236}">
+                <a16:creationId xmlns:a16="http://schemas.microsoft.com/office/drawing/2014/main" id="{3CFC64F3-4654-1561-9E87-8803B529B0C2}"/>
+              </a:ext>
+            </a:extLst>
+          </p:cNvPr>
+          <p:cNvSpPr>
+            <a:spLocks noGrp="1"/>
+          </p:cNvSpPr>
+          <p:nvPr>
+            <p:ph type="body" idx="1"/>
+          </p:nvPr>
+        </p:nvSpPr>
+        <p:spPr/>
+        <p:txBody>
+          <a:bodyPr/>
+          <a:lstStyle/>
+          <a:p>
+            <a:r>
+              <a:rPr lang="en-GB" dirty="0"/>
+              <a:t>Closed Loop Analysis</a:t>
+            </a:r>
+            <a:endParaRPr lang="en-DE" dirty="0"/>
+          </a:p>
+        </p:txBody>
+      </p:sp>
+      <p:sp>
+        <p:nvSpPr>
+          <p:cNvPr id="4" name="Date Placeholder 3">
+            <a:extLst>
+              <a:ext uri="{FF2B5EF4-FFF2-40B4-BE49-F238E27FC236}">
+                <a16:creationId xmlns:a16="http://schemas.microsoft.com/office/drawing/2014/main" id="{0ED320F4-9A81-164F-EF4D-A71414F0A99C}"/>
+              </a:ext>
+            </a:extLst>
+          </p:cNvPr>
+          <p:cNvSpPr>
+            <a:spLocks noGrp="1"/>
+          </p:cNvSpPr>
+          <p:nvPr>
+            <p:ph type="dt" sz="half" idx="10"/>
+          </p:nvPr>
+        </p:nvSpPr>
+        <p:spPr/>
+        <p:txBody>
+          <a:bodyPr/>
+          <a:lstStyle/>
+          <a:p>
+            <a:pPr rtl="0"/>
+            <a:fld id="{F8ECB1CE-D645-47DB-89A7-8AB0E6308395}" type="datetime1">
+              <a:rPr lang="en-GB" smtClean="0"/>
+              <a:t>06/08/2024</a:t>
+            </a:fld>
+            <a:endParaRPr lang="en-GB"/>
+          </a:p>
+        </p:txBody>
+      </p:sp>
+      <p:sp>
+        <p:nvSpPr>
+          <p:cNvPr id="5" name="Footer Placeholder 4">
+            <a:extLst>
+              <a:ext uri="{FF2B5EF4-FFF2-40B4-BE49-F238E27FC236}">
+                <a16:creationId xmlns:a16="http://schemas.microsoft.com/office/drawing/2014/main" id="{6A79804C-CE63-679C-0044-D91D6F5214EB}"/>
+              </a:ext>
+            </a:extLst>
+          </p:cNvPr>
+          <p:cNvSpPr>
+            <a:spLocks noGrp="1"/>
+          </p:cNvSpPr>
+          <p:nvPr>
+            <p:ph type="ftr" sz="quarter" idx="11"/>
+          </p:nvPr>
+        </p:nvSpPr>
+        <p:spPr/>
+        <p:txBody>
+          <a:bodyPr/>
+          <a:lstStyle/>
+          <a:p>
+            <a:pPr rtl="0"/>
+            <a:r>
+              <a:rPr lang="en-GB"/>
+              <a:t>PyDTS Overview</a:t>
+            </a:r>
+          </a:p>
+        </p:txBody>
+      </p:sp>
+      <p:sp>
+        <p:nvSpPr>
+          <p:cNvPr id="6" name="Slide Number Placeholder 5">
+            <a:extLst>
+              <a:ext uri="{FF2B5EF4-FFF2-40B4-BE49-F238E27FC236}">
+                <a16:creationId xmlns:a16="http://schemas.microsoft.com/office/drawing/2014/main" id="{08EFB839-54B0-8354-2E48-563B864CCCE7}"/>
+              </a:ext>
+            </a:extLst>
+          </p:cNvPr>
+          <p:cNvSpPr>
+            <a:spLocks noGrp="1"/>
+          </p:cNvSpPr>
+          <p:nvPr>
+            <p:ph type="sldNum" sz="quarter" idx="12"/>
+          </p:nvPr>
+        </p:nvSpPr>
+        <p:spPr/>
+        <p:txBody>
+          <a:bodyPr/>
+          <a:lstStyle/>
+          <a:p>
+            <a:pPr rtl="0"/>
+            <a:fld id="{C014DD1E-5D91-48A3-AD6D-45FBA980D106}" type="slidenum">
+              <a:rPr lang="en-DE" smtClean="0"/>
+              <a:t>33</a:t>
+            </a:fld>
+            <a:endParaRPr lang="en-DE"/>
+          </a:p>
+        </p:txBody>
+      </p:sp>
+    </p:spTree>
+    <p:extLst>
+      <p:ext uri="{BB962C8B-B14F-4D97-AF65-F5344CB8AC3E}">
+        <p14:creationId xmlns:p14="http://schemas.microsoft.com/office/powerpoint/2010/main" val="3759019111"/>
+      </p:ext>
+    </p:extLst>
+  </p:cSld>
+  <p:clrMapOvr>
+    <a:masterClrMapping/>
+  </p:clrMapOvr>
+  <mc:AlternateContent xmlns:mc="http://schemas.openxmlformats.org/markup-compatibility/2006" xmlns:p14="http://schemas.microsoft.com/office/powerpoint/2010/main">
+    <mc:Choice Requires="p14">
+      <p:transition spd="med" p14:dur="700">
+        <p:fade/>
+      </p:transition>
+    </mc:Choice>
+    <mc:Fallback xmlns="">
+      <p:transition spd="med">
+        <p:fade/>
+      </p:transition>
+    </mc:Fallback>
+  </mc:AlternateContent>
+</p:sld>
+</file>
+
+<file path=ppt/slides/slide34.xml><?xml version="1.0" encoding="utf-8"?>
+<p:sld xmlns:a="http://schemas.openxmlformats.org/drawingml/2006/main" xmlns:r="http://schemas.openxmlformats.org/officeDocument/2006/relationships" xmlns:p="http://schemas.openxmlformats.org/presentationml/2006/main">
+  <p:cSld>
+    <p:spTree>
+      <p:nvGrpSpPr>
+        <p:cNvPr id="1" name=""/>
+        <p:cNvGrpSpPr/>
+        <p:nvPr/>
+      </p:nvGrpSpPr>
+      <p:grpSpPr>
+        <a:xfrm>
+          <a:off x="0" y="0"/>
+          <a:ext cx="0" cy="0"/>
+          <a:chOff x="0" y="0"/>
+          <a:chExt cx="0" cy="0"/>
+        </a:xfrm>
+      </p:grpSpPr>
+      <p:sp>
+        <p:nvSpPr>
+          <p:cNvPr id="7" name="Title 6">
+            <a:extLst>
+              <a:ext uri="{FF2B5EF4-FFF2-40B4-BE49-F238E27FC236}">
+                <a16:creationId xmlns:a16="http://schemas.microsoft.com/office/drawing/2014/main" id="{E5F24F6D-6AC8-A41B-7BDF-074D2E54FA2D}"/>
+              </a:ext>
+            </a:extLst>
+          </p:cNvPr>
+          <p:cNvSpPr>
+            <a:spLocks noGrp="1"/>
+          </p:cNvSpPr>
+          <p:nvPr>
+            <p:ph type="title"/>
+          </p:nvPr>
+        </p:nvSpPr>
+        <p:spPr/>
+        <p:txBody>
+          <a:bodyPr anchor="ctr"/>
+          <a:lstStyle/>
+          <a:p>
+            <a:r>
+              <a:rPr lang="en-GB" dirty="0"/>
+              <a:t>E</a:t>
+            </a:r>
+            <a:endParaRPr lang="en-DE" dirty="0"/>
+          </a:p>
+        </p:txBody>
+      </p:sp>
+      <p:sp>
+        <p:nvSpPr>
+          <p:cNvPr id="8" name="Text Placeholder 7">
+            <a:extLst>
+              <a:ext uri="{FF2B5EF4-FFF2-40B4-BE49-F238E27FC236}">
+                <a16:creationId xmlns:a16="http://schemas.microsoft.com/office/drawing/2014/main" id="{3CFC64F3-4654-1561-9E87-8803B529B0C2}"/>
+              </a:ext>
+            </a:extLst>
+          </p:cNvPr>
+          <p:cNvSpPr>
+            <a:spLocks noGrp="1"/>
+          </p:cNvSpPr>
+          <p:nvPr>
+            <p:ph type="body" idx="1"/>
+          </p:nvPr>
+        </p:nvSpPr>
+        <p:spPr/>
+        <p:txBody>
+          <a:bodyPr/>
+          <a:lstStyle/>
+          <a:p>
+            <a:r>
+              <a:rPr lang="en-GB" dirty="0"/>
+              <a:t>Advanced functionalities</a:t>
+            </a:r>
+            <a:endParaRPr lang="en-DE" dirty="0"/>
+          </a:p>
+        </p:txBody>
+      </p:sp>
+      <p:sp>
+        <p:nvSpPr>
+          <p:cNvPr id="4" name="Date Placeholder 3">
+            <a:extLst>
+              <a:ext uri="{FF2B5EF4-FFF2-40B4-BE49-F238E27FC236}">
+                <a16:creationId xmlns:a16="http://schemas.microsoft.com/office/drawing/2014/main" id="{0ED320F4-9A81-164F-EF4D-A71414F0A99C}"/>
+              </a:ext>
+            </a:extLst>
+          </p:cNvPr>
+          <p:cNvSpPr>
+            <a:spLocks noGrp="1"/>
+          </p:cNvSpPr>
+          <p:nvPr>
+            <p:ph type="dt" sz="half" idx="10"/>
+          </p:nvPr>
+        </p:nvSpPr>
+        <p:spPr/>
+        <p:txBody>
+          <a:bodyPr/>
+          <a:lstStyle/>
+          <a:p>
+            <a:pPr rtl="0"/>
+            <a:fld id="{F8ECB1CE-D645-47DB-89A7-8AB0E6308395}" type="datetime1">
+              <a:rPr lang="en-GB" smtClean="0"/>
+              <a:t>06/08/2024</a:t>
+            </a:fld>
+            <a:endParaRPr lang="en-GB"/>
+          </a:p>
+        </p:txBody>
+      </p:sp>
+      <p:sp>
+        <p:nvSpPr>
+          <p:cNvPr id="5" name="Footer Placeholder 4">
+            <a:extLst>
+              <a:ext uri="{FF2B5EF4-FFF2-40B4-BE49-F238E27FC236}">
+                <a16:creationId xmlns:a16="http://schemas.microsoft.com/office/drawing/2014/main" id="{6A79804C-CE63-679C-0044-D91D6F5214EB}"/>
+              </a:ext>
+            </a:extLst>
+          </p:cNvPr>
+          <p:cNvSpPr>
+            <a:spLocks noGrp="1"/>
+          </p:cNvSpPr>
+          <p:nvPr>
+            <p:ph type="ftr" sz="quarter" idx="11"/>
+          </p:nvPr>
+        </p:nvSpPr>
+        <p:spPr/>
+        <p:txBody>
+          <a:bodyPr/>
+          <a:lstStyle/>
+          <a:p>
+            <a:pPr rtl="0"/>
+            <a:r>
+              <a:rPr lang="en-GB"/>
+              <a:t>PyDTS Overview</a:t>
+            </a:r>
+          </a:p>
+        </p:txBody>
+      </p:sp>
+      <p:sp>
+        <p:nvSpPr>
+          <p:cNvPr id="6" name="Slide Number Placeholder 5">
+            <a:extLst>
+              <a:ext uri="{FF2B5EF4-FFF2-40B4-BE49-F238E27FC236}">
+                <a16:creationId xmlns:a16="http://schemas.microsoft.com/office/drawing/2014/main" id="{08EFB839-54B0-8354-2E48-563B864CCCE7}"/>
+              </a:ext>
+            </a:extLst>
+          </p:cNvPr>
+          <p:cNvSpPr>
+            <a:spLocks noGrp="1"/>
+          </p:cNvSpPr>
+          <p:nvPr>
+            <p:ph type="sldNum" sz="quarter" idx="12"/>
+          </p:nvPr>
+        </p:nvSpPr>
+        <p:spPr/>
+        <p:txBody>
+          <a:bodyPr/>
+          <a:lstStyle/>
+          <a:p>
+            <a:pPr rtl="0"/>
+            <a:fld id="{C014DD1E-5D91-48A3-AD6D-45FBA980D106}" type="slidenum">
+              <a:rPr lang="en-DE" smtClean="0"/>
+              <a:t>34</a:t>
+            </a:fld>
+            <a:endParaRPr lang="en-DE"/>
+          </a:p>
+        </p:txBody>
+      </p:sp>
+    </p:spTree>
+    <p:extLst>
+      <p:ext uri="{BB962C8B-B14F-4D97-AF65-F5344CB8AC3E}">
+        <p14:creationId xmlns:p14="http://schemas.microsoft.com/office/powerpoint/2010/main" val="3385035444"/>
+      </p:ext>
+    </p:extLst>
+  </p:cSld>
+  <p:clrMapOvr>
+    <a:masterClrMapping/>
+  </p:clrMapOvr>
+  <mc:AlternateContent xmlns:mc="http://schemas.openxmlformats.org/markup-compatibility/2006" xmlns:p14="http://schemas.microsoft.com/office/powerpoint/2010/main">
+    <mc:Choice Requires="p14">
+      <p:transition spd="med" p14:dur="700">
+        <p:fade/>
+      </p:transition>
+    </mc:Choice>
+    <mc:Fallback xmlns="">
+      <p:transition spd="med">
+        <p:fade/>
+      </p:transition>
+    </mc:Fallback>
+  </mc:AlternateContent>
+</p:sld>
+</file>
+
+<file path=ppt/slides/slide35.xml><?xml version="1.0" encoding="utf-8"?>
+<p:sld xmlns:a="http://schemas.openxmlformats.org/drawingml/2006/main" xmlns:r="http://schemas.openxmlformats.org/officeDocument/2006/relationships" xmlns:p="http://schemas.openxmlformats.org/presentationml/2006/main">
+  <p:cSld>
+    <p:spTree>
+      <p:nvGrpSpPr>
+        <p:cNvPr id="1" name=""/>
+        <p:cNvGrpSpPr/>
+        <p:nvPr/>
+      </p:nvGrpSpPr>
+      <p:grpSpPr>
+        <a:xfrm>
+          <a:off x="0" y="0"/>
+          <a:ext cx="0" cy="0"/>
+          <a:chOff x="0" y="0"/>
+          <a:chExt cx="0" cy="0"/>
+        </a:xfrm>
+      </p:grpSpPr>
+      <p:sp>
+        <p:nvSpPr>
+          <p:cNvPr id="7" name="Title 6">
+            <a:extLst>
+              <a:ext uri="{FF2B5EF4-FFF2-40B4-BE49-F238E27FC236}">
+                <a16:creationId xmlns:a16="http://schemas.microsoft.com/office/drawing/2014/main" id="{E5F24F6D-6AC8-A41B-7BDF-074D2E54FA2D}"/>
+              </a:ext>
+            </a:extLst>
+          </p:cNvPr>
+          <p:cNvSpPr>
+            <a:spLocks noGrp="1"/>
+          </p:cNvSpPr>
+          <p:nvPr>
+            <p:ph type="title"/>
+          </p:nvPr>
+        </p:nvSpPr>
+        <p:spPr/>
+        <p:txBody>
+          <a:bodyPr anchor="ctr"/>
+          <a:lstStyle/>
+          <a:p>
+            <a:r>
+              <a:rPr lang="en-GB" dirty="0"/>
+              <a:t>E1</a:t>
+            </a:r>
+            <a:endParaRPr lang="en-DE" dirty="0"/>
+          </a:p>
+        </p:txBody>
+      </p:sp>
+      <p:sp>
+        <p:nvSpPr>
+          <p:cNvPr id="8" name="Text Placeholder 7">
+            <a:extLst>
+              <a:ext uri="{FF2B5EF4-FFF2-40B4-BE49-F238E27FC236}">
+                <a16:creationId xmlns:a16="http://schemas.microsoft.com/office/drawing/2014/main" id="{3CFC64F3-4654-1561-9E87-8803B529B0C2}"/>
+              </a:ext>
+            </a:extLst>
+          </p:cNvPr>
+          <p:cNvSpPr>
+            <a:spLocks noGrp="1"/>
+          </p:cNvSpPr>
+          <p:nvPr>
+            <p:ph type="body" idx="1"/>
+          </p:nvPr>
+        </p:nvSpPr>
+        <p:spPr/>
+        <p:txBody>
+          <a:bodyPr/>
+          <a:lstStyle/>
+          <a:p>
+            <a:r>
+              <a:rPr lang="en-GB" dirty="0"/>
+              <a:t>Comparing PWM Schemes</a:t>
+            </a:r>
+            <a:endParaRPr lang="en-DE" dirty="0"/>
+          </a:p>
+        </p:txBody>
+      </p:sp>
+      <p:sp>
+        <p:nvSpPr>
+          <p:cNvPr id="4" name="Date Placeholder 3">
+            <a:extLst>
+              <a:ext uri="{FF2B5EF4-FFF2-40B4-BE49-F238E27FC236}">
+                <a16:creationId xmlns:a16="http://schemas.microsoft.com/office/drawing/2014/main" id="{0ED320F4-9A81-164F-EF4D-A71414F0A99C}"/>
+              </a:ext>
+            </a:extLst>
+          </p:cNvPr>
+          <p:cNvSpPr>
+            <a:spLocks noGrp="1"/>
+          </p:cNvSpPr>
+          <p:nvPr>
+            <p:ph type="dt" sz="half" idx="10"/>
+          </p:nvPr>
+        </p:nvSpPr>
+        <p:spPr/>
+        <p:txBody>
+          <a:bodyPr/>
+          <a:lstStyle/>
+          <a:p>
+            <a:pPr rtl="0"/>
+            <a:fld id="{F8ECB1CE-D645-47DB-89A7-8AB0E6308395}" type="datetime1">
+              <a:rPr lang="en-GB" smtClean="0"/>
+              <a:t>06/08/2024</a:t>
+            </a:fld>
+            <a:endParaRPr lang="en-GB"/>
+          </a:p>
+        </p:txBody>
+      </p:sp>
+      <p:sp>
+        <p:nvSpPr>
+          <p:cNvPr id="5" name="Footer Placeholder 4">
+            <a:extLst>
+              <a:ext uri="{FF2B5EF4-FFF2-40B4-BE49-F238E27FC236}">
+                <a16:creationId xmlns:a16="http://schemas.microsoft.com/office/drawing/2014/main" id="{6A79804C-CE63-679C-0044-D91D6F5214EB}"/>
+              </a:ext>
+            </a:extLst>
+          </p:cNvPr>
+          <p:cNvSpPr>
+            <a:spLocks noGrp="1"/>
+          </p:cNvSpPr>
+          <p:nvPr>
+            <p:ph type="ftr" sz="quarter" idx="11"/>
+          </p:nvPr>
+        </p:nvSpPr>
+        <p:spPr/>
+        <p:txBody>
+          <a:bodyPr/>
+          <a:lstStyle/>
+          <a:p>
+            <a:pPr rtl="0"/>
+            <a:r>
+              <a:rPr lang="en-GB"/>
+              <a:t>PyDTS Overview</a:t>
+            </a:r>
+          </a:p>
+        </p:txBody>
+      </p:sp>
+      <p:sp>
+        <p:nvSpPr>
+          <p:cNvPr id="6" name="Slide Number Placeholder 5">
+            <a:extLst>
+              <a:ext uri="{FF2B5EF4-FFF2-40B4-BE49-F238E27FC236}">
+                <a16:creationId xmlns:a16="http://schemas.microsoft.com/office/drawing/2014/main" id="{08EFB839-54B0-8354-2E48-563B864CCCE7}"/>
+              </a:ext>
+            </a:extLst>
+          </p:cNvPr>
+          <p:cNvSpPr>
+            <a:spLocks noGrp="1"/>
+          </p:cNvSpPr>
+          <p:nvPr>
+            <p:ph type="sldNum" sz="quarter" idx="12"/>
+          </p:nvPr>
+        </p:nvSpPr>
+        <p:spPr/>
+        <p:txBody>
+          <a:bodyPr/>
+          <a:lstStyle/>
+          <a:p>
+            <a:pPr rtl="0"/>
+            <a:fld id="{C014DD1E-5D91-48A3-AD6D-45FBA980D106}" type="slidenum">
+              <a:rPr lang="en-DE" smtClean="0"/>
+              <a:t>35</a:t>
+            </a:fld>
+            <a:endParaRPr lang="en-DE"/>
+          </a:p>
+        </p:txBody>
+      </p:sp>
+    </p:spTree>
+    <p:extLst>
+      <p:ext uri="{BB962C8B-B14F-4D97-AF65-F5344CB8AC3E}">
+        <p14:creationId xmlns:p14="http://schemas.microsoft.com/office/powerpoint/2010/main" val="4020311237"/>
+      </p:ext>
+    </p:extLst>
+  </p:cSld>
+  <p:clrMapOvr>
+    <a:masterClrMapping/>
+  </p:clrMapOvr>
+  <mc:AlternateContent xmlns:mc="http://schemas.openxmlformats.org/markup-compatibility/2006" xmlns:p14="http://schemas.microsoft.com/office/powerpoint/2010/main">
+    <mc:Choice Requires="p14">
+      <p:transition spd="med" p14:dur="700">
+        <p:fade/>
+      </p:transition>
+    </mc:Choice>
+    <mc:Fallback xmlns="">
+      <p:transition spd="med">
+        <p:fade/>
+      </p:transition>
+    </mc:Fallback>
+  </mc:AlternateContent>
+</p:sld>
+</file>
+
+<file path=ppt/slides/slide36.xml><?xml version="1.0" encoding="utf-8"?>
+<p:sld xmlns:a="http://schemas.openxmlformats.org/drawingml/2006/main" xmlns:r="http://schemas.openxmlformats.org/officeDocument/2006/relationships" xmlns:p="http://schemas.openxmlformats.org/presentationml/2006/main">
+  <p:cSld>
+    <p:spTree>
+      <p:nvGrpSpPr>
+        <p:cNvPr id="1" name=""/>
+        <p:cNvGrpSpPr/>
+        <p:nvPr/>
+      </p:nvGrpSpPr>
+      <p:grpSpPr>
+        <a:xfrm>
+          <a:off x="0" y="0"/>
+          <a:ext cx="0" cy="0"/>
+          <a:chOff x="0" y="0"/>
+          <a:chExt cx="0" cy="0"/>
+        </a:xfrm>
+      </p:grpSpPr>
+      <p:sp>
+        <p:nvSpPr>
+          <p:cNvPr id="7" name="Title 6">
+            <a:extLst>
+              <a:ext uri="{FF2B5EF4-FFF2-40B4-BE49-F238E27FC236}">
+                <a16:creationId xmlns:a16="http://schemas.microsoft.com/office/drawing/2014/main" id="{E5F24F6D-6AC8-A41B-7BDF-074D2E54FA2D}"/>
+              </a:ext>
+            </a:extLst>
+          </p:cNvPr>
+          <p:cNvSpPr>
+            <a:spLocks noGrp="1"/>
+          </p:cNvSpPr>
+          <p:nvPr>
+            <p:ph type="title"/>
+          </p:nvPr>
+        </p:nvSpPr>
+        <p:spPr/>
+        <p:txBody>
+          <a:bodyPr anchor="ctr"/>
+          <a:lstStyle/>
+          <a:p>
+            <a:r>
+              <a:rPr lang="en-GB" dirty="0"/>
+              <a:t>E2</a:t>
+            </a:r>
+            <a:endParaRPr lang="en-DE" dirty="0"/>
+          </a:p>
+        </p:txBody>
+      </p:sp>
+      <p:sp>
+        <p:nvSpPr>
+          <p:cNvPr id="8" name="Text Placeholder 7">
+            <a:extLst>
+              <a:ext uri="{FF2B5EF4-FFF2-40B4-BE49-F238E27FC236}">
+                <a16:creationId xmlns:a16="http://schemas.microsoft.com/office/drawing/2014/main" id="{3CFC64F3-4654-1561-9E87-8803B529B0C2}"/>
+              </a:ext>
+            </a:extLst>
+          </p:cNvPr>
+          <p:cNvSpPr>
+            <a:spLocks noGrp="1"/>
+          </p:cNvSpPr>
+          <p:nvPr>
+            <p:ph type="body" idx="1"/>
+          </p:nvPr>
+        </p:nvSpPr>
+        <p:spPr/>
+        <p:txBody>
+          <a:bodyPr/>
+          <a:lstStyle/>
+          <a:p>
+            <a:r>
+              <a:rPr lang="en-GB" dirty="0"/>
+              <a:t>Advanced Thermal </a:t>
+            </a:r>
+            <a:r>
+              <a:rPr lang="en-GB" dirty="0" err="1"/>
+              <a:t>modeling</a:t>
+            </a:r>
+            <a:endParaRPr lang="en-DE" dirty="0"/>
+          </a:p>
+        </p:txBody>
+      </p:sp>
+      <p:sp>
+        <p:nvSpPr>
+          <p:cNvPr id="4" name="Date Placeholder 3">
+            <a:extLst>
+              <a:ext uri="{FF2B5EF4-FFF2-40B4-BE49-F238E27FC236}">
+                <a16:creationId xmlns:a16="http://schemas.microsoft.com/office/drawing/2014/main" id="{0ED320F4-9A81-164F-EF4D-A71414F0A99C}"/>
+              </a:ext>
+            </a:extLst>
+          </p:cNvPr>
+          <p:cNvSpPr>
+            <a:spLocks noGrp="1"/>
+          </p:cNvSpPr>
+          <p:nvPr>
+            <p:ph type="dt" sz="half" idx="10"/>
+          </p:nvPr>
+        </p:nvSpPr>
+        <p:spPr/>
+        <p:txBody>
+          <a:bodyPr/>
+          <a:lstStyle/>
+          <a:p>
+            <a:pPr rtl="0"/>
+            <a:fld id="{F8ECB1CE-D645-47DB-89A7-8AB0E6308395}" type="datetime1">
+              <a:rPr lang="en-GB" smtClean="0"/>
+              <a:t>06/08/2024</a:t>
+            </a:fld>
+            <a:endParaRPr lang="en-GB"/>
+          </a:p>
+        </p:txBody>
+      </p:sp>
+      <p:sp>
+        <p:nvSpPr>
+          <p:cNvPr id="5" name="Footer Placeholder 4">
+            <a:extLst>
+              <a:ext uri="{FF2B5EF4-FFF2-40B4-BE49-F238E27FC236}">
+                <a16:creationId xmlns:a16="http://schemas.microsoft.com/office/drawing/2014/main" id="{6A79804C-CE63-679C-0044-D91D6F5214EB}"/>
+              </a:ext>
+            </a:extLst>
+          </p:cNvPr>
+          <p:cNvSpPr>
+            <a:spLocks noGrp="1"/>
+          </p:cNvSpPr>
+          <p:nvPr>
+            <p:ph type="ftr" sz="quarter" idx="11"/>
+          </p:nvPr>
+        </p:nvSpPr>
+        <p:spPr/>
+        <p:txBody>
+          <a:bodyPr/>
+          <a:lstStyle/>
+          <a:p>
+            <a:pPr rtl="0"/>
+            <a:r>
+              <a:rPr lang="en-GB"/>
+              <a:t>PyDTS Overview</a:t>
+            </a:r>
+          </a:p>
+        </p:txBody>
+      </p:sp>
+      <p:sp>
+        <p:nvSpPr>
+          <p:cNvPr id="6" name="Slide Number Placeholder 5">
+            <a:extLst>
+              <a:ext uri="{FF2B5EF4-FFF2-40B4-BE49-F238E27FC236}">
+                <a16:creationId xmlns:a16="http://schemas.microsoft.com/office/drawing/2014/main" id="{08EFB839-54B0-8354-2E48-563B864CCCE7}"/>
+              </a:ext>
+            </a:extLst>
+          </p:cNvPr>
+          <p:cNvSpPr>
+            <a:spLocks noGrp="1"/>
+          </p:cNvSpPr>
+          <p:nvPr>
+            <p:ph type="sldNum" sz="quarter" idx="12"/>
+          </p:nvPr>
+        </p:nvSpPr>
+        <p:spPr/>
+        <p:txBody>
+          <a:bodyPr/>
+          <a:lstStyle/>
+          <a:p>
+            <a:pPr rtl="0"/>
+            <a:fld id="{C014DD1E-5D91-48A3-AD6D-45FBA980D106}" type="slidenum">
+              <a:rPr lang="en-DE" smtClean="0"/>
+              <a:t>36</a:t>
+            </a:fld>
+            <a:endParaRPr lang="en-DE"/>
+          </a:p>
+        </p:txBody>
+      </p:sp>
+    </p:spTree>
+    <p:extLst>
+      <p:ext uri="{BB962C8B-B14F-4D97-AF65-F5344CB8AC3E}">
+        <p14:creationId xmlns:p14="http://schemas.microsoft.com/office/powerpoint/2010/main" val="1573799936"/>
+      </p:ext>
+    </p:extLst>
+  </p:cSld>
+  <p:clrMapOvr>
+    <a:masterClrMapping/>
+  </p:clrMapOvr>
+  <mc:AlternateContent xmlns:mc="http://schemas.openxmlformats.org/markup-compatibility/2006" xmlns:p14="http://schemas.microsoft.com/office/powerpoint/2010/main">
+    <mc:Choice Requires="p14">
+      <p:transition spd="med" p14:dur="700">
+        <p:fade/>
+      </p:transition>
+    </mc:Choice>
+    <mc:Fallback xmlns="">
+      <p:transition spd="med">
+        <p:fade/>
+      </p:transition>
+    </mc:Fallback>
+  </mc:AlternateContent>
+</p:sld>
+</file>
+
+<file path=ppt/slides/slide37.xml><?xml version="1.0" encoding="utf-8"?>
+<p:sld xmlns:a="http://schemas.openxmlformats.org/drawingml/2006/main" xmlns:r="http://schemas.openxmlformats.org/officeDocument/2006/relationships" xmlns:p="http://schemas.openxmlformats.org/presentationml/2006/main">
+  <p:cSld>
+    <p:spTree>
+      <p:nvGrpSpPr>
+        <p:cNvPr id="1" name=""/>
+        <p:cNvGrpSpPr/>
+        <p:nvPr/>
+      </p:nvGrpSpPr>
+      <p:grpSpPr>
+        <a:xfrm>
+          <a:off x="0" y="0"/>
+          <a:ext cx="0" cy="0"/>
+          <a:chOff x="0" y="0"/>
+          <a:chExt cx="0" cy="0"/>
+        </a:xfrm>
+      </p:grpSpPr>
+      <p:sp>
+        <p:nvSpPr>
+          <p:cNvPr id="7" name="Title 6">
+            <a:extLst>
+              <a:ext uri="{FF2B5EF4-FFF2-40B4-BE49-F238E27FC236}">
+                <a16:creationId xmlns:a16="http://schemas.microsoft.com/office/drawing/2014/main" id="{E5F24F6D-6AC8-A41B-7BDF-074D2E54FA2D}"/>
+              </a:ext>
+            </a:extLst>
+          </p:cNvPr>
+          <p:cNvSpPr>
+            <a:spLocks noGrp="1"/>
+          </p:cNvSpPr>
+          <p:nvPr>
+            <p:ph type="title"/>
+          </p:nvPr>
+        </p:nvSpPr>
+        <p:spPr/>
+        <p:txBody>
+          <a:bodyPr anchor="ctr"/>
+          <a:lstStyle/>
+          <a:p>
+            <a:r>
+              <a:rPr lang="en-GB" dirty="0"/>
+              <a:t>E3</a:t>
+            </a:r>
+            <a:endParaRPr lang="en-DE" dirty="0"/>
+          </a:p>
+        </p:txBody>
+      </p:sp>
+      <p:sp>
+        <p:nvSpPr>
+          <p:cNvPr id="8" name="Text Placeholder 7">
+            <a:extLst>
+              <a:ext uri="{FF2B5EF4-FFF2-40B4-BE49-F238E27FC236}">
+                <a16:creationId xmlns:a16="http://schemas.microsoft.com/office/drawing/2014/main" id="{3CFC64F3-4654-1561-9E87-8803B529B0C2}"/>
+              </a:ext>
+            </a:extLst>
+          </p:cNvPr>
+          <p:cNvSpPr>
+            <a:spLocks noGrp="1"/>
+          </p:cNvSpPr>
+          <p:nvPr>
+            <p:ph type="body" idx="1"/>
+          </p:nvPr>
+        </p:nvSpPr>
+        <p:spPr/>
+        <p:txBody>
+          <a:bodyPr/>
+          <a:lstStyle/>
+          <a:p>
+            <a:r>
+              <a:rPr lang="en-GB" dirty="0"/>
+              <a:t>Control Strategies</a:t>
+            </a:r>
+            <a:endParaRPr lang="en-DE" dirty="0"/>
+          </a:p>
+        </p:txBody>
+      </p:sp>
+      <p:sp>
+        <p:nvSpPr>
+          <p:cNvPr id="4" name="Date Placeholder 3">
+            <a:extLst>
+              <a:ext uri="{FF2B5EF4-FFF2-40B4-BE49-F238E27FC236}">
+                <a16:creationId xmlns:a16="http://schemas.microsoft.com/office/drawing/2014/main" id="{0ED320F4-9A81-164F-EF4D-A71414F0A99C}"/>
+              </a:ext>
+            </a:extLst>
+          </p:cNvPr>
+          <p:cNvSpPr>
+            <a:spLocks noGrp="1"/>
+          </p:cNvSpPr>
+          <p:nvPr>
+            <p:ph type="dt" sz="half" idx="10"/>
+          </p:nvPr>
+        </p:nvSpPr>
+        <p:spPr/>
+        <p:txBody>
+          <a:bodyPr/>
+          <a:lstStyle/>
+          <a:p>
+            <a:pPr rtl="0"/>
+            <a:fld id="{F8ECB1CE-D645-47DB-89A7-8AB0E6308395}" type="datetime1">
+              <a:rPr lang="en-GB" smtClean="0"/>
+              <a:t>06/08/2024</a:t>
+            </a:fld>
+            <a:endParaRPr lang="en-GB"/>
+          </a:p>
+        </p:txBody>
+      </p:sp>
+      <p:sp>
+        <p:nvSpPr>
+          <p:cNvPr id="5" name="Footer Placeholder 4">
+            <a:extLst>
+              <a:ext uri="{FF2B5EF4-FFF2-40B4-BE49-F238E27FC236}">
+                <a16:creationId xmlns:a16="http://schemas.microsoft.com/office/drawing/2014/main" id="{6A79804C-CE63-679C-0044-D91D6F5214EB}"/>
+              </a:ext>
+            </a:extLst>
+          </p:cNvPr>
+          <p:cNvSpPr>
+            <a:spLocks noGrp="1"/>
+          </p:cNvSpPr>
+          <p:nvPr>
+            <p:ph type="ftr" sz="quarter" idx="11"/>
+          </p:nvPr>
+        </p:nvSpPr>
+        <p:spPr/>
+        <p:txBody>
+          <a:bodyPr/>
+          <a:lstStyle/>
+          <a:p>
+            <a:pPr rtl="0"/>
+            <a:r>
+              <a:rPr lang="en-GB"/>
+              <a:t>PyDTS Overview</a:t>
+            </a:r>
+          </a:p>
+        </p:txBody>
+      </p:sp>
+      <p:sp>
+        <p:nvSpPr>
+          <p:cNvPr id="6" name="Slide Number Placeholder 5">
+            <a:extLst>
+              <a:ext uri="{FF2B5EF4-FFF2-40B4-BE49-F238E27FC236}">
+                <a16:creationId xmlns:a16="http://schemas.microsoft.com/office/drawing/2014/main" id="{08EFB839-54B0-8354-2E48-563B864CCCE7}"/>
+              </a:ext>
+            </a:extLst>
+          </p:cNvPr>
+          <p:cNvSpPr>
+            <a:spLocks noGrp="1"/>
+          </p:cNvSpPr>
+          <p:nvPr>
+            <p:ph type="sldNum" sz="quarter" idx="12"/>
+          </p:nvPr>
+        </p:nvSpPr>
+        <p:spPr/>
+        <p:txBody>
+          <a:bodyPr/>
+          <a:lstStyle/>
+          <a:p>
+            <a:pPr rtl="0"/>
+            <a:fld id="{C014DD1E-5D91-48A3-AD6D-45FBA980D106}" type="slidenum">
+              <a:rPr lang="en-DE" smtClean="0"/>
+              <a:t>37</a:t>
+            </a:fld>
+            <a:endParaRPr lang="en-DE"/>
+          </a:p>
+        </p:txBody>
+      </p:sp>
+    </p:spTree>
+    <p:extLst>
+      <p:ext uri="{BB962C8B-B14F-4D97-AF65-F5344CB8AC3E}">
+        <p14:creationId xmlns:p14="http://schemas.microsoft.com/office/powerpoint/2010/main" val="985731025"/>
+      </p:ext>
+    </p:extLst>
+  </p:cSld>
+  <p:clrMapOvr>
+    <a:masterClrMapping/>
+  </p:clrMapOvr>
+  <mc:AlternateContent xmlns:mc="http://schemas.openxmlformats.org/markup-compatibility/2006" xmlns:p14="http://schemas.microsoft.com/office/powerpoint/2010/main">
+    <mc:Choice Requires="p14">
+      <p:transition spd="med" p14:dur="700">
+        <p:fade/>
+      </p:transition>
+    </mc:Choice>
+    <mc:Fallback xmlns="">
+      <p:transition spd="med">
+        <p:fade/>
+      </p:transition>
+    </mc:Fallback>
+  </mc:AlternateContent>
+</p:sld>
+</file>
+
+<file path=ppt/slides/slide38.xml><?xml version="1.0" encoding="utf-8"?>
+<p:sld xmlns:a="http://schemas.openxmlformats.org/drawingml/2006/main" xmlns:r="http://schemas.openxmlformats.org/officeDocument/2006/relationships" xmlns:p="http://schemas.openxmlformats.org/presentationml/2006/main">
+  <p:cSld>
+    <p:spTree>
+      <p:nvGrpSpPr>
+        <p:cNvPr id="1" name=""/>
+        <p:cNvGrpSpPr/>
+        <p:nvPr/>
+      </p:nvGrpSpPr>
+      <p:grpSpPr>
+        <a:xfrm>
+          <a:off x="0" y="0"/>
+          <a:ext cx="0" cy="0"/>
+          <a:chOff x="0" y="0"/>
+          <a:chExt cx="0" cy="0"/>
+        </a:xfrm>
+      </p:grpSpPr>
+      <p:sp>
+        <p:nvSpPr>
+          <p:cNvPr id="7" name="Title 6">
+            <a:extLst>
+              <a:ext uri="{FF2B5EF4-FFF2-40B4-BE49-F238E27FC236}">
+                <a16:creationId xmlns:a16="http://schemas.microsoft.com/office/drawing/2014/main" id="{E5F24F6D-6AC8-A41B-7BDF-074D2E54FA2D}"/>
+              </a:ext>
+            </a:extLst>
+          </p:cNvPr>
+          <p:cNvSpPr>
+            <a:spLocks noGrp="1"/>
+          </p:cNvSpPr>
+          <p:nvPr>
+            <p:ph type="title"/>
+          </p:nvPr>
+        </p:nvSpPr>
+        <p:spPr/>
+        <p:txBody>
+          <a:bodyPr anchor="ctr"/>
+          <a:lstStyle/>
+          <a:p>
+            <a:r>
+              <a:rPr lang="en-GB" dirty="0"/>
+              <a:t>F</a:t>
+            </a:r>
+            <a:endParaRPr lang="en-DE" dirty="0"/>
+          </a:p>
+        </p:txBody>
+      </p:sp>
+      <p:sp>
+        <p:nvSpPr>
+          <p:cNvPr id="8" name="Text Placeholder 7">
+            <a:extLst>
+              <a:ext uri="{FF2B5EF4-FFF2-40B4-BE49-F238E27FC236}">
+                <a16:creationId xmlns:a16="http://schemas.microsoft.com/office/drawing/2014/main" id="{3CFC64F3-4654-1561-9E87-8803B529B0C2}"/>
+              </a:ext>
+            </a:extLst>
+          </p:cNvPr>
+          <p:cNvSpPr>
+            <a:spLocks noGrp="1"/>
+          </p:cNvSpPr>
+          <p:nvPr>
+            <p:ph type="body" idx="1"/>
+          </p:nvPr>
+        </p:nvSpPr>
+        <p:spPr/>
+        <p:txBody>
+          <a:bodyPr/>
+          <a:lstStyle/>
+          <a:p>
+            <a:r>
+              <a:rPr lang="en-GB" dirty="0"/>
+              <a:t>Outlook and Conclusion</a:t>
+            </a:r>
+            <a:endParaRPr lang="en-DE" dirty="0"/>
+          </a:p>
+        </p:txBody>
+      </p:sp>
+      <p:sp>
+        <p:nvSpPr>
+          <p:cNvPr id="4" name="Date Placeholder 3">
+            <a:extLst>
+              <a:ext uri="{FF2B5EF4-FFF2-40B4-BE49-F238E27FC236}">
+                <a16:creationId xmlns:a16="http://schemas.microsoft.com/office/drawing/2014/main" id="{0ED320F4-9A81-164F-EF4D-A71414F0A99C}"/>
+              </a:ext>
+            </a:extLst>
+          </p:cNvPr>
+          <p:cNvSpPr>
+            <a:spLocks noGrp="1"/>
+          </p:cNvSpPr>
+          <p:nvPr>
+            <p:ph type="dt" sz="half" idx="10"/>
+          </p:nvPr>
+        </p:nvSpPr>
+        <p:spPr/>
+        <p:txBody>
+          <a:bodyPr/>
+          <a:lstStyle/>
+          <a:p>
+            <a:pPr rtl="0"/>
+            <a:fld id="{F8ECB1CE-D645-47DB-89A7-8AB0E6308395}" type="datetime1">
+              <a:rPr lang="en-GB" smtClean="0"/>
+              <a:t>06/08/2024</a:t>
+            </a:fld>
+            <a:endParaRPr lang="en-GB"/>
+          </a:p>
+        </p:txBody>
+      </p:sp>
+      <p:sp>
+        <p:nvSpPr>
+          <p:cNvPr id="5" name="Footer Placeholder 4">
+            <a:extLst>
+              <a:ext uri="{FF2B5EF4-FFF2-40B4-BE49-F238E27FC236}">
+                <a16:creationId xmlns:a16="http://schemas.microsoft.com/office/drawing/2014/main" id="{6A79804C-CE63-679C-0044-D91D6F5214EB}"/>
+              </a:ext>
+            </a:extLst>
+          </p:cNvPr>
+          <p:cNvSpPr>
+            <a:spLocks noGrp="1"/>
+          </p:cNvSpPr>
+          <p:nvPr>
+            <p:ph type="ftr" sz="quarter" idx="11"/>
+          </p:nvPr>
+        </p:nvSpPr>
+        <p:spPr/>
+        <p:txBody>
+          <a:bodyPr/>
+          <a:lstStyle/>
+          <a:p>
+            <a:pPr rtl="0"/>
+            <a:r>
+              <a:rPr lang="en-GB"/>
+              <a:t>PyDTS Overview</a:t>
+            </a:r>
+          </a:p>
+        </p:txBody>
+      </p:sp>
+      <p:sp>
+        <p:nvSpPr>
+          <p:cNvPr id="6" name="Slide Number Placeholder 5">
+            <a:extLst>
+              <a:ext uri="{FF2B5EF4-FFF2-40B4-BE49-F238E27FC236}">
+                <a16:creationId xmlns:a16="http://schemas.microsoft.com/office/drawing/2014/main" id="{08EFB839-54B0-8354-2E48-563B864CCCE7}"/>
+              </a:ext>
+            </a:extLst>
+          </p:cNvPr>
+          <p:cNvSpPr>
+            <a:spLocks noGrp="1"/>
+          </p:cNvSpPr>
+          <p:nvPr>
+            <p:ph type="sldNum" sz="quarter" idx="12"/>
+          </p:nvPr>
+        </p:nvSpPr>
+        <p:spPr/>
+        <p:txBody>
+          <a:bodyPr/>
+          <a:lstStyle/>
+          <a:p>
+            <a:pPr rtl="0"/>
+            <a:fld id="{C014DD1E-5D91-48A3-AD6D-45FBA980D106}" type="slidenum">
+              <a:rPr lang="en-DE" smtClean="0"/>
+              <a:t>38</a:t>
+            </a:fld>
+            <a:endParaRPr lang="en-DE"/>
+          </a:p>
+        </p:txBody>
+      </p:sp>
+    </p:spTree>
+    <p:extLst>
+      <p:ext uri="{BB962C8B-B14F-4D97-AF65-F5344CB8AC3E}">
+        <p14:creationId xmlns:p14="http://schemas.microsoft.com/office/powerpoint/2010/main" val="3576261984"/>
+      </p:ext>
+    </p:extLst>
+  </p:cSld>
+  <p:clrMapOvr>
+    <a:masterClrMapping/>
+  </p:clrMapOvr>
+  <mc:AlternateContent xmlns:mc="http://schemas.openxmlformats.org/markup-compatibility/2006" xmlns:p14="http://schemas.microsoft.com/office/powerpoint/2010/main">
+    <mc:Choice Requires="p14">
+      <p:transition spd="med" p14:dur="700">
+        <p:fade/>
+      </p:transition>
+    </mc:Choice>
+    <mc:Fallback xmlns="">
+      <p:transition spd="med">
+        <p:fade/>
+      </p:transition>
+    </mc:Fallback>
+  </mc:AlternateContent>
+</p:sld>
+</file>
+
+<file path=ppt/slides/slide39.xml><?xml version="1.0" encoding="utf-8"?>
+<p:sld xmlns:a="http://schemas.openxmlformats.org/drawingml/2006/main" xmlns:r="http://schemas.openxmlformats.org/officeDocument/2006/relationships" xmlns:p="http://schemas.openxmlformats.org/presentationml/2006/main">
+  <p:cSld>
+    <p:spTree>
+      <p:nvGrpSpPr>
+        <p:cNvPr id="1" name=""/>
+        <p:cNvGrpSpPr/>
+        <p:nvPr/>
+      </p:nvGrpSpPr>
+      <p:grpSpPr>
+        <a:xfrm>
+          <a:off x="0" y="0"/>
+          <a:ext cx="0" cy="0"/>
+          <a:chOff x="0" y="0"/>
+          <a:chExt cx="0" cy="0"/>
+        </a:xfrm>
+      </p:grpSpPr>
+      <p:sp>
+        <p:nvSpPr>
+          <p:cNvPr id="7" name="Title 6">
+            <a:extLst>
+              <a:ext uri="{FF2B5EF4-FFF2-40B4-BE49-F238E27FC236}">
+                <a16:creationId xmlns:a16="http://schemas.microsoft.com/office/drawing/2014/main" id="{E5F24F6D-6AC8-A41B-7BDF-074D2E54FA2D}"/>
+              </a:ext>
+            </a:extLst>
+          </p:cNvPr>
+          <p:cNvSpPr>
+            <a:spLocks noGrp="1"/>
+          </p:cNvSpPr>
+          <p:nvPr>
+            <p:ph type="title"/>
+          </p:nvPr>
+        </p:nvSpPr>
+        <p:spPr/>
+        <p:txBody>
+          <a:bodyPr anchor="ctr"/>
+          <a:lstStyle/>
+          <a:p>
+            <a:r>
+              <a:rPr lang="en-GB" dirty="0"/>
+              <a:t>G</a:t>
+            </a:r>
+            <a:endParaRPr lang="en-DE" dirty="0"/>
+          </a:p>
+        </p:txBody>
+      </p:sp>
+      <p:sp>
+        <p:nvSpPr>
+          <p:cNvPr id="8" name="Text Placeholder 7">
+            <a:extLst>
+              <a:ext uri="{FF2B5EF4-FFF2-40B4-BE49-F238E27FC236}">
+                <a16:creationId xmlns:a16="http://schemas.microsoft.com/office/drawing/2014/main" id="{3CFC64F3-4654-1561-9E87-8803B529B0C2}"/>
+              </a:ext>
+            </a:extLst>
+          </p:cNvPr>
+          <p:cNvSpPr>
+            <a:spLocks noGrp="1"/>
+          </p:cNvSpPr>
+          <p:nvPr>
+            <p:ph type="body" idx="1"/>
+          </p:nvPr>
+        </p:nvSpPr>
+        <p:spPr/>
+        <p:txBody>
+          <a:bodyPr/>
+          <a:lstStyle/>
+          <a:p>
+            <a:r>
+              <a:rPr lang="en-GB" dirty="0"/>
+              <a:t>References</a:t>
+            </a:r>
+            <a:endParaRPr lang="en-DE" dirty="0"/>
+          </a:p>
+        </p:txBody>
+      </p:sp>
+      <p:sp>
+        <p:nvSpPr>
+          <p:cNvPr id="4" name="Date Placeholder 3">
+            <a:extLst>
+              <a:ext uri="{FF2B5EF4-FFF2-40B4-BE49-F238E27FC236}">
+                <a16:creationId xmlns:a16="http://schemas.microsoft.com/office/drawing/2014/main" id="{0ED320F4-9A81-164F-EF4D-A71414F0A99C}"/>
+              </a:ext>
+            </a:extLst>
+          </p:cNvPr>
+          <p:cNvSpPr>
+            <a:spLocks noGrp="1"/>
+          </p:cNvSpPr>
+          <p:nvPr>
+            <p:ph type="dt" sz="half" idx="10"/>
+          </p:nvPr>
+        </p:nvSpPr>
+        <p:spPr/>
+        <p:txBody>
+          <a:bodyPr/>
+          <a:lstStyle/>
+          <a:p>
+            <a:pPr rtl="0"/>
+            <a:fld id="{F8ECB1CE-D645-47DB-89A7-8AB0E6308395}" type="datetime1">
+              <a:rPr lang="en-GB" smtClean="0"/>
+              <a:t>06/08/2024</a:t>
+            </a:fld>
+            <a:endParaRPr lang="en-GB"/>
+          </a:p>
+        </p:txBody>
+      </p:sp>
+      <p:sp>
+        <p:nvSpPr>
+          <p:cNvPr id="5" name="Footer Placeholder 4">
+            <a:extLst>
+              <a:ext uri="{FF2B5EF4-FFF2-40B4-BE49-F238E27FC236}">
+                <a16:creationId xmlns:a16="http://schemas.microsoft.com/office/drawing/2014/main" id="{6A79804C-CE63-679C-0044-D91D6F5214EB}"/>
+              </a:ext>
+            </a:extLst>
+          </p:cNvPr>
+          <p:cNvSpPr>
+            <a:spLocks noGrp="1"/>
+          </p:cNvSpPr>
+          <p:nvPr>
+            <p:ph type="ftr" sz="quarter" idx="11"/>
+          </p:nvPr>
+        </p:nvSpPr>
+        <p:spPr/>
+        <p:txBody>
+          <a:bodyPr/>
+          <a:lstStyle/>
+          <a:p>
+            <a:pPr rtl="0"/>
+            <a:r>
+              <a:rPr lang="en-GB"/>
+              <a:t>PyDTS Overview</a:t>
+            </a:r>
+          </a:p>
+        </p:txBody>
+      </p:sp>
+      <p:sp>
+        <p:nvSpPr>
+          <p:cNvPr id="6" name="Slide Number Placeholder 5">
+            <a:extLst>
+              <a:ext uri="{FF2B5EF4-FFF2-40B4-BE49-F238E27FC236}">
+                <a16:creationId xmlns:a16="http://schemas.microsoft.com/office/drawing/2014/main" id="{08EFB839-54B0-8354-2E48-563B864CCCE7}"/>
+              </a:ext>
+            </a:extLst>
+          </p:cNvPr>
+          <p:cNvSpPr>
+            <a:spLocks noGrp="1"/>
+          </p:cNvSpPr>
+          <p:nvPr>
+            <p:ph type="sldNum" sz="quarter" idx="12"/>
+          </p:nvPr>
+        </p:nvSpPr>
+        <p:spPr/>
+        <p:txBody>
+          <a:bodyPr/>
+          <a:lstStyle/>
+          <a:p>
+            <a:pPr rtl="0"/>
+            <a:fld id="{C014DD1E-5D91-48A3-AD6D-45FBA980D106}" type="slidenum">
+              <a:rPr lang="en-DE" smtClean="0"/>
+              <a:t>39</a:t>
+            </a:fld>
+            <a:endParaRPr lang="en-DE"/>
+          </a:p>
+        </p:txBody>
+      </p:sp>
+    </p:spTree>
+    <p:extLst>
+      <p:ext uri="{BB962C8B-B14F-4D97-AF65-F5344CB8AC3E}">
+        <p14:creationId xmlns:p14="http://schemas.microsoft.com/office/powerpoint/2010/main" val="2085390260"/>
       </p:ext>
     </p:extLst>
   </p:cSld>
@@ -10544,7 +15699,7 @@
           <p:cNvPr id="7" name="Title 6">
             <a:extLst>
               <a:ext uri="{FF2B5EF4-FFF2-40B4-BE49-F238E27FC236}">
-                <a16:creationId xmlns:a16="http://schemas.microsoft.com/office/drawing/2014/main" id="{E5F24F6D-6AC8-A41B-7BDF-074D2E54FA2D}"/>
+                <a16:creationId xmlns:a16="http://schemas.microsoft.com/office/drawing/2014/main" id="{37707CF7-B372-DD32-8FA7-7BA7EA531EE2}"/>
               </a:ext>
             </a:extLst>
           </p:cNvPr>
@@ -10557,43 +15712,63 @@
         </p:nvSpPr>
         <p:spPr/>
         <p:txBody>
-          <a:bodyPr anchor="ctr"/>
+          <a:bodyPr/>
           <a:lstStyle/>
           <a:p>
             <a:r>
               <a:rPr lang="en-GB" dirty="0"/>
-              <a:t>B</a:t>
-            </a:r>
-            <a:endParaRPr lang="en-DE" dirty="0"/>
-          </a:p>
-        </p:txBody>
-      </p:sp>
-      <p:sp>
-        <p:nvSpPr>
-          <p:cNvPr id="8" name="Text Placeholder 7">
-            <a:extLst>
-              <a:ext uri="{FF2B5EF4-FFF2-40B4-BE49-F238E27FC236}">
-                <a16:creationId xmlns:a16="http://schemas.microsoft.com/office/drawing/2014/main" id="{3CFC64F3-4654-1561-9E87-8803B529B0C2}"/>
-              </a:ext>
-            </a:extLst>
-          </p:cNvPr>
-          <p:cNvSpPr>
-            <a:spLocks noGrp="1"/>
-          </p:cNvSpPr>
-          <p:nvPr>
-            <p:ph type="body" idx="1"/>
-          </p:nvPr>
-        </p:nvSpPr>
-        <p:spPr/>
-        <p:txBody>
-          <a:bodyPr/>
-          <a:lstStyle/>
-          <a:p>
-            <a:r>
-              <a:rPr lang="en-GB" dirty="0"/>
-              <a:t>Theoretical Background</a:t>
-            </a:r>
-            <a:endParaRPr lang="en-DE" dirty="0"/>
+              <a:t>Aims and Goals</a:t>
+            </a:r>
+          </a:p>
+        </p:txBody>
+      </p:sp>
+      <p:sp>
+        <p:nvSpPr>
+          <p:cNvPr id="8" name="Content Placeholder 7">
+            <a:extLst>
+              <a:ext uri="{FF2B5EF4-FFF2-40B4-BE49-F238E27FC236}">
+                <a16:creationId xmlns:a16="http://schemas.microsoft.com/office/drawing/2014/main" id="{BE608239-E489-1490-6F8B-E22DAC719CDC}"/>
+              </a:ext>
+            </a:extLst>
+          </p:cNvPr>
+          <p:cNvSpPr>
+            <a:spLocks noGrp="1"/>
+          </p:cNvSpPr>
+          <p:nvPr>
+            <p:ph sz="half" idx="1"/>
+          </p:nvPr>
+        </p:nvSpPr>
+        <p:spPr/>
+        <p:txBody>
+          <a:bodyPr/>
+          <a:lstStyle/>
+          <a:p>
+            <a:endParaRPr lang="en-GB"/>
+          </a:p>
+        </p:txBody>
+      </p:sp>
+      <p:sp>
+        <p:nvSpPr>
+          <p:cNvPr id="9" name="Content Placeholder 8">
+            <a:extLst>
+              <a:ext uri="{FF2B5EF4-FFF2-40B4-BE49-F238E27FC236}">
+                <a16:creationId xmlns:a16="http://schemas.microsoft.com/office/drawing/2014/main" id="{47D3A2D6-4EAA-41DF-BE8A-6F1CC6E224EA}"/>
+              </a:ext>
+            </a:extLst>
+          </p:cNvPr>
+          <p:cNvSpPr>
+            <a:spLocks noGrp="1"/>
+          </p:cNvSpPr>
+          <p:nvPr>
+            <p:ph sz="half" idx="2"/>
+          </p:nvPr>
+        </p:nvSpPr>
+        <p:spPr/>
+        <p:txBody>
+          <a:bodyPr/>
+          <a:lstStyle/>
+          <a:p>
+            <a:endParaRPr lang="en-GB"/>
           </a:p>
         </p:txBody>
       </p:sp>
@@ -10602,7 +15777,7 @@
           <p:cNvPr id="4" name="Date Placeholder 3">
             <a:extLst>
               <a:ext uri="{FF2B5EF4-FFF2-40B4-BE49-F238E27FC236}">
-                <a16:creationId xmlns:a16="http://schemas.microsoft.com/office/drawing/2014/main" id="{0ED320F4-9A81-164F-EF4D-A71414F0A99C}"/>
+                <a16:creationId xmlns:a16="http://schemas.microsoft.com/office/drawing/2014/main" id="{A92D8E36-A504-8FD1-34E6-957FCEED9D12}"/>
               </a:ext>
             </a:extLst>
           </p:cNvPr>
@@ -10619,9 +15794,9 @@
           <a:lstStyle/>
           <a:p>
             <a:pPr rtl="0"/>
-            <a:fld id="{F8ECB1CE-D645-47DB-89A7-8AB0E6308395}" type="datetime1">
+            <a:fld id="{02F9FB9D-C6CC-418B-8DE5-9B72A1F2A797}" type="datetime1">
               <a:rPr lang="en-GB" smtClean="0"/>
-              <a:t>15/05/2024</a:t>
+              <a:t>06/08/2024</a:t>
             </a:fld>
             <a:endParaRPr lang="en-GB"/>
           </a:p>
@@ -10632,7 +15807,7 @@
           <p:cNvPr id="5" name="Footer Placeholder 4">
             <a:extLst>
               <a:ext uri="{FF2B5EF4-FFF2-40B4-BE49-F238E27FC236}">
-                <a16:creationId xmlns:a16="http://schemas.microsoft.com/office/drawing/2014/main" id="{6A79804C-CE63-679C-0044-D91D6F5214EB}"/>
+                <a16:creationId xmlns:a16="http://schemas.microsoft.com/office/drawing/2014/main" id="{ECF12003-0FE7-990E-A654-6E747B2ABBA9}"/>
               </a:ext>
             </a:extLst>
           </p:cNvPr>
@@ -10661,7 +15836,7 @@
           <p:cNvPr id="6" name="Slide Number Placeholder 5">
             <a:extLst>
               <a:ext uri="{FF2B5EF4-FFF2-40B4-BE49-F238E27FC236}">
-                <a16:creationId xmlns:a16="http://schemas.microsoft.com/office/drawing/2014/main" id="{08EFB839-54B0-8354-2E48-563B864CCCE7}"/>
+                <a16:creationId xmlns:a16="http://schemas.microsoft.com/office/drawing/2014/main" id="{2CD746E0-A0C6-68EF-2E0F-AAEF58EFFED7}"/>
               </a:ext>
             </a:extLst>
           </p:cNvPr>
@@ -10679,17 +15854,17 @@
           <a:p>
             <a:pPr rtl="0"/>
             <a:fld id="{C014DD1E-5D91-48A3-AD6D-45FBA980D106}" type="slidenum">
-              <a:rPr lang="en-DE" smtClean="0"/>
+              <a:rPr lang="en-GB" smtClean="0"/>
               <a:t>4</a:t>
             </a:fld>
-            <a:endParaRPr lang="en-DE"/>
+            <a:endParaRPr lang="en-GB"/>
           </a:p>
         </p:txBody>
       </p:sp>
     </p:spTree>
     <p:extLst>
       <p:ext uri="{BB962C8B-B14F-4D97-AF65-F5344CB8AC3E}">
-        <p14:creationId xmlns:p14="http://schemas.microsoft.com/office/powerpoint/2010/main" val="1999943328"/>
+        <p14:creationId xmlns:p14="http://schemas.microsoft.com/office/powerpoint/2010/main" val="3552019857"/>
       </p:ext>
     </p:extLst>
   </p:cSld>
@@ -10733,7 +15908,7 @@
           <p:cNvPr id="7" name="Title 6">
             <a:extLst>
               <a:ext uri="{FF2B5EF4-FFF2-40B4-BE49-F238E27FC236}">
-                <a16:creationId xmlns:a16="http://schemas.microsoft.com/office/drawing/2014/main" id="{E5F24F6D-6AC8-A41B-7BDF-074D2E54FA2D}"/>
+                <a16:creationId xmlns:a16="http://schemas.microsoft.com/office/drawing/2014/main" id="{37707CF7-B372-DD32-8FA7-7BA7EA531EE2}"/>
               </a:ext>
             </a:extLst>
           </p:cNvPr>
@@ -10746,43 +15921,63 @@
         </p:nvSpPr>
         <p:spPr/>
         <p:txBody>
-          <a:bodyPr anchor="ctr"/>
+          <a:bodyPr/>
           <a:lstStyle/>
           <a:p>
             <a:r>
               <a:rPr lang="en-GB" dirty="0"/>
-              <a:t>B1</a:t>
-            </a:r>
-            <a:endParaRPr lang="en-DE" dirty="0"/>
-          </a:p>
-        </p:txBody>
-      </p:sp>
-      <p:sp>
-        <p:nvSpPr>
-          <p:cNvPr id="8" name="Text Placeholder 7">
-            <a:extLst>
-              <a:ext uri="{FF2B5EF4-FFF2-40B4-BE49-F238E27FC236}">
-                <a16:creationId xmlns:a16="http://schemas.microsoft.com/office/drawing/2014/main" id="{3CFC64F3-4654-1561-9E87-8803B529B0C2}"/>
-              </a:ext>
-            </a:extLst>
-          </p:cNvPr>
-          <p:cNvSpPr>
-            <a:spLocks noGrp="1"/>
-          </p:cNvSpPr>
-          <p:nvPr>
-            <p:ph type="body" idx="1"/>
-          </p:nvPr>
-        </p:nvSpPr>
-        <p:spPr/>
-        <p:txBody>
-          <a:bodyPr/>
-          <a:lstStyle/>
-          <a:p>
-            <a:r>
-              <a:rPr lang="en-GB" dirty="0"/>
-              <a:t>Included Topologies</a:t>
-            </a:r>
-            <a:endParaRPr lang="en-DE" dirty="0"/>
+              <a:t>Dependencies</a:t>
+            </a:r>
+          </a:p>
+        </p:txBody>
+      </p:sp>
+      <p:sp>
+        <p:nvSpPr>
+          <p:cNvPr id="8" name="Content Placeholder 7">
+            <a:extLst>
+              <a:ext uri="{FF2B5EF4-FFF2-40B4-BE49-F238E27FC236}">
+                <a16:creationId xmlns:a16="http://schemas.microsoft.com/office/drawing/2014/main" id="{BE608239-E489-1490-6F8B-E22DAC719CDC}"/>
+              </a:ext>
+            </a:extLst>
+          </p:cNvPr>
+          <p:cNvSpPr>
+            <a:spLocks noGrp="1"/>
+          </p:cNvSpPr>
+          <p:nvPr>
+            <p:ph sz="half" idx="1"/>
+          </p:nvPr>
+        </p:nvSpPr>
+        <p:spPr/>
+        <p:txBody>
+          <a:bodyPr/>
+          <a:lstStyle/>
+          <a:p>
+            <a:endParaRPr lang="en-GB"/>
+          </a:p>
+        </p:txBody>
+      </p:sp>
+      <p:sp>
+        <p:nvSpPr>
+          <p:cNvPr id="9" name="Content Placeholder 8">
+            <a:extLst>
+              <a:ext uri="{FF2B5EF4-FFF2-40B4-BE49-F238E27FC236}">
+                <a16:creationId xmlns:a16="http://schemas.microsoft.com/office/drawing/2014/main" id="{47D3A2D6-4EAA-41DF-BE8A-6F1CC6E224EA}"/>
+              </a:ext>
+            </a:extLst>
+          </p:cNvPr>
+          <p:cNvSpPr>
+            <a:spLocks noGrp="1"/>
+          </p:cNvSpPr>
+          <p:nvPr>
+            <p:ph sz="half" idx="2"/>
+          </p:nvPr>
+        </p:nvSpPr>
+        <p:spPr/>
+        <p:txBody>
+          <a:bodyPr/>
+          <a:lstStyle/>
+          <a:p>
+            <a:endParaRPr lang="en-GB"/>
           </a:p>
         </p:txBody>
       </p:sp>
@@ -10791,7 +15986,7 @@
           <p:cNvPr id="4" name="Date Placeholder 3">
             <a:extLst>
               <a:ext uri="{FF2B5EF4-FFF2-40B4-BE49-F238E27FC236}">
-                <a16:creationId xmlns:a16="http://schemas.microsoft.com/office/drawing/2014/main" id="{0ED320F4-9A81-164F-EF4D-A71414F0A99C}"/>
+                <a16:creationId xmlns:a16="http://schemas.microsoft.com/office/drawing/2014/main" id="{A92D8E36-A504-8FD1-34E6-957FCEED9D12}"/>
               </a:ext>
             </a:extLst>
           </p:cNvPr>
@@ -10808,9 +16003,9 @@
           <a:lstStyle/>
           <a:p>
             <a:pPr rtl="0"/>
-            <a:fld id="{F8ECB1CE-D645-47DB-89A7-8AB0E6308395}" type="datetime1">
+            <a:fld id="{02F9FB9D-C6CC-418B-8DE5-9B72A1F2A797}" type="datetime1">
               <a:rPr lang="en-GB" smtClean="0"/>
-              <a:t>15/05/2024</a:t>
+              <a:t>06/08/2024</a:t>
             </a:fld>
             <a:endParaRPr lang="en-GB"/>
           </a:p>
@@ -10821,7 +16016,7 @@
           <p:cNvPr id="5" name="Footer Placeholder 4">
             <a:extLst>
               <a:ext uri="{FF2B5EF4-FFF2-40B4-BE49-F238E27FC236}">
-                <a16:creationId xmlns:a16="http://schemas.microsoft.com/office/drawing/2014/main" id="{6A79804C-CE63-679C-0044-D91D6F5214EB}"/>
+                <a16:creationId xmlns:a16="http://schemas.microsoft.com/office/drawing/2014/main" id="{ECF12003-0FE7-990E-A654-6E747B2ABBA9}"/>
               </a:ext>
             </a:extLst>
           </p:cNvPr>
@@ -10850,7 +16045,7 @@
           <p:cNvPr id="6" name="Slide Number Placeholder 5">
             <a:extLst>
               <a:ext uri="{FF2B5EF4-FFF2-40B4-BE49-F238E27FC236}">
-                <a16:creationId xmlns:a16="http://schemas.microsoft.com/office/drawing/2014/main" id="{08EFB839-54B0-8354-2E48-563B864CCCE7}"/>
+                <a16:creationId xmlns:a16="http://schemas.microsoft.com/office/drawing/2014/main" id="{2CD746E0-A0C6-68EF-2E0F-AAEF58EFFED7}"/>
               </a:ext>
             </a:extLst>
           </p:cNvPr>
@@ -10868,17 +16063,17 @@
           <a:p>
             <a:pPr rtl="0"/>
             <a:fld id="{C014DD1E-5D91-48A3-AD6D-45FBA980D106}" type="slidenum">
-              <a:rPr lang="en-DE" smtClean="0"/>
+              <a:rPr lang="en-GB" smtClean="0"/>
               <a:t>5</a:t>
             </a:fld>
-            <a:endParaRPr lang="en-DE"/>
+            <a:endParaRPr lang="en-GB"/>
           </a:p>
         </p:txBody>
       </p:sp>
     </p:spTree>
     <p:extLst>
       <p:ext uri="{BB962C8B-B14F-4D97-AF65-F5344CB8AC3E}">
-        <p14:creationId xmlns:p14="http://schemas.microsoft.com/office/powerpoint/2010/main" val="4190869705"/>
+        <p14:creationId xmlns:p14="http://schemas.microsoft.com/office/powerpoint/2010/main" val="138796717"/>
       </p:ext>
     </p:extLst>
   </p:cSld>
@@ -10922,7 +16117,7 @@
           <p:cNvPr id="7" name="Title 6">
             <a:extLst>
               <a:ext uri="{FF2B5EF4-FFF2-40B4-BE49-F238E27FC236}">
-                <a16:creationId xmlns:a16="http://schemas.microsoft.com/office/drawing/2014/main" id="{E5F24F6D-6AC8-A41B-7BDF-074D2E54FA2D}"/>
+                <a16:creationId xmlns:a16="http://schemas.microsoft.com/office/drawing/2014/main" id="{37707CF7-B372-DD32-8FA7-7BA7EA531EE2}"/>
               </a:ext>
             </a:extLst>
           </p:cNvPr>
@@ -10935,43 +16130,63 @@
         </p:nvSpPr>
         <p:spPr/>
         <p:txBody>
-          <a:bodyPr anchor="ctr"/>
+          <a:bodyPr/>
           <a:lstStyle/>
           <a:p>
             <a:r>
               <a:rPr lang="en-GB" dirty="0"/>
-              <a:t>B2</a:t>
-            </a:r>
-            <a:endParaRPr lang="en-DE" dirty="0"/>
-          </a:p>
-        </p:txBody>
-      </p:sp>
-      <p:sp>
-        <p:nvSpPr>
-          <p:cNvPr id="8" name="Text Placeholder 7">
-            <a:extLst>
-              <a:ext uri="{FF2B5EF4-FFF2-40B4-BE49-F238E27FC236}">
-                <a16:creationId xmlns:a16="http://schemas.microsoft.com/office/drawing/2014/main" id="{3CFC64F3-4654-1561-9E87-8803B529B0C2}"/>
-              </a:ext>
-            </a:extLst>
-          </p:cNvPr>
-          <p:cNvSpPr>
-            <a:spLocks noGrp="1"/>
-          </p:cNvSpPr>
-          <p:nvPr>
-            <p:ph type="body" idx="1"/>
-          </p:nvPr>
-        </p:nvSpPr>
-        <p:spPr/>
-        <p:txBody>
-          <a:bodyPr/>
-          <a:lstStyle/>
-          <a:p>
-            <a:r>
-              <a:rPr lang="en-GB" dirty="0"/>
-              <a:t>PWM Waveform Generation</a:t>
-            </a:r>
-            <a:endParaRPr lang="en-DE" dirty="0"/>
+              <a:t>Dependencies</a:t>
+            </a:r>
+          </a:p>
+        </p:txBody>
+      </p:sp>
+      <p:sp>
+        <p:nvSpPr>
+          <p:cNvPr id="8" name="Content Placeholder 7">
+            <a:extLst>
+              <a:ext uri="{FF2B5EF4-FFF2-40B4-BE49-F238E27FC236}">
+                <a16:creationId xmlns:a16="http://schemas.microsoft.com/office/drawing/2014/main" id="{BE608239-E489-1490-6F8B-E22DAC719CDC}"/>
+              </a:ext>
+            </a:extLst>
+          </p:cNvPr>
+          <p:cNvSpPr>
+            <a:spLocks noGrp="1"/>
+          </p:cNvSpPr>
+          <p:nvPr>
+            <p:ph sz="half" idx="1"/>
+          </p:nvPr>
+        </p:nvSpPr>
+        <p:spPr/>
+        <p:txBody>
+          <a:bodyPr/>
+          <a:lstStyle/>
+          <a:p>
+            <a:endParaRPr lang="en-GB"/>
+          </a:p>
+        </p:txBody>
+      </p:sp>
+      <p:sp>
+        <p:nvSpPr>
+          <p:cNvPr id="9" name="Content Placeholder 8">
+            <a:extLst>
+              <a:ext uri="{FF2B5EF4-FFF2-40B4-BE49-F238E27FC236}">
+                <a16:creationId xmlns:a16="http://schemas.microsoft.com/office/drawing/2014/main" id="{47D3A2D6-4EAA-41DF-BE8A-6F1CC6E224EA}"/>
+              </a:ext>
+            </a:extLst>
+          </p:cNvPr>
+          <p:cNvSpPr>
+            <a:spLocks noGrp="1"/>
+          </p:cNvSpPr>
+          <p:nvPr>
+            <p:ph sz="half" idx="2"/>
+          </p:nvPr>
+        </p:nvSpPr>
+        <p:spPr/>
+        <p:txBody>
+          <a:bodyPr/>
+          <a:lstStyle/>
+          <a:p>
+            <a:endParaRPr lang="en-GB"/>
           </a:p>
         </p:txBody>
       </p:sp>
@@ -10980,7 +16195,7 @@
           <p:cNvPr id="4" name="Date Placeholder 3">
             <a:extLst>
               <a:ext uri="{FF2B5EF4-FFF2-40B4-BE49-F238E27FC236}">
-                <a16:creationId xmlns:a16="http://schemas.microsoft.com/office/drawing/2014/main" id="{0ED320F4-9A81-164F-EF4D-A71414F0A99C}"/>
+                <a16:creationId xmlns:a16="http://schemas.microsoft.com/office/drawing/2014/main" id="{A92D8E36-A504-8FD1-34E6-957FCEED9D12}"/>
               </a:ext>
             </a:extLst>
           </p:cNvPr>
@@ -10997,9 +16212,9 @@
           <a:lstStyle/>
           <a:p>
             <a:pPr rtl="0"/>
-            <a:fld id="{F8ECB1CE-D645-47DB-89A7-8AB0E6308395}" type="datetime1">
+            <a:fld id="{02F9FB9D-C6CC-418B-8DE5-9B72A1F2A797}" type="datetime1">
               <a:rPr lang="en-GB" smtClean="0"/>
-              <a:t>15/05/2024</a:t>
+              <a:t>06/08/2024</a:t>
             </a:fld>
             <a:endParaRPr lang="en-GB"/>
           </a:p>
@@ -11010,7 +16225,7 @@
           <p:cNvPr id="5" name="Footer Placeholder 4">
             <a:extLst>
               <a:ext uri="{FF2B5EF4-FFF2-40B4-BE49-F238E27FC236}">
-                <a16:creationId xmlns:a16="http://schemas.microsoft.com/office/drawing/2014/main" id="{6A79804C-CE63-679C-0044-D91D6F5214EB}"/>
+                <a16:creationId xmlns:a16="http://schemas.microsoft.com/office/drawing/2014/main" id="{ECF12003-0FE7-990E-A654-6E747B2ABBA9}"/>
               </a:ext>
             </a:extLst>
           </p:cNvPr>
@@ -11039,7 +16254,7 @@
           <p:cNvPr id="6" name="Slide Number Placeholder 5">
             <a:extLst>
               <a:ext uri="{FF2B5EF4-FFF2-40B4-BE49-F238E27FC236}">
-                <a16:creationId xmlns:a16="http://schemas.microsoft.com/office/drawing/2014/main" id="{08EFB839-54B0-8354-2E48-563B864CCCE7}"/>
+                <a16:creationId xmlns:a16="http://schemas.microsoft.com/office/drawing/2014/main" id="{2CD746E0-A0C6-68EF-2E0F-AAEF58EFFED7}"/>
               </a:ext>
             </a:extLst>
           </p:cNvPr>
@@ -11057,17 +16272,17 @@
           <a:p>
             <a:pPr rtl="0"/>
             <a:fld id="{C014DD1E-5D91-48A3-AD6D-45FBA980D106}" type="slidenum">
-              <a:rPr lang="en-DE" smtClean="0"/>
+              <a:rPr lang="en-GB" smtClean="0"/>
               <a:t>6</a:t>
             </a:fld>
-            <a:endParaRPr lang="en-DE"/>
+            <a:endParaRPr lang="en-GB"/>
           </a:p>
         </p:txBody>
       </p:sp>
     </p:spTree>
     <p:extLst>
       <p:ext uri="{BB962C8B-B14F-4D97-AF65-F5344CB8AC3E}">
-        <p14:creationId xmlns:p14="http://schemas.microsoft.com/office/powerpoint/2010/main" val="547700049"/>
+        <p14:creationId xmlns:p14="http://schemas.microsoft.com/office/powerpoint/2010/main" val="3244389885"/>
       </p:ext>
     </p:extLst>
   </p:cSld>
@@ -11129,7 +16344,7 @@
           <a:p>
             <a:r>
               <a:rPr lang="en-GB" dirty="0"/>
-              <a:t>B3</a:t>
+              <a:t>B</a:t>
             </a:r>
             <a:endParaRPr lang="en-DE" dirty="0"/>
           </a:p>
@@ -11158,11 +16373,7 @@
           <a:p>
             <a:r>
               <a:rPr lang="en-GB" dirty="0"/>
-              <a:t>Device </a:t>
-            </a:r>
-            <a:r>
-              <a:rPr lang="en-GB" dirty="0" err="1"/>
-              <a:t>modeling</a:t>
+              <a:t>Theoretical Background</a:t>
             </a:r>
             <a:endParaRPr lang="en-DE" dirty="0"/>
           </a:p>
@@ -11192,7 +16403,7 @@
             <a:pPr rtl="0"/>
             <a:fld id="{F8ECB1CE-D645-47DB-89A7-8AB0E6308395}" type="datetime1">
               <a:rPr lang="en-GB" smtClean="0"/>
-              <a:t>15/05/2024</a:t>
+              <a:t>06/08/2024</a:t>
             </a:fld>
             <a:endParaRPr lang="en-GB"/>
           </a:p>
@@ -11260,7 +16471,7 @@
     </p:spTree>
     <p:extLst>
       <p:ext uri="{BB962C8B-B14F-4D97-AF65-F5344CB8AC3E}">
-        <p14:creationId xmlns:p14="http://schemas.microsoft.com/office/powerpoint/2010/main" val="113997250"/>
+        <p14:creationId xmlns:p14="http://schemas.microsoft.com/office/powerpoint/2010/main" val="1999943328"/>
       </p:ext>
     </p:extLst>
   </p:cSld>
@@ -11322,7 +16533,7 @@
           <a:p>
             <a:r>
               <a:rPr lang="en-GB" dirty="0"/>
-              <a:t>B4</a:t>
+              <a:t>B1</a:t>
             </a:r>
             <a:endParaRPr lang="en-DE" dirty="0"/>
           </a:p>
@@ -11351,11 +16562,7 @@
           <a:p>
             <a:r>
               <a:rPr lang="en-GB" dirty="0"/>
-              <a:t>Thermal </a:t>
-            </a:r>
-            <a:r>
-              <a:rPr lang="en-GB" dirty="0" err="1"/>
-              <a:t>modeling</a:t>
+              <a:t>Included Topologies</a:t>
             </a:r>
             <a:endParaRPr lang="en-DE" dirty="0"/>
           </a:p>
@@ -11385,7 +16592,7 @@
             <a:pPr rtl="0"/>
             <a:fld id="{F8ECB1CE-D645-47DB-89A7-8AB0E6308395}" type="datetime1">
               <a:rPr lang="en-GB" smtClean="0"/>
-              <a:t>15/05/2024</a:t>
+              <a:t>06/08/2024</a:t>
             </a:fld>
             <a:endParaRPr lang="en-GB"/>
           </a:p>
@@ -11453,7 +16660,7 @@
     </p:spTree>
     <p:extLst>
       <p:ext uri="{BB962C8B-B14F-4D97-AF65-F5344CB8AC3E}">
-        <p14:creationId xmlns:p14="http://schemas.microsoft.com/office/powerpoint/2010/main" val="4282893212"/>
+        <p14:creationId xmlns:p14="http://schemas.microsoft.com/office/powerpoint/2010/main" val="4190869705"/>
       </p:ext>
     </p:extLst>
   </p:cSld>
@@ -11497,7 +16704,7 @@
           <p:cNvPr id="7" name="Title 6">
             <a:extLst>
               <a:ext uri="{FF2B5EF4-FFF2-40B4-BE49-F238E27FC236}">
-                <a16:creationId xmlns:a16="http://schemas.microsoft.com/office/drawing/2014/main" id="{E5F24F6D-6AC8-A41B-7BDF-074D2E54FA2D}"/>
+                <a16:creationId xmlns:a16="http://schemas.microsoft.com/office/drawing/2014/main" id="{FF69AE3F-5059-1EBC-E411-767C0C94F228}"/>
               </a:ext>
             </a:extLst>
           </p:cNvPr>
@@ -11510,14 +16717,13 @@
         </p:nvSpPr>
         <p:spPr/>
         <p:txBody>
-          <a:bodyPr anchor="ctr"/>
+          <a:bodyPr/>
           <a:lstStyle/>
           <a:p>
             <a:r>
               <a:rPr lang="en-GB" dirty="0"/>
-              <a:t>C</a:t>
-            </a:r>
-            <a:endParaRPr lang="en-DE" dirty="0"/>
+              <a:t>Half-bridge (B2)</a:t>
+            </a:r>
           </a:p>
         </p:txBody>
       </p:sp>
@@ -11526,7 +16732,7 @@
           <p:cNvPr id="8" name="Text Placeholder 7">
             <a:extLst>
               <a:ext uri="{FF2B5EF4-FFF2-40B4-BE49-F238E27FC236}">
-                <a16:creationId xmlns:a16="http://schemas.microsoft.com/office/drawing/2014/main" id="{3CFC64F3-4654-1561-9E87-8803B529B0C2}"/>
+                <a16:creationId xmlns:a16="http://schemas.microsoft.com/office/drawing/2014/main" id="{61F70A46-340D-337D-91C3-7D64F0CD885E}"/>
               </a:ext>
             </a:extLst>
           </p:cNvPr>
@@ -11542,11 +16748,82 @@
           <a:bodyPr/>
           <a:lstStyle/>
           <a:p>
-            <a:r>
-              <a:rPr lang="en-GB" dirty="0"/>
-              <a:t>GUI Overview</a:t>
-            </a:r>
-            <a:endParaRPr lang="en-DE" dirty="0"/>
+            <a:endParaRPr lang="en-GB"/>
+          </a:p>
+        </p:txBody>
+      </p:sp>
+      <p:sp>
+        <p:nvSpPr>
+          <p:cNvPr id="9" name="Content Placeholder 8">
+            <a:extLst>
+              <a:ext uri="{FF2B5EF4-FFF2-40B4-BE49-F238E27FC236}">
+                <a16:creationId xmlns:a16="http://schemas.microsoft.com/office/drawing/2014/main" id="{4D68B540-1581-0117-6808-CDFBFCB93E66}"/>
+              </a:ext>
+            </a:extLst>
+          </p:cNvPr>
+          <p:cNvSpPr>
+            <a:spLocks noGrp="1"/>
+          </p:cNvSpPr>
+          <p:nvPr>
+            <p:ph sz="half" idx="2"/>
+          </p:nvPr>
+        </p:nvSpPr>
+        <p:spPr/>
+        <p:txBody>
+          <a:bodyPr/>
+          <a:lstStyle/>
+          <a:p>
+            <a:endParaRPr lang="en-GB"/>
+          </a:p>
+        </p:txBody>
+      </p:sp>
+      <p:sp>
+        <p:nvSpPr>
+          <p:cNvPr id="10" name="Text Placeholder 9">
+            <a:extLst>
+              <a:ext uri="{FF2B5EF4-FFF2-40B4-BE49-F238E27FC236}">
+                <a16:creationId xmlns:a16="http://schemas.microsoft.com/office/drawing/2014/main" id="{BDBFF0BE-815A-AEB5-C3AF-D66CC988A7EB}"/>
+              </a:ext>
+            </a:extLst>
+          </p:cNvPr>
+          <p:cNvSpPr>
+            <a:spLocks noGrp="1"/>
+          </p:cNvSpPr>
+          <p:nvPr>
+            <p:ph type="body" sz="quarter" idx="3"/>
+          </p:nvPr>
+        </p:nvSpPr>
+        <p:spPr/>
+        <p:txBody>
+          <a:bodyPr/>
+          <a:lstStyle/>
+          <a:p>
+            <a:endParaRPr lang="en-GB"/>
+          </a:p>
+        </p:txBody>
+      </p:sp>
+      <p:sp>
+        <p:nvSpPr>
+          <p:cNvPr id="11" name="Content Placeholder 10">
+            <a:extLst>
+              <a:ext uri="{FF2B5EF4-FFF2-40B4-BE49-F238E27FC236}">
+                <a16:creationId xmlns:a16="http://schemas.microsoft.com/office/drawing/2014/main" id="{E6C6A63D-3D5D-CA55-A533-81C57432AFE2}"/>
+              </a:ext>
+            </a:extLst>
+          </p:cNvPr>
+          <p:cNvSpPr>
+            <a:spLocks noGrp="1"/>
+          </p:cNvSpPr>
+          <p:nvPr>
+            <p:ph sz="quarter" idx="4"/>
+          </p:nvPr>
+        </p:nvSpPr>
+        <p:spPr/>
+        <p:txBody>
+          <a:bodyPr/>
+          <a:lstStyle/>
+          <a:p>
+            <a:endParaRPr lang="en-GB"/>
           </a:p>
         </p:txBody>
       </p:sp>
@@ -11555,7 +16832,7 @@
           <p:cNvPr id="4" name="Date Placeholder 3">
             <a:extLst>
               <a:ext uri="{FF2B5EF4-FFF2-40B4-BE49-F238E27FC236}">
-                <a16:creationId xmlns:a16="http://schemas.microsoft.com/office/drawing/2014/main" id="{0ED320F4-9A81-164F-EF4D-A71414F0A99C}"/>
+                <a16:creationId xmlns:a16="http://schemas.microsoft.com/office/drawing/2014/main" id="{04995A65-9F16-A0C6-DDEE-C4C6BBC2AA0B}"/>
               </a:ext>
             </a:extLst>
           </p:cNvPr>
@@ -11572,9 +16849,9 @@
           <a:lstStyle/>
           <a:p>
             <a:pPr rtl="0"/>
-            <a:fld id="{F8ECB1CE-D645-47DB-89A7-8AB0E6308395}" type="datetime1">
+            <a:fld id="{02F9FB9D-C6CC-418B-8DE5-9B72A1F2A797}" type="datetime1">
               <a:rPr lang="en-GB" smtClean="0"/>
-              <a:t>15/05/2024</a:t>
+              <a:t>06/08/2024</a:t>
             </a:fld>
             <a:endParaRPr lang="en-GB"/>
           </a:p>
@@ -11585,7 +16862,7 @@
           <p:cNvPr id="5" name="Footer Placeholder 4">
             <a:extLst>
               <a:ext uri="{FF2B5EF4-FFF2-40B4-BE49-F238E27FC236}">
-                <a16:creationId xmlns:a16="http://schemas.microsoft.com/office/drawing/2014/main" id="{6A79804C-CE63-679C-0044-D91D6F5214EB}"/>
+                <a16:creationId xmlns:a16="http://schemas.microsoft.com/office/drawing/2014/main" id="{5B55B378-202B-ACF1-C6DC-B233CC599BE8}"/>
               </a:ext>
             </a:extLst>
           </p:cNvPr>
@@ -11614,7 +16891,7 @@
           <p:cNvPr id="6" name="Slide Number Placeholder 5">
             <a:extLst>
               <a:ext uri="{FF2B5EF4-FFF2-40B4-BE49-F238E27FC236}">
-                <a16:creationId xmlns:a16="http://schemas.microsoft.com/office/drawing/2014/main" id="{08EFB839-54B0-8354-2E48-563B864CCCE7}"/>
+                <a16:creationId xmlns:a16="http://schemas.microsoft.com/office/drawing/2014/main" id="{ACF547E7-31BA-5053-355D-77B68F2C1B0E}"/>
               </a:ext>
             </a:extLst>
           </p:cNvPr>
@@ -11632,17 +16909,17 @@
           <a:p>
             <a:pPr rtl="0"/>
             <a:fld id="{C014DD1E-5D91-48A3-AD6D-45FBA980D106}" type="slidenum">
-              <a:rPr lang="en-DE" smtClean="0"/>
+              <a:rPr lang="en-GB" smtClean="0"/>
               <a:t>9</a:t>
             </a:fld>
-            <a:endParaRPr lang="en-DE"/>
+            <a:endParaRPr lang="en-GB"/>
           </a:p>
         </p:txBody>
       </p:sp>
     </p:spTree>
     <p:extLst>
       <p:ext uri="{BB962C8B-B14F-4D97-AF65-F5344CB8AC3E}">
-        <p14:creationId xmlns:p14="http://schemas.microsoft.com/office/powerpoint/2010/main" val="1190344214"/>
+        <p14:creationId xmlns:p14="http://schemas.microsoft.com/office/powerpoint/2010/main" val="610522360"/>
       </p:ext>
     </p:extLst>
   </p:cSld>
@@ -12624,6 +17901,142 @@
 </file>
 
 <file path=customXml/item2.xml><?xml version="1.0" encoding="utf-8"?>
+<p:properties xmlns:p="http://schemas.microsoft.com/office/2006/metadata/properties" xmlns:xsi="http://www.w3.org/2001/XMLSchema-instance" xmlns:pc="http://schemas.microsoft.com/office/infopath/2007/PartnerControls">
+  <documentManagement>
+    <LocPublishedLinkedAssetsLookup xmlns="4873beb7-5857-4685-be1f-d57550cc96cc" xsi:nil="true"/>
+    <ApprovalStatus xmlns="4873beb7-5857-4685-be1f-d57550cc96cc">InProgress</ApprovalStatus>
+    <MarketSpecific xmlns="4873beb7-5857-4685-be1f-d57550cc96cc">false</MarketSpecific>
+    <LocComments xmlns="4873beb7-5857-4685-be1f-d57550cc96cc" xsi:nil="true"/>
+    <LocLastLocAttemptVersionTypeLookup xmlns="4873beb7-5857-4685-be1f-d57550cc96cc" xsi:nil="true"/>
+    <DirectSourceMarket xmlns="4873beb7-5857-4685-be1f-d57550cc96cc" xsi:nil="true"/>
+    <ThumbnailAssetId xmlns="4873beb7-5857-4685-be1f-d57550cc96cc" xsi:nil="true"/>
+    <PrimaryImageGen xmlns="4873beb7-5857-4685-be1f-d57550cc96cc">false</PrimaryImageGen>
+    <LocNewPublishedVersionLookup xmlns="4873beb7-5857-4685-be1f-d57550cc96cc" xsi:nil="true"/>
+    <LegacyData xmlns="4873beb7-5857-4685-be1f-d57550cc96cc" xsi:nil="true"/>
+    <LocRecommendedHandoff xmlns="4873beb7-5857-4685-be1f-d57550cc96cc" xsi:nil="true"/>
+    <BusinessGroup xmlns="4873beb7-5857-4685-be1f-d57550cc96cc" xsi:nil="true"/>
+    <BlockPublish xmlns="4873beb7-5857-4685-be1f-d57550cc96cc">false</BlockPublish>
+    <TPFriendlyName xmlns="4873beb7-5857-4685-be1f-d57550cc96cc" xsi:nil="true"/>
+    <LocOverallPublishStatusLookup xmlns="4873beb7-5857-4685-be1f-d57550cc96cc" xsi:nil="true"/>
+    <NumericId xmlns="4873beb7-5857-4685-be1f-d57550cc96cc" xsi:nil="true"/>
+    <APEditor xmlns="4873beb7-5857-4685-be1f-d57550cc96cc">
+      <UserInfo>
+        <DisplayName/>
+        <AccountId xsi:nil="true"/>
+        <AccountType/>
+      </UserInfo>
+    </APEditor>
+    <SourceTitle xmlns="4873beb7-5857-4685-be1f-d57550cc96cc" xsi:nil="true"/>
+    <OpenTemplate xmlns="4873beb7-5857-4685-be1f-d57550cc96cc">true</OpenTemplate>
+    <LocOverallLocStatusLookup xmlns="4873beb7-5857-4685-be1f-d57550cc96cc" xsi:nil="true"/>
+    <UALocComments xmlns="4873beb7-5857-4685-be1f-d57550cc96cc" xsi:nil="true"/>
+    <ParentAssetId xmlns="4873beb7-5857-4685-be1f-d57550cc96cc" xsi:nil="true"/>
+    <IntlLangReviewDate xmlns="4873beb7-5857-4685-be1f-d57550cc96cc" xsi:nil="true"/>
+    <FeatureTagsTaxHTField0 xmlns="4873beb7-5857-4685-be1f-d57550cc96cc">
+      <Terms xmlns="http://schemas.microsoft.com/office/infopath/2007/PartnerControls"/>
+    </FeatureTagsTaxHTField0>
+    <PublishStatusLookup xmlns="4873beb7-5857-4685-be1f-d57550cc96cc">
+      <Value>1345093</Value>
+    </PublishStatusLookup>
+    <Providers xmlns="4873beb7-5857-4685-be1f-d57550cc96cc" xsi:nil="true"/>
+    <MachineTranslated xmlns="4873beb7-5857-4685-be1f-d57550cc96cc">false</MachineTranslated>
+    <OriginalSourceMarket xmlns="4873beb7-5857-4685-be1f-d57550cc96cc" xsi:nil="true"/>
+    <APDescription xmlns="4873beb7-5857-4685-be1f-d57550cc96cc">This simple template design works for technology and  businesses, but it's versatile enough to use in other contexts.  It features multiple slide layouts designed for widescreen (16x9 resolution) and includes a sample SmartArt list and chart that are easily editable.</APDescription>
+    <ClipArtFilename xmlns="4873beb7-5857-4685-be1f-d57550cc96cc" xsi:nil="true"/>
+    <ContentItem xmlns="4873beb7-5857-4685-be1f-d57550cc96cc" xsi:nil="true"/>
+    <TPInstallLocation xmlns="4873beb7-5857-4685-be1f-d57550cc96cc" xsi:nil="true"/>
+    <PublishTargets xmlns="4873beb7-5857-4685-be1f-d57550cc96cc">OfficeOnlineVNext</PublishTargets>
+    <TimesCloned xmlns="4873beb7-5857-4685-be1f-d57550cc96cc" xsi:nil="true"/>
+    <AssetStart xmlns="4873beb7-5857-4685-be1f-d57550cc96cc">2011-11-26T00:30:00+00:00</AssetStart>
+    <Provider xmlns="4873beb7-5857-4685-be1f-d57550cc96cc" xsi:nil="true"/>
+    <AcquiredFrom xmlns="4873beb7-5857-4685-be1f-d57550cc96cc">Internal MS</AcquiredFrom>
+    <FriendlyTitle xmlns="4873beb7-5857-4685-be1f-d57550cc96cc" xsi:nil="true"/>
+    <LastHandOff xmlns="4873beb7-5857-4685-be1f-d57550cc96cc" xsi:nil="true"/>
+    <TPClientViewer xmlns="4873beb7-5857-4685-be1f-d57550cc96cc" xsi:nil="true"/>
+    <TemplateStatus xmlns="4873beb7-5857-4685-be1f-d57550cc96cc">Complete</TemplateStatus>
+    <Downloads xmlns="4873beb7-5857-4685-be1f-d57550cc96cc">0</Downloads>
+    <OOCacheId xmlns="4873beb7-5857-4685-be1f-d57550cc96cc" xsi:nil="true"/>
+    <IsDeleted xmlns="4873beb7-5857-4685-be1f-d57550cc96cc">false</IsDeleted>
+    <LocPublishedDependentAssetsLookup xmlns="4873beb7-5857-4685-be1f-d57550cc96cc" xsi:nil="true"/>
+    <TPExecutable xmlns="4873beb7-5857-4685-be1f-d57550cc96cc" xsi:nil="true"/>
+    <EditorialTags xmlns="4873beb7-5857-4685-be1f-d57550cc96cc" xsi:nil="true"/>
+    <SubmitterId xmlns="4873beb7-5857-4685-be1f-d57550cc96cc" xsi:nil="true"/>
+    <ApprovalLog xmlns="4873beb7-5857-4685-be1f-d57550cc96cc" xsi:nil="true"/>
+    <AssetType xmlns="4873beb7-5857-4685-be1f-d57550cc96cc">TP</AssetType>
+    <BugNumber xmlns="4873beb7-5857-4685-be1f-d57550cc96cc" xsi:nil="true"/>
+    <CSXSubmissionDate xmlns="4873beb7-5857-4685-be1f-d57550cc96cc" xsi:nil="true"/>
+    <CSXUpdate xmlns="4873beb7-5857-4685-be1f-d57550cc96cc">false</CSXUpdate>
+    <Milestone xmlns="4873beb7-5857-4685-be1f-d57550cc96cc" xsi:nil="true"/>
+    <RecommendationsModifier xmlns="4873beb7-5857-4685-be1f-d57550cc96cc" xsi:nil="true"/>
+    <OriginAsset xmlns="4873beb7-5857-4685-be1f-d57550cc96cc" xsi:nil="true"/>
+    <TPComponent xmlns="4873beb7-5857-4685-be1f-d57550cc96cc" xsi:nil="true"/>
+    <AssetId xmlns="4873beb7-5857-4685-be1f-d57550cc96cc">TP102787989</AssetId>
+    <IntlLocPriority xmlns="4873beb7-5857-4685-be1f-d57550cc96cc" xsi:nil="true"/>
+    <PolicheckWords xmlns="4873beb7-5857-4685-be1f-d57550cc96cc" xsi:nil="true"/>
+    <TPLaunchHelpLink xmlns="4873beb7-5857-4685-be1f-d57550cc96cc" xsi:nil="true"/>
+    <TPApplication xmlns="4873beb7-5857-4685-be1f-d57550cc96cc" xsi:nil="true"/>
+    <CrawlForDependencies xmlns="4873beb7-5857-4685-be1f-d57550cc96cc">false</CrawlForDependencies>
+    <HandoffToMSDN xmlns="4873beb7-5857-4685-be1f-d57550cc96cc" xsi:nil="true"/>
+    <PlannedPubDate xmlns="4873beb7-5857-4685-be1f-d57550cc96cc" xsi:nil="true"/>
+    <IntlLangReviewer xmlns="4873beb7-5857-4685-be1f-d57550cc96cc" xsi:nil="true"/>
+    <TrustLevel xmlns="4873beb7-5857-4685-be1f-d57550cc96cc">1 Microsoft Managed Content</TrustLevel>
+    <LocLastLocAttemptVersionLookup xmlns="4873beb7-5857-4685-be1f-d57550cc96cc">694266</LocLastLocAttemptVersionLookup>
+    <LocProcessedForHandoffsLookup xmlns="4873beb7-5857-4685-be1f-d57550cc96cc" xsi:nil="true"/>
+    <IsSearchable xmlns="4873beb7-5857-4685-be1f-d57550cc96cc">true</IsSearchable>
+    <TemplateTemplateType xmlns="4873beb7-5857-4685-be1f-d57550cc96cc">PowerPoint Presentation Template</TemplateTemplateType>
+    <CampaignTagsTaxHTField0 xmlns="4873beb7-5857-4685-be1f-d57550cc96cc">
+      <Terms xmlns="http://schemas.microsoft.com/office/infopath/2007/PartnerControls"/>
+    </CampaignTagsTaxHTField0>
+    <TPNamespace xmlns="4873beb7-5857-4685-be1f-d57550cc96cc" xsi:nil="true"/>
+    <LocOverallPreviewStatusLookup xmlns="4873beb7-5857-4685-be1f-d57550cc96cc" xsi:nil="true"/>
+    <TaxCatchAll xmlns="4873beb7-5857-4685-be1f-d57550cc96cc"/>
+    <Markets xmlns="4873beb7-5857-4685-be1f-d57550cc96cc"/>
+    <UAProjectedTotalWords xmlns="4873beb7-5857-4685-be1f-d57550cc96cc" xsi:nil="true"/>
+    <IntlLangReview xmlns="4873beb7-5857-4685-be1f-d57550cc96cc" xsi:nil="true"/>
+    <OutputCachingOn xmlns="4873beb7-5857-4685-be1f-d57550cc96cc">false</OutputCachingOn>
+    <AverageRating xmlns="4873beb7-5857-4685-be1f-d57550cc96cc" xsi:nil="true"/>
+    <APAuthor xmlns="4873beb7-5857-4685-be1f-d57550cc96cc">
+      <UserInfo>
+        <DisplayName>REDMOND\kristaa</DisplayName>
+        <AccountId>136</AccountId>
+        <AccountType/>
+      </UserInfo>
+    </APAuthor>
+    <LocManualTestRequired xmlns="4873beb7-5857-4685-be1f-d57550cc96cc">false</LocManualTestRequired>
+    <TPCommandLine xmlns="4873beb7-5857-4685-be1f-d57550cc96cc" xsi:nil="true"/>
+    <TPAppVersion xmlns="4873beb7-5857-4685-be1f-d57550cc96cc" xsi:nil="true"/>
+    <EditorialStatus xmlns="4873beb7-5857-4685-be1f-d57550cc96cc">Complete</EditorialStatus>
+    <LastModifiedDateTime xmlns="4873beb7-5857-4685-be1f-d57550cc96cc" xsi:nil="true"/>
+    <ScenarioTagsTaxHTField0 xmlns="4873beb7-5857-4685-be1f-d57550cc96cc">
+      <Terms xmlns="http://schemas.microsoft.com/office/infopath/2007/PartnerControls"/>
+    </ScenarioTagsTaxHTField0>
+    <LocProcessedForMarketsLookup xmlns="4873beb7-5857-4685-be1f-d57550cc96cc" xsi:nil="true"/>
+    <TPLaunchHelpLinkType xmlns="4873beb7-5857-4685-be1f-d57550cc96cc">Template</TPLaunchHelpLinkType>
+    <OriginalRelease xmlns="4873beb7-5857-4685-be1f-d57550cc96cc">15</OriginalRelease>
+    <LocalizationTagsTaxHTField0 xmlns="4873beb7-5857-4685-be1f-d57550cc96cc">
+      <Terms xmlns="http://schemas.microsoft.com/office/infopath/2007/PartnerControls"/>
+    </LocalizationTagsTaxHTField0>
+    <UACurrentWords xmlns="4873beb7-5857-4685-be1f-d57550cc96cc" xsi:nil="true"/>
+    <ArtSampleDocs xmlns="4873beb7-5857-4685-be1f-d57550cc96cc" xsi:nil="true"/>
+    <UALocRecommendation xmlns="4873beb7-5857-4685-be1f-d57550cc96cc">Localize</UALocRecommendation>
+    <Manager xmlns="4873beb7-5857-4685-be1f-d57550cc96cc" xsi:nil="true"/>
+    <LocOverallHandbackStatusLookup xmlns="4873beb7-5857-4685-be1f-d57550cc96cc" xsi:nil="true"/>
+    <ShowIn xmlns="4873beb7-5857-4685-be1f-d57550cc96cc">Show everywhere</ShowIn>
+    <UANotes xmlns="4873beb7-5857-4685-be1f-d57550cc96cc" xsi:nil="true"/>
+    <InternalTagsTaxHTField0 xmlns="4873beb7-5857-4685-be1f-d57550cc96cc">
+      <Terms xmlns="http://schemas.microsoft.com/office/infopath/2007/PartnerControls"/>
+    </InternalTagsTaxHTField0>
+    <CSXHash xmlns="4873beb7-5857-4685-be1f-d57550cc96cc" xsi:nil="true"/>
+    <VoteCount xmlns="4873beb7-5857-4685-be1f-d57550cc96cc" xsi:nil="true"/>
+    <AssetExpire xmlns="4873beb7-5857-4685-be1f-d57550cc96cc">2029-05-12T07:00:00+00:00</AssetExpire>
+    <DSATActionTaken xmlns="4873beb7-5857-4685-be1f-d57550cc96cc" xsi:nil="true"/>
+    <CSXSubmissionMarket xmlns="4873beb7-5857-4685-be1f-d57550cc96cc" xsi:nil="true"/>
+    <LocMarketGroupTiers2 xmlns="4873beb7-5857-4685-be1f-d57550cc96cc" xsi:nil="true"/>
+  </documentManagement>
+</p:properties>
+</file>
+
+<file path=customXml/item3.xml><?xml version="1.0" encoding="utf-8"?>
 <ct:contentTypeSchema xmlns:ct="http://schemas.microsoft.com/office/2006/metadata/contentType" xmlns:ma="http://schemas.microsoft.com/office/2006/metadata/properties/metaAttributes" ct:_="" ma:_="" ma:contentTypeName="TemplateFile" ma:contentTypeID="0x0101006EDDDB5EE6D98C44930B742096920B300400F5B6D36B3EF94B4E9A635CDF2A18F5B8" ma:contentTypeVersion="72" ma:contentTypeDescription="Create a new document." ma:contentTypeScope="" ma:versionID="a23e56308344d904b51738559c3d67c9">
   <xsd:schema xmlns:xsd="http://www.w3.org/2001/XMLSchema" xmlns:xs="http://www.w3.org/2001/XMLSchema" xmlns:p="http://schemas.microsoft.com/office/2006/metadata/properties" xmlns:ns2="4873beb7-5857-4685-be1f-d57550cc96cc" targetNamespace="http://schemas.microsoft.com/office/2006/metadata/properties" ma:root="true" ma:fieldsID="cd0908cc4600e77bf5da051303e00c8d" ns2:_="">
     <xsd:import namespace="4873beb7-5857-4685-be1f-d57550cc96cc"/>
@@ -13663,142 +19076,6 @@
 </ct:contentTypeSchema>
 </file>
 
-<file path=customXml/item3.xml><?xml version="1.0" encoding="utf-8"?>
-<p:properties xmlns:p="http://schemas.microsoft.com/office/2006/metadata/properties" xmlns:xsi="http://www.w3.org/2001/XMLSchema-instance" xmlns:pc="http://schemas.microsoft.com/office/infopath/2007/PartnerControls">
-  <documentManagement>
-    <LocPublishedLinkedAssetsLookup xmlns="4873beb7-5857-4685-be1f-d57550cc96cc" xsi:nil="true"/>
-    <ApprovalStatus xmlns="4873beb7-5857-4685-be1f-d57550cc96cc">InProgress</ApprovalStatus>
-    <MarketSpecific xmlns="4873beb7-5857-4685-be1f-d57550cc96cc">false</MarketSpecific>
-    <LocComments xmlns="4873beb7-5857-4685-be1f-d57550cc96cc" xsi:nil="true"/>
-    <LocLastLocAttemptVersionTypeLookup xmlns="4873beb7-5857-4685-be1f-d57550cc96cc" xsi:nil="true"/>
-    <DirectSourceMarket xmlns="4873beb7-5857-4685-be1f-d57550cc96cc" xsi:nil="true"/>
-    <ThumbnailAssetId xmlns="4873beb7-5857-4685-be1f-d57550cc96cc" xsi:nil="true"/>
-    <PrimaryImageGen xmlns="4873beb7-5857-4685-be1f-d57550cc96cc">false</PrimaryImageGen>
-    <LocNewPublishedVersionLookup xmlns="4873beb7-5857-4685-be1f-d57550cc96cc" xsi:nil="true"/>
-    <LegacyData xmlns="4873beb7-5857-4685-be1f-d57550cc96cc" xsi:nil="true"/>
-    <LocRecommendedHandoff xmlns="4873beb7-5857-4685-be1f-d57550cc96cc" xsi:nil="true"/>
-    <BusinessGroup xmlns="4873beb7-5857-4685-be1f-d57550cc96cc" xsi:nil="true"/>
-    <BlockPublish xmlns="4873beb7-5857-4685-be1f-d57550cc96cc">false</BlockPublish>
-    <TPFriendlyName xmlns="4873beb7-5857-4685-be1f-d57550cc96cc" xsi:nil="true"/>
-    <LocOverallPublishStatusLookup xmlns="4873beb7-5857-4685-be1f-d57550cc96cc" xsi:nil="true"/>
-    <NumericId xmlns="4873beb7-5857-4685-be1f-d57550cc96cc" xsi:nil="true"/>
-    <APEditor xmlns="4873beb7-5857-4685-be1f-d57550cc96cc">
-      <UserInfo>
-        <DisplayName/>
-        <AccountId xsi:nil="true"/>
-        <AccountType/>
-      </UserInfo>
-    </APEditor>
-    <SourceTitle xmlns="4873beb7-5857-4685-be1f-d57550cc96cc" xsi:nil="true"/>
-    <OpenTemplate xmlns="4873beb7-5857-4685-be1f-d57550cc96cc">true</OpenTemplate>
-    <LocOverallLocStatusLookup xmlns="4873beb7-5857-4685-be1f-d57550cc96cc" xsi:nil="true"/>
-    <UALocComments xmlns="4873beb7-5857-4685-be1f-d57550cc96cc" xsi:nil="true"/>
-    <ParentAssetId xmlns="4873beb7-5857-4685-be1f-d57550cc96cc" xsi:nil="true"/>
-    <IntlLangReviewDate xmlns="4873beb7-5857-4685-be1f-d57550cc96cc" xsi:nil="true"/>
-    <FeatureTagsTaxHTField0 xmlns="4873beb7-5857-4685-be1f-d57550cc96cc">
-      <Terms xmlns="http://schemas.microsoft.com/office/infopath/2007/PartnerControls"/>
-    </FeatureTagsTaxHTField0>
-    <PublishStatusLookup xmlns="4873beb7-5857-4685-be1f-d57550cc96cc">
-      <Value>1345093</Value>
-    </PublishStatusLookup>
-    <Providers xmlns="4873beb7-5857-4685-be1f-d57550cc96cc" xsi:nil="true"/>
-    <MachineTranslated xmlns="4873beb7-5857-4685-be1f-d57550cc96cc">false</MachineTranslated>
-    <OriginalSourceMarket xmlns="4873beb7-5857-4685-be1f-d57550cc96cc" xsi:nil="true"/>
-    <APDescription xmlns="4873beb7-5857-4685-be1f-d57550cc96cc">This simple template design works for technology and  businesses, but it's versatile enough to use in other contexts.  It features multiple slide layouts designed for widescreen (16x9 resolution) and includes a sample SmartArt list and chart that are easily editable.</APDescription>
-    <ClipArtFilename xmlns="4873beb7-5857-4685-be1f-d57550cc96cc" xsi:nil="true"/>
-    <ContentItem xmlns="4873beb7-5857-4685-be1f-d57550cc96cc" xsi:nil="true"/>
-    <TPInstallLocation xmlns="4873beb7-5857-4685-be1f-d57550cc96cc" xsi:nil="true"/>
-    <PublishTargets xmlns="4873beb7-5857-4685-be1f-d57550cc96cc">OfficeOnlineVNext</PublishTargets>
-    <TimesCloned xmlns="4873beb7-5857-4685-be1f-d57550cc96cc" xsi:nil="true"/>
-    <AssetStart xmlns="4873beb7-5857-4685-be1f-d57550cc96cc">2011-11-26T00:30:00+00:00</AssetStart>
-    <Provider xmlns="4873beb7-5857-4685-be1f-d57550cc96cc" xsi:nil="true"/>
-    <AcquiredFrom xmlns="4873beb7-5857-4685-be1f-d57550cc96cc">Internal MS</AcquiredFrom>
-    <FriendlyTitle xmlns="4873beb7-5857-4685-be1f-d57550cc96cc" xsi:nil="true"/>
-    <LastHandOff xmlns="4873beb7-5857-4685-be1f-d57550cc96cc" xsi:nil="true"/>
-    <TPClientViewer xmlns="4873beb7-5857-4685-be1f-d57550cc96cc" xsi:nil="true"/>
-    <TemplateStatus xmlns="4873beb7-5857-4685-be1f-d57550cc96cc">Complete</TemplateStatus>
-    <Downloads xmlns="4873beb7-5857-4685-be1f-d57550cc96cc">0</Downloads>
-    <OOCacheId xmlns="4873beb7-5857-4685-be1f-d57550cc96cc" xsi:nil="true"/>
-    <IsDeleted xmlns="4873beb7-5857-4685-be1f-d57550cc96cc">false</IsDeleted>
-    <LocPublishedDependentAssetsLookup xmlns="4873beb7-5857-4685-be1f-d57550cc96cc" xsi:nil="true"/>
-    <TPExecutable xmlns="4873beb7-5857-4685-be1f-d57550cc96cc" xsi:nil="true"/>
-    <EditorialTags xmlns="4873beb7-5857-4685-be1f-d57550cc96cc" xsi:nil="true"/>
-    <SubmitterId xmlns="4873beb7-5857-4685-be1f-d57550cc96cc" xsi:nil="true"/>
-    <ApprovalLog xmlns="4873beb7-5857-4685-be1f-d57550cc96cc" xsi:nil="true"/>
-    <AssetType xmlns="4873beb7-5857-4685-be1f-d57550cc96cc">TP</AssetType>
-    <BugNumber xmlns="4873beb7-5857-4685-be1f-d57550cc96cc" xsi:nil="true"/>
-    <CSXSubmissionDate xmlns="4873beb7-5857-4685-be1f-d57550cc96cc" xsi:nil="true"/>
-    <CSXUpdate xmlns="4873beb7-5857-4685-be1f-d57550cc96cc">false</CSXUpdate>
-    <Milestone xmlns="4873beb7-5857-4685-be1f-d57550cc96cc" xsi:nil="true"/>
-    <RecommendationsModifier xmlns="4873beb7-5857-4685-be1f-d57550cc96cc" xsi:nil="true"/>
-    <OriginAsset xmlns="4873beb7-5857-4685-be1f-d57550cc96cc" xsi:nil="true"/>
-    <TPComponent xmlns="4873beb7-5857-4685-be1f-d57550cc96cc" xsi:nil="true"/>
-    <AssetId xmlns="4873beb7-5857-4685-be1f-d57550cc96cc">TP102787989</AssetId>
-    <IntlLocPriority xmlns="4873beb7-5857-4685-be1f-d57550cc96cc" xsi:nil="true"/>
-    <PolicheckWords xmlns="4873beb7-5857-4685-be1f-d57550cc96cc" xsi:nil="true"/>
-    <TPLaunchHelpLink xmlns="4873beb7-5857-4685-be1f-d57550cc96cc" xsi:nil="true"/>
-    <TPApplication xmlns="4873beb7-5857-4685-be1f-d57550cc96cc" xsi:nil="true"/>
-    <CrawlForDependencies xmlns="4873beb7-5857-4685-be1f-d57550cc96cc">false</CrawlForDependencies>
-    <HandoffToMSDN xmlns="4873beb7-5857-4685-be1f-d57550cc96cc" xsi:nil="true"/>
-    <PlannedPubDate xmlns="4873beb7-5857-4685-be1f-d57550cc96cc" xsi:nil="true"/>
-    <IntlLangReviewer xmlns="4873beb7-5857-4685-be1f-d57550cc96cc" xsi:nil="true"/>
-    <TrustLevel xmlns="4873beb7-5857-4685-be1f-d57550cc96cc">1 Microsoft Managed Content</TrustLevel>
-    <LocLastLocAttemptVersionLookup xmlns="4873beb7-5857-4685-be1f-d57550cc96cc">694266</LocLastLocAttemptVersionLookup>
-    <LocProcessedForHandoffsLookup xmlns="4873beb7-5857-4685-be1f-d57550cc96cc" xsi:nil="true"/>
-    <IsSearchable xmlns="4873beb7-5857-4685-be1f-d57550cc96cc">true</IsSearchable>
-    <TemplateTemplateType xmlns="4873beb7-5857-4685-be1f-d57550cc96cc">PowerPoint Presentation Template</TemplateTemplateType>
-    <CampaignTagsTaxHTField0 xmlns="4873beb7-5857-4685-be1f-d57550cc96cc">
-      <Terms xmlns="http://schemas.microsoft.com/office/infopath/2007/PartnerControls"/>
-    </CampaignTagsTaxHTField0>
-    <TPNamespace xmlns="4873beb7-5857-4685-be1f-d57550cc96cc" xsi:nil="true"/>
-    <LocOverallPreviewStatusLookup xmlns="4873beb7-5857-4685-be1f-d57550cc96cc" xsi:nil="true"/>
-    <TaxCatchAll xmlns="4873beb7-5857-4685-be1f-d57550cc96cc"/>
-    <Markets xmlns="4873beb7-5857-4685-be1f-d57550cc96cc"/>
-    <UAProjectedTotalWords xmlns="4873beb7-5857-4685-be1f-d57550cc96cc" xsi:nil="true"/>
-    <IntlLangReview xmlns="4873beb7-5857-4685-be1f-d57550cc96cc" xsi:nil="true"/>
-    <OutputCachingOn xmlns="4873beb7-5857-4685-be1f-d57550cc96cc">false</OutputCachingOn>
-    <AverageRating xmlns="4873beb7-5857-4685-be1f-d57550cc96cc" xsi:nil="true"/>
-    <APAuthor xmlns="4873beb7-5857-4685-be1f-d57550cc96cc">
-      <UserInfo>
-        <DisplayName>REDMOND\kristaa</DisplayName>
-        <AccountId>136</AccountId>
-        <AccountType/>
-      </UserInfo>
-    </APAuthor>
-    <LocManualTestRequired xmlns="4873beb7-5857-4685-be1f-d57550cc96cc">false</LocManualTestRequired>
-    <TPCommandLine xmlns="4873beb7-5857-4685-be1f-d57550cc96cc" xsi:nil="true"/>
-    <TPAppVersion xmlns="4873beb7-5857-4685-be1f-d57550cc96cc" xsi:nil="true"/>
-    <EditorialStatus xmlns="4873beb7-5857-4685-be1f-d57550cc96cc">Complete</EditorialStatus>
-    <LastModifiedDateTime xmlns="4873beb7-5857-4685-be1f-d57550cc96cc" xsi:nil="true"/>
-    <ScenarioTagsTaxHTField0 xmlns="4873beb7-5857-4685-be1f-d57550cc96cc">
-      <Terms xmlns="http://schemas.microsoft.com/office/infopath/2007/PartnerControls"/>
-    </ScenarioTagsTaxHTField0>
-    <LocProcessedForMarketsLookup xmlns="4873beb7-5857-4685-be1f-d57550cc96cc" xsi:nil="true"/>
-    <TPLaunchHelpLinkType xmlns="4873beb7-5857-4685-be1f-d57550cc96cc">Template</TPLaunchHelpLinkType>
-    <OriginalRelease xmlns="4873beb7-5857-4685-be1f-d57550cc96cc">15</OriginalRelease>
-    <LocalizationTagsTaxHTField0 xmlns="4873beb7-5857-4685-be1f-d57550cc96cc">
-      <Terms xmlns="http://schemas.microsoft.com/office/infopath/2007/PartnerControls"/>
-    </LocalizationTagsTaxHTField0>
-    <UACurrentWords xmlns="4873beb7-5857-4685-be1f-d57550cc96cc" xsi:nil="true"/>
-    <ArtSampleDocs xmlns="4873beb7-5857-4685-be1f-d57550cc96cc" xsi:nil="true"/>
-    <UALocRecommendation xmlns="4873beb7-5857-4685-be1f-d57550cc96cc">Localize</UALocRecommendation>
-    <Manager xmlns="4873beb7-5857-4685-be1f-d57550cc96cc" xsi:nil="true"/>
-    <LocOverallHandbackStatusLookup xmlns="4873beb7-5857-4685-be1f-d57550cc96cc" xsi:nil="true"/>
-    <ShowIn xmlns="4873beb7-5857-4685-be1f-d57550cc96cc">Show everywhere</ShowIn>
-    <UANotes xmlns="4873beb7-5857-4685-be1f-d57550cc96cc" xsi:nil="true"/>
-    <InternalTagsTaxHTField0 xmlns="4873beb7-5857-4685-be1f-d57550cc96cc">
-      <Terms xmlns="http://schemas.microsoft.com/office/infopath/2007/PartnerControls"/>
-    </InternalTagsTaxHTField0>
-    <CSXHash xmlns="4873beb7-5857-4685-be1f-d57550cc96cc" xsi:nil="true"/>
-    <VoteCount xmlns="4873beb7-5857-4685-be1f-d57550cc96cc" xsi:nil="true"/>
-    <AssetExpire xmlns="4873beb7-5857-4685-be1f-d57550cc96cc">2029-05-12T07:00:00+00:00</AssetExpire>
-    <DSATActionTaken xmlns="4873beb7-5857-4685-be1f-d57550cc96cc" xsi:nil="true"/>
-    <CSXSubmissionMarket xmlns="4873beb7-5857-4685-be1f-d57550cc96cc" xsi:nil="true"/>
-    <LocMarketGroupTiers2 xmlns="4873beb7-5857-4685-be1f-d57550cc96cc" xsi:nil="true"/>
-  </documentManagement>
-</p:properties>
-</file>
-
 <file path=customXml/itemProps1.xml><?xml version="1.0" encoding="utf-8"?>
 <ds:datastoreItem xmlns:ds="http://schemas.openxmlformats.org/officeDocument/2006/customXml" ds:itemID="{3836F65B-1B07-41EE-A0E8-BC6EF3855225}">
   <ds:schemaRefs>
@@ -13808,6 +19085,22 @@
 </file>
 
 <file path=customXml/itemProps2.xml><?xml version="1.0" encoding="utf-8"?>
+<ds:datastoreItem xmlns:ds="http://schemas.openxmlformats.org/officeDocument/2006/customXml" ds:itemID="{60C67BEE-D13F-4BD2-98A5-34D8A0977F68}">
+  <ds:schemaRefs>
+    <ds:schemaRef ds:uri="4873beb7-5857-4685-be1f-d57550cc96cc"/>
+    <ds:schemaRef ds:uri="http://schemas.openxmlformats.org/package/2006/metadata/core-properties"/>
+    <ds:schemaRef ds:uri="http://purl.org/dc/terms/"/>
+    <ds:schemaRef ds:uri="http://schemas.microsoft.com/office/2006/documentManagement/types"/>
+    <ds:schemaRef ds:uri="http://purl.org/dc/elements/1.1/"/>
+    <ds:schemaRef ds:uri="http://schemas.microsoft.com/office/2006/metadata/properties"/>
+    <ds:schemaRef ds:uri="http://schemas.microsoft.com/office/infopath/2007/PartnerControls"/>
+    <ds:schemaRef ds:uri="http://www.w3.org/XML/1998/namespace"/>
+    <ds:schemaRef ds:uri="http://purl.org/dc/dcmitype/"/>
+  </ds:schemaRefs>
+</ds:datastoreItem>
+</file>
+
+<file path=customXml/itemProps3.xml><?xml version="1.0" encoding="utf-8"?>
 <ds:datastoreItem xmlns:ds="http://schemas.openxmlformats.org/officeDocument/2006/customXml" ds:itemID="{A09BF4D4-EF60-4196-BFC3-9462D607978C}">
   <ds:schemaRefs>
     <ds:schemaRef ds:uri="http://schemas.microsoft.com/office/2006/metadata/contentType"/>
@@ -13823,20 +19116,4 @@
     <ds:schemaRef ds:uri="http://schemas.microsoft.com/internal/obd"/>
   </ds:schemaRefs>
 </ds:datastoreItem>
-</file>
-
-<file path=customXml/itemProps3.xml><?xml version="1.0" encoding="utf-8"?>
-<ds:datastoreItem xmlns:ds="http://schemas.openxmlformats.org/officeDocument/2006/customXml" ds:itemID="{60C67BEE-D13F-4BD2-98A5-34D8A0977F68}">
-  <ds:schemaRefs>
-    <ds:schemaRef ds:uri="4873beb7-5857-4685-be1f-d57550cc96cc"/>
-    <ds:schemaRef ds:uri="http://schemas.openxmlformats.org/package/2006/metadata/core-properties"/>
-    <ds:schemaRef ds:uri="http://purl.org/dc/terms/"/>
-    <ds:schemaRef ds:uri="http://schemas.microsoft.com/office/2006/documentManagement/types"/>
-    <ds:schemaRef ds:uri="http://purl.org/dc/elements/1.1/"/>
-    <ds:schemaRef ds:uri="http://schemas.microsoft.com/office/2006/metadata/properties"/>
-    <ds:schemaRef ds:uri="http://schemas.microsoft.com/office/infopath/2007/PartnerControls"/>
-    <ds:schemaRef ds:uri="http://www.w3.org/XML/1998/namespace"/>
-    <ds:schemaRef ds:uri="http://purl.org/dc/dcmitype/"/>
-  </ds:schemaRefs>
-</ds:datastoreItem>
 </file>